--- a/doc/从零实现数据库源码分析.pptx
+++ b/doc/从零实现数据库源码分析.pptx
@@ -5,23 +5,25 @@
     <p:sldMasterId id="2147483648" r:id="rId2"/>
     <p:sldMasterId id="2147483661" r:id="rId3"/>
     <p:sldMasterId id="2147483674" r:id="rId4"/>
+    <p:sldMasterId id="2147483687" r:id="rId5"/>
   </p:sldMasterIdLst>
   <p:sldIdLst>
-    <p:sldId id="256" r:id="rId5"/>
-    <p:sldId id="257" r:id="rId6"/>
-    <p:sldId id="258" r:id="rId7"/>
-    <p:sldId id="259" r:id="rId8"/>
-    <p:sldId id="260" r:id="rId9"/>
-    <p:sldId id="261" r:id="rId10"/>
-    <p:sldId id="262" r:id="rId11"/>
-    <p:sldId id="263" r:id="rId12"/>
-    <p:sldId id="264" r:id="rId13"/>
-    <p:sldId id="265" r:id="rId14"/>
-    <p:sldId id="266" r:id="rId15"/>
-    <p:sldId id="267" r:id="rId16"/>
-    <p:sldId id="268" r:id="rId17"/>
-    <p:sldId id="269" r:id="rId18"/>
-    <p:sldId id="270" r:id="rId19"/>
+    <p:sldId id="256" r:id="rId6"/>
+    <p:sldId id="257" r:id="rId7"/>
+    <p:sldId id="258" r:id="rId8"/>
+    <p:sldId id="259" r:id="rId9"/>
+    <p:sldId id="260" r:id="rId10"/>
+    <p:sldId id="261" r:id="rId11"/>
+    <p:sldId id="262" r:id="rId12"/>
+    <p:sldId id="263" r:id="rId13"/>
+    <p:sldId id="264" r:id="rId14"/>
+    <p:sldId id="265" r:id="rId15"/>
+    <p:sldId id="266" r:id="rId16"/>
+    <p:sldId id="267" r:id="rId17"/>
+    <p:sldId id="268" r:id="rId18"/>
+    <p:sldId id="269" r:id="rId19"/>
+    <p:sldId id="270" r:id="rId20"/>
+    <p:sldId id="271" r:id="rId21"/>
   </p:sldIdLst>
   <p:sldSz cx="10080625" cy="5670550"/>
   <p:notesSz cx="7559675" cy="10691813"/>
@@ -79,7 +81,7 @@
         <p:txBody>
           <a:bodyPr/>
           <a:p>
-            <a:fld id="{B61C4911-46CE-4499-B9C5-EE30F1912A05}" type="slidenum">
+            <a:fld id="{2E37F89C-FFE9-4E5A-9201-E95B8C87E5C6}" type="slidenum">
               <a:t>&lt;#&gt;</a:t>
             </a:fld>
           </a:p>
@@ -160,6 +162,9 @@
               <a:buNone/>
             </a:pPr>
             <a:endParaRPr b="0" lang="en-US" sz="4400" spc="-1" strike="noStrike">
+              <a:solidFill>
+                <a:srgbClr val="000000"/>
+              </a:solidFill>
               <a:latin typeface="Arial"/>
             </a:endParaRPr>
           </a:p>
@@ -200,6 +205,9 @@
               <a:buNone/>
             </a:pPr>
             <a:endParaRPr b="0" lang="en-US" sz="3200" spc="-1" strike="noStrike">
+              <a:solidFill>
+                <a:srgbClr val="000000"/>
+              </a:solidFill>
               <a:latin typeface="Arial"/>
             </a:endParaRPr>
           </a:p>
@@ -240,6 +248,9 @@
               <a:buNone/>
             </a:pPr>
             <a:endParaRPr b="0" lang="en-US" sz="3200" spc="-1" strike="noStrike">
+              <a:solidFill>
+                <a:srgbClr val="000000"/>
+              </a:solidFill>
               <a:latin typeface="Arial"/>
             </a:endParaRPr>
           </a:p>
@@ -279,7 +290,7 @@
         <p:txBody>
           <a:bodyPr/>
           <a:p>
-            <a:fld id="{2E20C781-8378-4202-BE9C-038A029004FB}" type="slidenum">
+            <a:fld id="{6F1D8BC8-C7E5-4517-AAF0-B7D03127C0A0}" type="slidenum">
               <a:t>&lt;#&gt;</a:t>
             </a:fld>
           </a:p>
@@ -360,6 +371,9 @@
               <a:buNone/>
             </a:pPr>
             <a:endParaRPr b="0" lang="en-US" sz="4400" spc="-1" strike="noStrike">
+              <a:solidFill>
+                <a:srgbClr val="000000"/>
+              </a:solidFill>
               <a:latin typeface="Arial"/>
             </a:endParaRPr>
           </a:p>
@@ -400,6 +414,9 @@
               <a:buNone/>
             </a:pPr>
             <a:endParaRPr b="0" lang="en-US" sz="3200" spc="-1" strike="noStrike">
+              <a:solidFill>
+                <a:srgbClr val="000000"/>
+              </a:solidFill>
               <a:latin typeface="Arial"/>
             </a:endParaRPr>
           </a:p>
@@ -440,6 +457,9 @@
               <a:buNone/>
             </a:pPr>
             <a:endParaRPr b="0" lang="en-US" sz="3200" spc="-1" strike="noStrike">
+              <a:solidFill>
+                <a:srgbClr val="000000"/>
+              </a:solidFill>
               <a:latin typeface="Arial"/>
             </a:endParaRPr>
           </a:p>
@@ -480,6 +500,9 @@
               <a:buNone/>
             </a:pPr>
             <a:endParaRPr b="0" lang="en-US" sz="3200" spc="-1" strike="noStrike">
+              <a:solidFill>
+                <a:srgbClr val="000000"/>
+              </a:solidFill>
               <a:latin typeface="Arial"/>
             </a:endParaRPr>
           </a:p>
@@ -520,6 +543,9 @@
               <a:buNone/>
             </a:pPr>
             <a:endParaRPr b="0" lang="en-US" sz="3200" spc="-1" strike="noStrike">
+              <a:solidFill>
+                <a:srgbClr val="000000"/>
+              </a:solidFill>
               <a:latin typeface="Arial"/>
             </a:endParaRPr>
           </a:p>
@@ -559,7 +585,7 @@
         <p:txBody>
           <a:bodyPr/>
           <a:p>
-            <a:fld id="{E75712FB-3A0B-4A6F-AB82-48EE43B1D68C}" type="slidenum">
+            <a:fld id="{A1A8538B-0FB7-4765-A15B-6E7C3A0559CF}" type="slidenum">
               <a:t>&lt;#&gt;</a:t>
             </a:fld>
           </a:p>
@@ -640,6 +666,9 @@
               <a:buNone/>
             </a:pPr>
             <a:endParaRPr b="0" lang="en-US" sz="4400" spc="-1" strike="noStrike">
+              <a:solidFill>
+                <a:srgbClr val="000000"/>
+              </a:solidFill>
               <a:latin typeface="Arial"/>
             </a:endParaRPr>
           </a:p>
@@ -680,6 +709,9 @@
               <a:buNone/>
             </a:pPr>
             <a:endParaRPr b="0" lang="en-US" sz="3200" spc="-1" strike="noStrike">
+              <a:solidFill>
+                <a:srgbClr val="000000"/>
+              </a:solidFill>
               <a:latin typeface="Arial"/>
             </a:endParaRPr>
           </a:p>
@@ -720,6 +752,9 @@
               <a:buNone/>
             </a:pPr>
             <a:endParaRPr b="0" lang="en-US" sz="3200" spc="-1" strike="noStrike">
+              <a:solidFill>
+                <a:srgbClr val="000000"/>
+              </a:solidFill>
               <a:latin typeface="Arial"/>
             </a:endParaRPr>
           </a:p>
@@ -760,6 +795,9 @@
               <a:buNone/>
             </a:pPr>
             <a:endParaRPr b="0" lang="en-US" sz="3200" spc="-1" strike="noStrike">
+              <a:solidFill>
+                <a:srgbClr val="000000"/>
+              </a:solidFill>
               <a:latin typeface="Arial"/>
             </a:endParaRPr>
           </a:p>
@@ -800,6 +838,9 @@
               <a:buNone/>
             </a:pPr>
             <a:endParaRPr b="0" lang="en-US" sz="3200" spc="-1" strike="noStrike">
+              <a:solidFill>
+                <a:srgbClr val="000000"/>
+              </a:solidFill>
               <a:latin typeface="Arial"/>
             </a:endParaRPr>
           </a:p>
@@ -840,6 +881,9 @@
               <a:buNone/>
             </a:pPr>
             <a:endParaRPr b="0" lang="en-US" sz="3200" spc="-1" strike="noStrike">
+              <a:solidFill>
+                <a:srgbClr val="000000"/>
+              </a:solidFill>
               <a:latin typeface="Arial"/>
             </a:endParaRPr>
           </a:p>
@@ -880,6 +924,9 @@
               <a:buNone/>
             </a:pPr>
             <a:endParaRPr b="0" lang="en-US" sz="3200" spc="-1" strike="noStrike">
+              <a:solidFill>
+                <a:srgbClr val="000000"/>
+              </a:solidFill>
               <a:latin typeface="Arial"/>
             </a:endParaRPr>
           </a:p>
@@ -919,7 +966,7 @@
         <p:txBody>
           <a:bodyPr/>
           <a:p>
-            <a:fld id="{155FC4BB-D0BB-4B63-9820-B2FA1A25E8A6}" type="slidenum">
+            <a:fld id="{6948ED52-0DBB-49DE-948C-7EE41237700D}" type="slidenum">
               <a:t>&lt;#&gt;</a:t>
             </a:fld>
           </a:p>
@@ -1002,7 +1049,7 @@
         <p:txBody>
           <a:bodyPr/>
           <a:p>
-            <a:fld id="{2F255E93-09A6-40AF-BBCB-1F6E84A6873B}" type="slidenum">
+            <a:fld id="{68D38FFC-19F8-466E-97AD-AFEBDFB99407}" type="slidenum">
               <a:t>&lt;#&gt;</a:t>
             </a:fld>
           </a:p>
@@ -1083,6 +1130,9 @@
               <a:buNone/>
             </a:pPr>
             <a:endParaRPr b="0" lang="en-US" sz="4400" spc="-1" strike="noStrike">
+              <a:solidFill>
+                <a:srgbClr val="000000"/>
+              </a:solidFill>
               <a:latin typeface="Arial"/>
             </a:endParaRPr>
           </a:p>
@@ -1120,6 +1170,9 @@
               <a:buNone/>
             </a:pPr>
             <a:endParaRPr b="0" lang="en-US" sz="3200" spc="-1" strike="noStrike">
+              <a:solidFill>
+                <a:srgbClr val="000000"/>
+              </a:solidFill>
               <a:latin typeface="Arial"/>
             </a:endParaRPr>
           </a:p>
@@ -1159,7 +1212,7 @@
         <p:txBody>
           <a:bodyPr/>
           <a:p>
-            <a:fld id="{5A58E183-001C-425C-8E4E-C63FAB02DA3C}" type="slidenum">
+            <a:fld id="{3136EB80-0327-4E65-99A2-6BE588003FB2}" type="slidenum">
               <a:t>&lt;#&gt;</a:t>
             </a:fld>
           </a:p>
@@ -1240,6 +1293,9 @@
               <a:buNone/>
             </a:pPr>
             <a:endParaRPr b="0" lang="en-US" sz="4400" spc="-1" strike="noStrike">
+              <a:solidFill>
+                <a:srgbClr val="000000"/>
+              </a:solidFill>
               <a:latin typeface="Arial"/>
             </a:endParaRPr>
           </a:p>
@@ -1280,6 +1336,9 @@
               <a:buNone/>
             </a:pPr>
             <a:endParaRPr b="0" lang="en-US" sz="3200" spc="-1" strike="noStrike">
+              <a:solidFill>
+                <a:srgbClr val="000000"/>
+              </a:solidFill>
               <a:latin typeface="Arial"/>
             </a:endParaRPr>
           </a:p>
@@ -1319,7 +1378,7 @@
         <p:txBody>
           <a:bodyPr/>
           <a:p>
-            <a:fld id="{2E8A170D-FE7B-4124-BC1F-04AF3685B554}" type="slidenum">
+            <a:fld id="{594AE165-709E-4FE9-93FC-9DC484DE81DF}" type="slidenum">
               <a:t>&lt;#&gt;</a:t>
             </a:fld>
           </a:p>
@@ -1400,6 +1459,9 @@
               <a:buNone/>
             </a:pPr>
             <a:endParaRPr b="0" lang="en-US" sz="4400" spc="-1" strike="noStrike">
+              <a:solidFill>
+                <a:srgbClr val="000000"/>
+              </a:solidFill>
               <a:latin typeface="Arial"/>
             </a:endParaRPr>
           </a:p>
@@ -1440,6 +1502,9 @@
               <a:buNone/>
             </a:pPr>
             <a:endParaRPr b="0" lang="en-US" sz="3200" spc="-1" strike="noStrike">
+              <a:solidFill>
+                <a:srgbClr val="000000"/>
+              </a:solidFill>
               <a:latin typeface="Arial"/>
             </a:endParaRPr>
           </a:p>
@@ -1480,6 +1545,9 @@
               <a:buNone/>
             </a:pPr>
             <a:endParaRPr b="0" lang="en-US" sz="3200" spc="-1" strike="noStrike">
+              <a:solidFill>
+                <a:srgbClr val="000000"/>
+              </a:solidFill>
               <a:latin typeface="Arial"/>
             </a:endParaRPr>
           </a:p>
@@ -1519,7 +1587,7 @@
         <p:txBody>
           <a:bodyPr/>
           <a:p>
-            <a:fld id="{4825636C-05E9-4E73-AD10-77E65B4E0A57}" type="slidenum">
+            <a:fld id="{72E99437-8E83-4D51-A1BB-2EAF5C38BBBD}" type="slidenum">
               <a:t>&lt;#&gt;</a:t>
             </a:fld>
           </a:p>
@@ -1600,6 +1668,9 @@
               <a:buNone/>
             </a:pPr>
             <a:endParaRPr b="0" lang="en-US" sz="4400" spc="-1" strike="noStrike">
+              <a:solidFill>
+                <a:srgbClr val="000000"/>
+              </a:solidFill>
               <a:latin typeface="Arial"/>
             </a:endParaRPr>
           </a:p>
@@ -1639,7 +1710,7 @@
         <p:txBody>
           <a:bodyPr/>
           <a:p>
-            <a:fld id="{83C7099C-BBAD-4C18-AE75-A3D5AE893040}" type="slidenum">
+            <a:fld id="{3E19B719-9664-4D23-A045-5D3A13F1A3C5}" type="slidenum">
               <a:t>&lt;#&gt;</a:t>
             </a:fld>
           </a:p>
@@ -1718,6 +1789,9 @@
           <a:p>
             <a:pPr algn="ctr"/>
             <a:endParaRPr b="0" lang="en-US" sz="3200" spc="-1" strike="noStrike">
+              <a:solidFill>
+                <a:srgbClr val="000000"/>
+              </a:solidFill>
               <a:latin typeface="Arial"/>
             </a:endParaRPr>
           </a:p>
@@ -1757,7 +1831,7 @@
         <p:txBody>
           <a:bodyPr/>
           <a:p>
-            <a:fld id="{FC8407AA-7F11-4022-928C-EBF50AE538B4}" type="slidenum">
+            <a:fld id="{3AB6DF6D-325E-4DB5-AFBE-35A9496FEE3C}" type="slidenum">
               <a:t>&lt;#&gt;</a:t>
             </a:fld>
           </a:p>
@@ -1838,6 +1912,9 @@
               <a:buNone/>
             </a:pPr>
             <a:endParaRPr b="0" lang="en-US" sz="4400" spc="-1" strike="noStrike">
+              <a:solidFill>
+                <a:srgbClr val="000000"/>
+              </a:solidFill>
               <a:latin typeface="Arial"/>
             </a:endParaRPr>
           </a:p>
@@ -1878,6 +1955,9 @@
               <a:buNone/>
             </a:pPr>
             <a:endParaRPr b="0" lang="en-US" sz="3200" spc="-1" strike="noStrike">
+              <a:solidFill>
+                <a:srgbClr val="000000"/>
+              </a:solidFill>
               <a:latin typeface="Arial"/>
             </a:endParaRPr>
           </a:p>
@@ -1918,6 +1998,9 @@
               <a:buNone/>
             </a:pPr>
             <a:endParaRPr b="0" lang="en-US" sz="3200" spc="-1" strike="noStrike">
+              <a:solidFill>
+                <a:srgbClr val="000000"/>
+              </a:solidFill>
               <a:latin typeface="Arial"/>
             </a:endParaRPr>
           </a:p>
@@ -1958,6 +2041,9 @@
               <a:buNone/>
             </a:pPr>
             <a:endParaRPr b="0" lang="en-US" sz="3200" spc="-1" strike="noStrike">
+              <a:solidFill>
+                <a:srgbClr val="000000"/>
+              </a:solidFill>
               <a:latin typeface="Arial"/>
             </a:endParaRPr>
           </a:p>
@@ -1997,7 +2083,7 @@
         <p:txBody>
           <a:bodyPr/>
           <a:p>
-            <a:fld id="{5BF235F6-7983-48C7-A9FB-2F5CC6FBC6CE}" type="slidenum">
+            <a:fld id="{8622B9D3-3CEF-4B52-9F8F-F026DC751732}" type="slidenum">
               <a:t>&lt;#&gt;</a:t>
             </a:fld>
           </a:p>
@@ -2078,6 +2164,9 @@
               <a:buNone/>
             </a:pPr>
             <a:endParaRPr b="0" lang="en-US" sz="4400" spc="-1" strike="noStrike">
+              <a:solidFill>
+                <a:srgbClr val="000000"/>
+              </a:solidFill>
               <a:latin typeface="Arial"/>
             </a:endParaRPr>
           </a:p>
@@ -2115,6 +2204,9 @@
               <a:buNone/>
             </a:pPr>
             <a:endParaRPr b="0" lang="en-US" sz="3200" spc="-1" strike="noStrike">
+              <a:solidFill>
+                <a:srgbClr val="000000"/>
+              </a:solidFill>
               <a:latin typeface="Arial"/>
             </a:endParaRPr>
           </a:p>
@@ -2154,7 +2246,7 @@
         <p:txBody>
           <a:bodyPr/>
           <a:p>
-            <a:fld id="{A90E6500-0709-4D29-A929-D0FBFC6711AC}" type="slidenum">
+            <a:fld id="{51D99916-746C-472C-AD97-46ACFE0D7A1F}" type="slidenum">
               <a:t>&lt;#&gt;</a:t>
             </a:fld>
           </a:p>
@@ -2235,6 +2327,9 @@
               <a:buNone/>
             </a:pPr>
             <a:endParaRPr b="0" lang="en-US" sz="4400" spc="-1" strike="noStrike">
+              <a:solidFill>
+                <a:srgbClr val="000000"/>
+              </a:solidFill>
               <a:latin typeface="Arial"/>
             </a:endParaRPr>
           </a:p>
@@ -2275,6 +2370,9 @@
               <a:buNone/>
             </a:pPr>
             <a:endParaRPr b="0" lang="en-US" sz="3200" spc="-1" strike="noStrike">
+              <a:solidFill>
+                <a:srgbClr val="000000"/>
+              </a:solidFill>
               <a:latin typeface="Arial"/>
             </a:endParaRPr>
           </a:p>
@@ -2315,6 +2413,9 @@
               <a:buNone/>
             </a:pPr>
             <a:endParaRPr b="0" lang="en-US" sz="3200" spc="-1" strike="noStrike">
+              <a:solidFill>
+                <a:srgbClr val="000000"/>
+              </a:solidFill>
               <a:latin typeface="Arial"/>
             </a:endParaRPr>
           </a:p>
@@ -2355,6 +2456,9 @@
               <a:buNone/>
             </a:pPr>
             <a:endParaRPr b="0" lang="en-US" sz="3200" spc="-1" strike="noStrike">
+              <a:solidFill>
+                <a:srgbClr val="000000"/>
+              </a:solidFill>
               <a:latin typeface="Arial"/>
             </a:endParaRPr>
           </a:p>
@@ -2394,7 +2498,7 @@
         <p:txBody>
           <a:bodyPr/>
           <a:p>
-            <a:fld id="{B6CECF57-EDA5-4F26-95D8-D9CD08DDD68D}" type="slidenum">
+            <a:fld id="{693A6654-91B5-4CA2-9BEC-446609438FE8}" type="slidenum">
               <a:t>&lt;#&gt;</a:t>
             </a:fld>
           </a:p>
@@ -2475,6 +2579,9 @@
               <a:buNone/>
             </a:pPr>
             <a:endParaRPr b="0" lang="en-US" sz="4400" spc="-1" strike="noStrike">
+              <a:solidFill>
+                <a:srgbClr val="000000"/>
+              </a:solidFill>
               <a:latin typeface="Arial"/>
             </a:endParaRPr>
           </a:p>
@@ -2515,6 +2622,9 @@
               <a:buNone/>
             </a:pPr>
             <a:endParaRPr b="0" lang="en-US" sz="3200" spc="-1" strike="noStrike">
+              <a:solidFill>
+                <a:srgbClr val="000000"/>
+              </a:solidFill>
               <a:latin typeface="Arial"/>
             </a:endParaRPr>
           </a:p>
@@ -2555,6 +2665,9 @@
               <a:buNone/>
             </a:pPr>
             <a:endParaRPr b="0" lang="en-US" sz="3200" spc="-1" strike="noStrike">
+              <a:solidFill>
+                <a:srgbClr val="000000"/>
+              </a:solidFill>
               <a:latin typeface="Arial"/>
             </a:endParaRPr>
           </a:p>
@@ -2595,6 +2708,9 @@
               <a:buNone/>
             </a:pPr>
             <a:endParaRPr b="0" lang="en-US" sz="3200" spc="-1" strike="noStrike">
+              <a:solidFill>
+                <a:srgbClr val="000000"/>
+              </a:solidFill>
               <a:latin typeface="Arial"/>
             </a:endParaRPr>
           </a:p>
@@ -2634,7 +2750,7 @@
         <p:txBody>
           <a:bodyPr/>
           <a:p>
-            <a:fld id="{C5664ADC-BB49-47C0-9E8A-DF1CBC55CB3D}" type="slidenum">
+            <a:fld id="{D7B2903A-7784-4A8A-8ACA-C19755C9D66E}" type="slidenum">
               <a:t>&lt;#&gt;</a:t>
             </a:fld>
           </a:p>
@@ -2715,6 +2831,9 @@
               <a:buNone/>
             </a:pPr>
             <a:endParaRPr b="0" lang="en-US" sz="4400" spc="-1" strike="noStrike">
+              <a:solidFill>
+                <a:srgbClr val="000000"/>
+              </a:solidFill>
               <a:latin typeface="Arial"/>
             </a:endParaRPr>
           </a:p>
@@ -2755,6 +2874,9 @@
               <a:buNone/>
             </a:pPr>
             <a:endParaRPr b="0" lang="en-US" sz="3200" spc="-1" strike="noStrike">
+              <a:solidFill>
+                <a:srgbClr val="000000"/>
+              </a:solidFill>
               <a:latin typeface="Arial"/>
             </a:endParaRPr>
           </a:p>
@@ -2795,6 +2917,9 @@
               <a:buNone/>
             </a:pPr>
             <a:endParaRPr b="0" lang="en-US" sz="3200" spc="-1" strike="noStrike">
+              <a:solidFill>
+                <a:srgbClr val="000000"/>
+              </a:solidFill>
               <a:latin typeface="Arial"/>
             </a:endParaRPr>
           </a:p>
@@ -2834,7 +2959,7 @@
         <p:txBody>
           <a:bodyPr/>
           <a:p>
-            <a:fld id="{EB2EBAA1-D234-4AC5-8008-9AAEE1F1B9E2}" type="slidenum">
+            <a:fld id="{0D383EC1-9400-4B89-92D8-83FA2BC76291}" type="slidenum">
               <a:t>&lt;#&gt;</a:t>
             </a:fld>
           </a:p>
@@ -2915,6 +3040,9 @@
               <a:buNone/>
             </a:pPr>
             <a:endParaRPr b="0" lang="en-US" sz="4400" spc="-1" strike="noStrike">
+              <a:solidFill>
+                <a:srgbClr val="000000"/>
+              </a:solidFill>
               <a:latin typeface="Arial"/>
             </a:endParaRPr>
           </a:p>
@@ -2955,6 +3083,9 @@
               <a:buNone/>
             </a:pPr>
             <a:endParaRPr b="0" lang="en-US" sz="3200" spc="-1" strike="noStrike">
+              <a:solidFill>
+                <a:srgbClr val="000000"/>
+              </a:solidFill>
               <a:latin typeface="Arial"/>
             </a:endParaRPr>
           </a:p>
@@ -2995,6 +3126,9 @@
               <a:buNone/>
             </a:pPr>
             <a:endParaRPr b="0" lang="en-US" sz="3200" spc="-1" strike="noStrike">
+              <a:solidFill>
+                <a:srgbClr val="000000"/>
+              </a:solidFill>
               <a:latin typeface="Arial"/>
             </a:endParaRPr>
           </a:p>
@@ -3035,6 +3169,9 @@
               <a:buNone/>
             </a:pPr>
             <a:endParaRPr b="0" lang="en-US" sz="3200" spc="-1" strike="noStrike">
+              <a:solidFill>
+                <a:srgbClr val="000000"/>
+              </a:solidFill>
               <a:latin typeface="Arial"/>
             </a:endParaRPr>
           </a:p>
@@ -3075,6 +3212,9 @@
               <a:buNone/>
             </a:pPr>
             <a:endParaRPr b="0" lang="en-US" sz="3200" spc="-1" strike="noStrike">
+              <a:solidFill>
+                <a:srgbClr val="000000"/>
+              </a:solidFill>
               <a:latin typeface="Arial"/>
             </a:endParaRPr>
           </a:p>
@@ -3114,7 +3254,7 @@
         <p:txBody>
           <a:bodyPr/>
           <a:p>
-            <a:fld id="{F68645B4-C509-4888-9AD2-518CEF3D35FB}" type="slidenum">
+            <a:fld id="{24062149-91A2-4360-B3B0-7800BC195F44}" type="slidenum">
               <a:t>&lt;#&gt;</a:t>
             </a:fld>
           </a:p>
@@ -3195,6 +3335,9 @@
               <a:buNone/>
             </a:pPr>
             <a:endParaRPr b="0" lang="en-US" sz="4400" spc="-1" strike="noStrike">
+              <a:solidFill>
+                <a:srgbClr val="000000"/>
+              </a:solidFill>
               <a:latin typeface="Arial"/>
             </a:endParaRPr>
           </a:p>
@@ -3235,6 +3378,9 @@
               <a:buNone/>
             </a:pPr>
             <a:endParaRPr b="0" lang="en-US" sz="3200" spc="-1" strike="noStrike">
+              <a:solidFill>
+                <a:srgbClr val="000000"/>
+              </a:solidFill>
               <a:latin typeface="Arial"/>
             </a:endParaRPr>
           </a:p>
@@ -3275,6 +3421,9 @@
               <a:buNone/>
             </a:pPr>
             <a:endParaRPr b="0" lang="en-US" sz="3200" spc="-1" strike="noStrike">
+              <a:solidFill>
+                <a:srgbClr val="000000"/>
+              </a:solidFill>
               <a:latin typeface="Arial"/>
             </a:endParaRPr>
           </a:p>
@@ -3315,6 +3464,9 @@
               <a:buNone/>
             </a:pPr>
             <a:endParaRPr b="0" lang="en-US" sz="3200" spc="-1" strike="noStrike">
+              <a:solidFill>
+                <a:srgbClr val="000000"/>
+              </a:solidFill>
               <a:latin typeface="Arial"/>
             </a:endParaRPr>
           </a:p>
@@ -3355,6 +3507,9 @@
               <a:buNone/>
             </a:pPr>
             <a:endParaRPr b="0" lang="en-US" sz="3200" spc="-1" strike="noStrike">
+              <a:solidFill>
+                <a:srgbClr val="000000"/>
+              </a:solidFill>
               <a:latin typeface="Arial"/>
             </a:endParaRPr>
           </a:p>
@@ -3395,6 +3550,9 @@
               <a:buNone/>
             </a:pPr>
             <a:endParaRPr b="0" lang="en-US" sz="3200" spc="-1" strike="noStrike">
+              <a:solidFill>
+                <a:srgbClr val="000000"/>
+              </a:solidFill>
               <a:latin typeface="Arial"/>
             </a:endParaRPr>
           </a:p>
@@ -3435,6 +3593,9 @@
               <a:buNone/>
             </a:pPr>
             <a:endParaRPr b="0" lang="en-US" sz="3200" spc="-1" strike="noStrike">
+              <a:solidFill>
+                <a:srgbClr val="000000"/>
+              </a:solidFill>
               <a:latin typeface="Arial"/>
             </a:endParaRPr>
           </a:p>
@@ -3474,7 +3635,7 @@
         <p:txBody>
           <a:bodyPr/>
           <a:p>
-            <a:fld id="{6560CD6E-E399-496F-A418-C279D94D6754}" type="slidenum">
+            <a:fld id="{1A637BE5-D4FC-4EA0-BB2E-DF6AECF36D37}" type="slidenum">
               <a:t>&lt;#&gt;</a:t>
             </a:fld>
           </a:p>
@@ -3557,7 +3718,7 @@
         <p:txBody>
           <a:bodyPr/>
           <a:p>
-            <a:fld id="{DDF6FD3A-D6D9-44F7-BEE7-DBFB436FC504}" type="slidenum">
+            <a:fld id="{F508CE2B-B01E-4F3B-8FFC-16358BB5FAB4}" type="slidenum">
               <a:t>&lt;#&gt;</a:t>
             </a:fld>
           </a:p>
@@ -3638,6 +3799,9 @@
               <a:buNone/>
             </a:pPr>
             <a:endParaRPr b="0" lang="en-US" sz="4400" spc="-1" strike="noStrike">
+              <a:solidFill>
+                <a:srgbClr val="000000"/>
+              </a:solidFill>
               <a:latin typeface="Arial"/>
             </a:endParaRPr>
           </a:p>
@@ -3675,6 +3839,9 @@
               <a:buNone/>
             </a:pPr>
             <a:endParaRPr b="0" lang="en-US" sz="3200" spc="-1" strike="noStrike">
+              <a:solidFill>
+                <a:srgbClr val="000000"/>
+              </a:solidFill>
               <a:latin typeface="Arial"/>
             </a:endParaRPr>
           </a:p>
@@ -3714,7 +3881,7 @@
         <p:txBody>
           <a:bodyPr/>
           <a:p>
-            <a:fld id="{27C8363B-1675-4A23-8663-B71316100979}" type="slidenum">
+            <a:fld id="{E753C8F5-CF36-45DF-91CC-E9A2536183D1}" type="slidenum">
               <a:t>&lt;#&gt;</a:t>
             </a:fld>
           </a:p>
@@ -3795,6 +3962,9 @@
               <a:buNone/>
             </a:pPr>
             <a:endParaRPr b="0" lang="en-US" sz="4400" spc="-1" strike="noStrike">
+              <a:solidFill>
+                <a:srgbClr val="000000"/>
+              </a:solidFill>
               <a:latin typeface="Arial"/>
             </a:endParaRPr>
           </a:p>
@@ -3835,6 +4005,9 @@
               <a:buNone/>
             </a:pPr>
             <a:endParaRPr b="0" lang="en-US" sz="3200" spc="-1" strike="noStrike">
+              <a:solidFill>
+                <a:srgbClr val="000000"/>
+              </a:solidFill>
               <a:latin typeface="Arial"/>
             </a:endParaRPr>
           </a:p>
@@ -3874,7 +4047,7 @@
         <p:txBody>
           <a:bodyPr/>
           <a:p>
-            <a:fld id="{853F757A-C6EB-40EB-9A5D-AE00D6772CBD}" type="slidenum">
+            <a:fld id="{A08A6F36-76AC-4B7B-A05B-94A0C0B7F6B9}" type="slidenum">
               <a:t>&lt;#&gt;</a:t>
             </a:fld>
           </a:p>
@@ -3955,6 +4128,9 @@
               <a:buNone/>
             </a:pPr>
             <a:endParaRPr b="0" lang="en-US" sz="4400" spc="-1" strike="noStrike">
+              <a:solidFill>
+                <a:srgbClr val="000000"/>
+              </a:solidFill>
               <a:latin typeface="Arial"/>
             </a:endParaRPr>
           </a:p>
@@ -3995,6 +4171,9 @@
               <a:buNone/>
             </a:pPr>
             <a:endParaRPr b="0" lang="en-US" sz="3200" spc="-1" strike="noStrike">
+              <a:solidFill>
+                <a:srgbClr val="000000"/>
+              </a:solidFill>
               <a:latin typeface="Arial"/>
             </a:endParaRPr>
           </a:p>
@@ -4035,6 +4214,9 @@
               <a:buNone/>
             </a:pPr>
             <a:endParaRPr b="0" lang="en-US" sz="3200" spc="-1" strike="noStrike">
+              <a:solidFill>
+                <a:srgbClr val="000000"/>
+              </a:solidFill>
               <a:latin typeface="Arial"/>
             </a:endParaRPr>
           </a:p>
@@ -4074,7 +4256,7 @@
         <p:txBody>
           <a:bodyPr/>
           <a:p>
-            <a:fld id="{DE7316E8-20F7-4324-8F8A-18271C2C1F18}" type="slidenum">
+            <a:fld id="{A2A83852-F190-4050-A68F-D8AA29E40615}" type="slidenum">
               <a:t>&lt;#&gt;</a:t>
             </a:fld>
           </a:p>
@@ -4155,6 +4337,9 @@
               <a:buNone/>
             </a:pPr>
             <a:endParaRPr b="0" lang="en-US" sz="4400" spc="-1" strike="noStrike">
+              <a:solidFill>
+                <a:srgbClr val="000000"/>
+              </a:solidFill>
               <a:latin typeface="Arial"/>
             </a:endParaRPr>
           </a:p>
@@ -4194,7 +4379,7 @@
         <p:txBody>
           <a:bodyPr/>
           <a:p>
-            <a:fld id="{0A73F9A5-839A-4A1E-B6F6-1A251579726B}" type="slidenum">
+            <a:fld id="{7081586A-849F-4310-81C4-F1EDE70BB272}" type="slidenum">
               <a:t>&lt;#&gt;</a:t>
             </a:fld>
           </a:p>
@@ -4275,6 +4460,9 @@
               <a:buNone/>
             </a:pPr>
             <a:endParaRPr b="0" lang="en-US" sz="4400" spc="-1" strike="noStrike">
+              <a:solidFill>
+                <a:srgbClr val="000000"/>
+              </a:solidFill>
               <a:latin typeface="Arial"/>
             </a:endParaRPr>
           </a:p>
@@ -4315,6 +4503,9 @@
               <a:buNone/>
             </a:pPr>
             <a:endParaRPr b="0" lang="en-US" sz="3200" spc="-1" strike="noStrike">
+              <a:solidFill>
+                <a:srgbClr val="000000"/>
+              </a:solidFill>
               <a:latin typeface="Arial"/>
             </a:endParaRPr>
           </a:p>
@@ -4354,7 +4545,7 @@
         <p:txBody>
           <a:bodyPr/>
           <a:p>
-            <a:fld id="{0E91CF60-F32C-4363-BC48-0BE3F09D39AB}" type="slidenum">
+            <a:fld id="{CB289767-273A-47B7-B201-665B3B93D6DD}" type="slidenum">
               <a:t>&lt;#&gt;</a:t>
             </a:fld>
           </a:p>
@@ -4433,6 +4624,9 @@
           <a:p>
             <a:pPr algn="ctr"/>
             <a:endParaRPr b="0" lang="en-US" sz="3200" spc="-1" strike="noStrike">
+              <a:solidFill>
+                <a:srgbClr val="000000"/>
+              </a:solidFill>
               <a:latin typeface="Arial"/>
             </a:endParaRPr>
           </a:p>
@@ -4472,7 +4666,7 @@
         <p:txBody>
           <a:bodyPr/>
           <a:p>
-            <a:fld id="{980BE246-46E7-4DB3-A980-325E4DB0BD74}" type="slidenum">
+            <a:fld id="{1A1FE19A-C00C-4D1D-AFBC-5BB457549D17}" type="slidenum">
               <a:t>&lt;#&gt;</a:t>
             </a:fld>
           </a:p>
@@ -4553,6 +4747,9 @@
               <a:buNone/>
             </a:pPr>
             <a:endParaRPr b="0" lang="en-US" sz="4400" spc="-1" strike="noStrike">
+              <a:solidFill>
+                <a:srgbClr val="000000"/>
+              </a:solidFill>
               <a:latin typeface="Arial"/>
             </a:endParaRPr>
           </a:p>
@@ -4593,6 +4790,9 @@
               <a:buNone/>
             </a:pPr>
             <a:endParaRPr b="0" lang="en-US" sz="3200" spc="-1" strike="noStrike">
+              <a:solidFill>
+                <a:srgbClr val="000000"/>
+              </a:solidFill>
               <a:latin typeface="Arial"/>
             </a:endParaRPr>
           </a:p>
@@ -4633,6 +4833,9 @@
               <a:buNone/>
             </a:pPr>
             <a:endParaRPr b="0" lang="en-US" sz="3200" spc="-1" strike="noStrike">
+              <a:solidFill>
+                <a:srgbClr val="000000"/>
+              </a:solidFill>
               <a:latin typeface="Arial"/>
             </a:endParaRPr>
           </a:p>
@@ -4673,6 +4876,9 @@
               <a:buNone/>
             </a:pPr>
             <a:endParaRPr b="0" lang="en-US" sz="3200" spc="-1" strike="noStrike">
+              <a:solidFill>
+                <a:srgbClr val="000000"/>
+              </a:solidFill>
               <a:latin typeface="Arial"/>
             </a:endParaRPr>
           </a:p>
@@ -4712,7 +4918,7 @@
         <p:txBody>
           <a:bodyPr/>
           <a:p>
-            <a:fld id="{BE7BD58D-4DB0-45FB-BF80-5C261BFBF754}" type="slidenum">
+            <a:fld id="{3239C618-AEAB-4C77-8936-010A4A05A849}" type="slidenum">
               <a:t>&lt;#&gt;</a:t>
             </a:fld>
           </a:p>
@@ -4793,6 +4999,9 @@
               <a:buNone/>
             </a:pPr>
             <a:endParaRPr b="0" lang="en-US" sz="4400" spc="-1" strike="noStrike">
+              <a:solidFill>
+                <a:srgbClr val="000000"/>
+              </a:solidFill>
               <a:latin typeface="Arial"/>
             </a:endParaRPr>
           </a:p>
@@ -4833,6 +5042,9 @@
               <a:buNone/>
             </a:pPr>
             <a:endParaRPr b="0" lang="en-US" sz="3200" spc="-1" strike="noStrike">
+              <a:solidFill>
+                <a:srgbClr val="000000"/>
+              </a:solidFill>
               <a:latin typeface="Arial"/>
             </a:endParaRPr>
           </a:p>
@@ -4873,6 +5085,9 @@
               <a:buNone/>
             </a:pPr>
             <a:endParaRPr b="0" lang="en-US" sz="3200" spc="-1" strike="noStrike">
+              <a:solidFill>
+                <a:srgbClr val="000000"/>
+              </a:solidFill>
               <a:latin typeface="Arial"/>
             </a:endParaRPr>
           </a:p>
@@ -4913,6 +5128,9 @@
               <a:buNone/>
             </a:pPr>
             <a:endParaRPr b="0" lang="en-US" sz="3200" spc="-1" strike="noStrike">
+              <a:solidFill>
+                <a:srgbClr val="000000"/>
+              </a:solidFill>
               <a:latin typeface="Arial"/>
             </a:endParaRPr>
           </a:p>
@@ -4952,7 +5170,7 @@
         <p:txBody>
           <a:bodyPr/>
           <a:p>
-            <a:fld id="{94066E56-E883-4205-9EDC-81D065ED9ED1}" type="slidenum">
+            <a:fld id="{C0A91ADB-AE68-472F-9784-1E77C67DDCA7}" type="slidenum">
               <a:t>&lt;#&gt;</a:t>
             </a:fld>
           </a:p>
@@ -5033,6 +5251,9 @@
               <a:buNone/>
             </a:pPr>
             <a:endParaRPr b="0" lang="en-US" sz="4400" spc="-1" strike="noStrike">
+              <a:solidFill>
+                <a:srgbClr val="000000"/>
+              </a:solidFill>
               <a:latin typeface="Arial"/>
             </a:endParaRPr>
           </a:p>
@@ -5073,6 +5294,9 @@
               <a:buNone/>
             </a:pPr>
             <a:endParaRPr b="0" lang="en-US" sz="3200" spc="-1" strike="noStrike">
+              <a:solidFill>
+                <a:srgbClr val="000000"/>
+              </a:solidFill>
               <a:latin typeface="Arial"/>
             </a:endParaRPr>
           </a:p>
@@ -5113,6 +5337,9 @@
               <a:buNone/>
             </a:pPr>
             <a:endParaRPr b="0" lang="en-US" sz="3200" spc="-1" strike="noStrike">
+              <a:solidFill>
+                <a:srgbClr val="000000"/>
+              </a:solidFill>
               <a:latin typeface="Arial"/>
             </a:endParaRPr>
           </a:p>
@@ -5153,6 +5380,9 @@
               <a:buNone/>
             </a:pPr>
             <a:endParaRPr b="0" lang="en-US" sz="3200" spc="-1" strike="noStrike">
+              <a:solidFill>
+                <a:srgbClr val="000000"/>
+              </a:solidFill>
               <a:latin typeface="Arial"/>
             </a:endParaRPr>
           </a:p>
@@ -5192,7 +5422,7 @@
         <p:txBody>
           <a:bodyPr/>
           <a:p>
-            <a:fld id="{451BC75C-3463-4626-B52B-808A8F492C99}" type="slidenum">
+            <a:fld id="{1755355A-5F19-42F3-859B-D214E9EE33F2}" type="slidenum">
               <a:t>&lt;#&gt;</a:t>
             </a:fld>
           </a:p>
@@ -5273,6 +5503,9 @@
               <a:buNone/>
             </a:pPr>
             <a:endParaRPr b="0" lang="en-US" sz="4400" spc="-1" strike="noStrike">
+              <a:solidFill>
+                <a:srgbClr val="000000"/>
+              </a:solidFill>
               <a:latin typeface="Arial"/>
             </a:endParaRPr>
           </a:p>
@@ -5313,6 +5546,9 @@
               <a:buNone/>
             </a:pPr>
             <a:endParaRPr b="0" lang="en-US" sz="3200" spc="-1" strike="noStrike">
+              <a:solidFill>
+                <a:srgbClr val="000000"/>
+              </a:solidFill>
               <a:latin typeface="Arial"/>
             </a:endParaRPr>
           </a:p>
@@ -5353,6 +5589,9 @@
               <a:buNone/>
             </a:pPr>
             <a:endParaRPr b="0" lang="en-US" sz="3200" spc="-1" strike="noStrike">
+              <a:solidFill>
+                <a:srgbClr val="000000"/>
+              </a:solidFill>
               <a:latin typeface="Arial"/>
             </a:endParaRPr>
           </a:p>
@@ -5392,7 +5631,7 @@
         <p:txBody>
           <a:bodyPr/>
           <a:p>
-            <a:fld id="{3D185AF7-0644-457E-B67E-0842128F8FC4}" type="slidenum">
+            <a:fld id="{B958E386-031A-417E-B652-50CA04F0FF7D}" type="slidenum">
               <a:t>&lt;#&gt;</a:t>
             </a:fld>
           </a:p>
@@ -5473,6 +5712,9 @@
               <a:buNone/>
             </a:pPr>
             <a:endParaRPr b="0" lang="en-US" sz="4400" spc="-1" strike="noStrike">
+              <a:solidFill>
+                <a:srgbClr val="000000"/>
+              </a:solidFill>
               <a:latin typeface="Arial"/>
             </a:endParaRPr>
           </a:p>
@@ -5513,6 +5755,9 @@
               <a:buNone/>
             </a:pPr>
             <a:endParaRPr b="0" lang="en-US" sz="3200" spc="-1" strike="noStrike">
+              <a:solidFill>
+                <a:srgbClr val="000000"/>
+              </a:solidFill>
               <a:latin typeface="Arial"/>
             </a:endParaRPr>
           </a:p>
@@ -5553,6 +5798,9 @@
               <a:buNone/>
             </a:pPr>
             <a:endParaRPr b="0" lang="en-US" sz="3200" spc="-1" strike="noStrike">
+              <a:solidFill>
+                <a:srgbClr val="000000"/>
+              </a:solidFill>
               <a:latin typeface="Arial"/>
             </a:endParaRPr>
           </a:p>
@@ -5593,6 +5841,9 @@
               <a:buNone/>
             </a:pPr>
             <a:endParaRPr b="0" lang="en-US" sz="3200" spc="-1" strike="noStrike">
+              <a:solidFill>
+                <a:srgbClr val="000000"/>
+              </a:solidFill>
               <a:latin typeface="Arial"/>
             </a:endParaRPr>
           </a:p>
@@ -5633,6 +5884,9 @@
               <a:buNone/>
             </a:pPr>
             <a:endParaRPr b="0" lang="en-US" sz="3200" spc="-1" strike="noStrike">
+              <a:solidFill>
+                <a:srgbClr val="000000"/>
+              </a:solidFill>
               <a:latin typeface="Arial"/>
             </a:endParaRPr>
           </a:p>
@@ -5672,7 +5926,7 @@
         <p:txBody>
           <a:bodyPr/>
           <a:p>
-            <a:fld id="{8A897CDC-AA47-445A-9DBE-5DDD570A03AD}" type="slidenum">
+            <a:fld id="{D30B319D-5D4A-4BD1-8D95-2DB1FC3A2C19}" type="slidenum">
               <a:t>&lt;#&gt;</a:t>
             </a:fld>
           </a:p>
@@ -5753,6 +6007,9 @@
               <a:buNone/>
             </a:pPr>
             <a:endParaRPr b="0" lang="en-US" sz="4400" spc="-1" strike="noStrike">
+              <a:solidFill>
+                <a:srgbClr val="000000"/>
+              </a:solidFill>
               <a:latin typeface="Arial"/>
             </a:endParaRPr>
           </a:p>
@@ -5793,6 +6050,9 @@
               <a:buNone/>
             </a:pPr>
             <a:endParaRPr b="0" lang="en-US" sz="3200" spc="-1" strike="noStrike">
+              <a:solidFill>
+                <a:srgbClr val="000000"/>
+              </a:solidFill>
               <a:latin typeface="Arial"/>
             </a:endParaRPr>
           </a:p>
@@ -5833,6 +6093,9 @@
               <a:buNone/>
             </a:pPr>
             <a:endParaRPr b="0" lang="en-US" sz="3200" spc="-1" strike="noStrike">
+              <a:solidFill>
+                <a:srgbClr val="000000"/>
+              </a:solidFill>
               <a:latin typeface="Arial"/>
             </a:endParaRPr>
           </a:p>
@@ -5873,6 +6136,9 @@
               <a:buNone/>
             </a:pPr>
             <a:endParaRPr b="0" lang="en-US" sz="3200" spc="-1" strike="noStrike">
+              <a:solidFill>
+                <a:srgbClr val="000000"/>
+              </a:solidFill>
               <a:latin typeface="Arial"/>
             </a:endParaRPr>
           </a:p>
@@ -5913,6 +6179,9 @@
               <a:buNone/>
             </a:pPr>
             <a:endParaRPr b="0" lang="en-US" sz="3200" spc="-1" strike="noStrike">
+              <a:solidFill>
+                <a:srgbClr val="000000"/>
+              </a:solidFill>
               <a:latin typeface="Arial"/>
             </a:endParaRPr>
           </a:p>
@@ -5953,6 +6222,9 @@
               <a:buNone/>
             </a:pPr>
             <a:endParaRPr b="0" lang="en-US" sz="3200" spc="-1" strike="noStrike">
+              <a:solidFill>
+                <a:srgbClr val="000000"/>
+              </a:solidFill>
               <a:latin typeface="Arial"/>
             </a:endParaRPr>
           </a:p>
@@ -5993,6 +6265,9 @@
               <a:buNone/>
             </a:pPr>
             <a:endParaRPr b="0" lang="en-US" sz="3200" spc="-1" strike="noStrike">
+              <a:solidFill>
+                <a:srgbClr val="000000"/>
+              </a:solidFill>
               <a:latin typeface="Arial"/>
             </a:endParaRPr>
           </a:p>
@@ -6032,7 +6307,7 @@
         <p:txBody>
           <a:bodyPr/>
           <a:p>
-            <a:fld id="{AC4177BA-4F9F-4571-A9F2-760C4817424F}" type="slidenum">
+            <a:fld id="{A05BCDDD-D63B-467C-A67F-EA068A86C118}" type="slidenum">
               <a:t>&lt;#&gt;</a:t>
             </a:fld>
           </a:p>
@@ -6046,6 +6321,418 @@
           </p:cNvSpPr>
           <p:nvPr>
             <p:ph type="dt" idx="9"/>
+          </p:nvPr>
+        </p:nvSpPr>
+        <p:spPr/>
+        <p:txBody>
+          <a:bodyPr/>
+          <a:p>
+            <a:r>
+              <a:rPr lang="zh-CN"/>
+              <a:t/>
+            </a:r>
+          </a:p>
+        </p:txBody>
+      </p:sp>
+    </p:spTree>
+  </p:cSld>
+</p:sldLayout>
+</file>
+
+<file path=ppt/slideLayouts/slideLayout37.xml><?xml version="1.0" encoding="utf-8"?>
+<p:sldLayout xmlns:a="http://schemas.openxmlformats.org/drawingml/2006/main" xmlns:p="http://schemas.openxmlformats.org/presentationml/2006/main" xmlns:r="http://schemas.openxmlformats.org/officeDocument/2006/relationships" xmlns:p14="http://schemas.microsoft.com/office/powerpoint/2010/main" xmlns:p15="http://schemas.microsoft.com/office/powerpoint/2012/main" xmlns:mc="http://schemas.openxmlformats.org/markup-compatibility/2006" type="blank" preserve="1">
+  <p:cSld name="Blank Slide">
+    <p:spTree>
+      <p:nvGrpSpPr>
+        <p:cNvPr id="1" name=""/>
+        <p:cNvGrpSpPr/>
+        <p:nvPr/>
+      </p:nvGrpSpPr>
+      <p:grpSpPr>
+        <a:xfrm>
+          <a:off x="0" y="0"/>
+          <a:ext cx="0" cy="0"/>
+          <a:chOff x="0" y="0"/>
+          <a:chExt cx="0" cy="0"/>
+        </a:xfrm>
+      </p:grpSpPr>
+      <p:sp>
+        <p:nvSpPr>
+          <p:cNvPr id="2" name="PlaceHolder 1"/>
+          <p:cNvSpPr>
+            <a:spLocks noGrp="1"/>
+          </p:cNvSpPr>
+          <p:nvPr>
+            <p:ph type="ftr" idx="10"/>
+          </p:nvPr>
+        </p:nvSpPr>
+        <p:spPr/>
+        <p:txBody>
+          <a:bodyPr/>
+          <a:p>
+            <a:r>
+              <a:t>Footer</a:t>
+            </a:r>
+          </a:p>
+        </p:txBody>
+      </p:sp>
+      <p:sp>
+        <p:nvSpPr>
+          <p:cNvPr id="3" name="PlaceHolder 2"/>
+          <p:cNvSpPr>
+            <a:spLocks noGrp="1"/>
+          </p:cNvSpPr>
+          <p:nvPr>
+            <p:ph type="sldNum" idx="11"/>
+          </p:nvPr>
+        </p:nvSpPr>
+        <p:spPr/>
+        <p:txBody>
+          <a:bodyPr/>
+          <a:p>
+            <a:fld id="{E27D994A-888E-496C-B535-9E9107FAAEDC}" type="slidenum">
+              <a:t>&lt;#&gt;</a:t>
+            </a:fld>
+          </a:p>
+        </p:txBody>
+      </p:sp>
+      <p:sp>
+        <p:nvSpPr>
+          <p:cNvPr id="4" name="PlaceHolder 3"/>
+          <p:cNvSpPr>
+            <a:spLocks noGrp="1"/>
+          </p:cNvSpPr>
+          <p:nvPr>
+            <p:ph type="dt" idx="12"/>
+          </p:nvPr>
+        </p:nvSpPr>
+        <p:spPr/>
+        <p:txBody>
+          <a:bodyPr/>
+          <a:p>
+            <a:r>
+              <a:rPr lang="zh-CN"/>
+              <a:t/>
+            </a:r>
+          </a:p>
+        </p:txBody>
+      </p:sp>
+    </p:spTree>
+  </p:cSld>
+</p:sldLayout>
+</file>
+
+<file path=ppt/slideLayouts/slideLayout38.xml><?xml version="1.0" encoding="utf-8"?>
+<p:sldLayout xmlns:a="http://schemas.openxmlformats.org/drawingml/2006/main" xmlns:p="http://schemas.openxmlformats.org/presentationml/2006/main" xmlns:r="http://schemas.openxmlformats.org/officeDocument/2006/relationships" xmlns:p14="http://schemas.microsoft.com/office/powerpoint/2010/main" xmlns:p15="http://schemas.microsoft.com/office/powerpoint/2012/main" xmlns:mc="http://schemas.openxmlformats.org/markup-compatibility/2006" type="tx" preserve="1">
+  <p:cSld name="Title Slide">
+    <p:spTree>
+      <p:nvGrpSpPr>
+        <p:cNvPr id="1" name=""/>
+        <p:cNvGrpSpPr/>
+        <p:nvPr/>
+      </p:nvGrpSpPr>
+      <p:grpSpPr>
+        <a:xfrm>
+          <a:off x="0" y="0"/>
+          <a:ext cx="0" cy="0"/>
+          <a:chOff x="0" y="0"/>
+          <a:chExt cx="0" cy="0"/>
+        </a:xfrm>
+      </p:grpSpPr>
+      <p:sp>
+        <p:nvSpPr>
+          <p:cNvPr id="135" name="PlaceHolder 1"/>
+          <p:cNvSpPr>
+            <a:spLocks noGrp="1"/>
+          </p:cNvSpPr>
+          <p:nvPr>
+            <p:ph type="title"/>
+          </p:nvPr>
+        </p:nvSpPr>
+        <p:spPr>
+          <a:xfrm>
+            <a:off x="504000" y="226080"/>
+            <a:ext cx="9072000" cy="946440"/>
+          </a:xfrm>
+          <a:prstGeom prst="rect">
+            <a:avLst/>
+          </a:prstGeom>
+          <a:noFill/>
+          <a:ln w="0">
+            <a:noFill/>
+          </a:ln>
+        </p:spPr>
+        <p:txBody>
+          <a:bodyPr lIns="0" rIns="0" tIns="0" bIns="0" anchor="ctr">
+            <a:noAutofit/>
+          </a:bodyPr>
+          <a:p>
+            <a:pPr indent="0" algn="ctr">
+              <a:buNone/>
+            </a:pPr>
+            <a:endParaRPr b="0" lang="en-US" sz="4400" spc="-1" strike="noStrike">
+              <a:solidFill>
+                <a:srgbClr val="000000"/>
+              </a:solidFill>
+              <a:latin typeface="Arial"/>
+            </a:endParaRPr>
+          </a:p>
+        </p:txBody>
+      </p:sp>
+      <p:sp>
+        <p:nvSpPr>
+          <p:cNvPr id="136" name="PlaceHolder 2"/>
+          <p:cNvSpPr>
+            <a:spLocks noGrp="1"/>
+          </p:cNvSpPr>
+          <p:nvPr>
+            <p:ph type="subTitle"/>
+          </p:nvPr>
+        </p:nvSpPr>
+        <p:spPr>
+          <a:xfrm>
+            <a:off x="504000" y="1326600"/>
+            <a:ext cx="9072000" cy="3288600"/>
+          </a:xfrm>
+          <a:prstGeom prst="rect">
+            <a:avLst/>
+          </a:prstGeom>
+          <a:noFill/>
+          <a:ln w="0">
+            <a:noFill/>
+          </a:ln>
+        </p:spPr>
+        <p:txBody>
+          <a:bodyPr lIns="0" rIns="0" tIns="0" bIns="0" anchor="ctr">
+            <a:noAutofit/>
+          </a:bodyPr>
+          <a:p>
+            <a:pPr indent="0" algn="ctr">
+              <a:buNone/>
+            </a:pPr>
+            <a:endParaRPr b="0" lang="en-US" sz="3200" spc="-1" strike="noStrike">
+              <a:solidFill>
+                <a:srgbClr val="000000"/>
+              </a:solidFill>
+              <a:latin typeface="Arial"/>
+            </a:endParaRPr>
+          </a:p>
+        </p:txBody>
+      </p:sp>
+      <p:sp>
+        <p:nvSpPr>
+          <p:cNvPr id="4" name="PlaceHolder 3"/>
+          <p:cNvSpPr>
+            <a:spLocks noGrp="1"/>
+          </p:cNvSpPr>
+          <p:nvPr>
+            <p:ph type="ftr" idx="10"/>
+          </p:nvPr>
+        </p:nvSpPr>
+        <p:spPr/>
+        <p:txBody>
+          <a:bodyPr/>
+          <a:p>
+            <a:r>
+              <a:t>Footer</a:t>
+            </a:r>
+          </a:p>
+        </p:txBody>
+      </p:sp>
+      <p:sp>
+        <p:nvSpPr>
+          <p:cNvPr id="5" name="PlaceHolder 4"/>
+          <p:cNvSpPr>
+            <a:spLocks noGrp="1"/>
+          </p:cNvSpPr>
+          <p:nvPr>
+            <p:ph type="sldNum" idx="11"/>
+          </p:nvPr>
+        </p:nvSpPr>
+        <p:spPr/>
+        <p:txBody>
+          <a:bodyPr/>
+          <a:p>
+            <a:fld id="{C6F3390C-7F33-4708-BB39-C829E0E3254B}" type="slidenum">
+              <a:t>&lt;#&gt;</a:t>
+            </a:fld>
+          </a:p>
+        </p:txBody>
+      </p:sp>
+      <p:sp>
+        <p:nvSpPr>
+          <p:cNvPr id="6" name="PlaceHolder 5"/>
+          <p:cNvSpPr>
+            <a:spLocks noGrp="1"/>
+          </p:cNvSpPr>
+          <p:nvPr>
+            <p:ph type="dt" idx="12"/>
+          </p:nvPr>
+        </p:nvSpPr>
+        <p:spPr/>
+        <p:txBody>
+          <a:bodyPr/>
+          <a:p>
+            <a:r>
+              <a:rPr lang="zh-CN"/>
+              <a:t/>
+            </a:r>
+          </a:p>
+        </p:txBody>
+      </p:sp>
+    </p:spTree>
+  </p:cSld>
+</p:sldLayout>
+</file>
+
+<file path=ppt/slideLayouts/slideLayout39.xml><?xml version="1.0" encoding="utf-8"?>
+<p:sldLayout xmlns:a="http://schemas.openxmlformats.org/drawingml/2006/main" xmlns:p="http://schemas.openxmlformats.org/presentationml/2006/main" xmlns:r="http://schemas.openxmlformats.org/officeDocument/2006/relationships" xmlns:p14="http://schemas.microsoft.com/office/powerpoint/2010/main" xmlns:p15="http://schemas.microsoft.com/office/powerpoint/2012/main" xmlns:mc="http://schemas.openxmlformats.org/markup-compatibility/2006" type="obj" preserve="1">
+  <p:cSld name="Title, Content">
+    <p:spTree>
+      <p:nvGrpSpPr>
+        <p:cNvPr id="1" name=""/>
+        <p:cNvGrpSpPr/>
+        <p:nvPr/>
+      </p:nvGrpSpPr>
+      <p:grpSpPr>
+        <a:xfrm>
+          <a:off x="0" y="0"/>
+          <a:ext cx="0" cy="0"/>
+          <a:chOff x="0" y="0"/>
+          <a:chExt cx="0" cy="0"/>
+        </a:xfrm>
+      </p:grpSpPr>
+      <p:sp>
+        <p:nvSpPr>
+          <p:cNvPr id="137" name="PlaceHolder 1"/>
+          <p:cNvSpPr>
+            <a:spLocks noGrp="1"/>
+          </p:cNvSpPr>
+          <p:nvPr>
+            <p:ph type="title"/>
+          </p:nvPr>
+        </p:nvSpPr>
+        <p:spPr>
+          <a:xfrm>
+            <a:off x="504000" y="226080"/>
+            <a:ext cx="9072000" cy="946440"/>
+          </a:xfrm>
+          <a:prstGeom prst="rect">
+            <a:avLst/>
+          </a:prstGeom>
+          <a:noFill/>
+          <a:ln w="0">
+            <a:noFill/>
+          </a:ln>
+        </p:spPr>
+        <p:txBody>
+          <a:bodyPr lIns="0" rIns="0" tIns="0" bIns="0" anchor="ctr">
+            <a:noAutofit/>
+          </a:bodyPr>
+          <a:p>
+            <a:pPr indent="0" algn="ctr">
+              <a:buNone/>
+            </a:pPr>
+            <a:endParaRPr b="0" lang="en-US" sz="4400" spc="-1" strike="noStrike">
+              <a:solidFill>
+                <a:srgbClr val="000000"/>
+              </a:solidFill>
+              <a:latin typeface="Arial"/>
+            </a:endParaRPr>
+          </a:p>
+        </p:txBody>
+      </p:sp>
+      <p:sp>
+        <p:nvSpPr>
+          <p:cNvPr id="138" name="PlaceHolder 2"/>
+          <p:cNvSpPr>
+            <a:spLocks noGrp="1"/>
+          </p:cNvSpPr>
+          <p:nvPr>
+            <p:ph/>
+          </p:nvPr>
+        </p:nvSpPr>
+        <p:spPr>
+          <a:xfrm>
+            <a:off x="504000" y="1326600"/>
+            <a:ext cx="9072000" cy="3288600"/>
+          </a:xfrm>
+          <a:prstGeom prst="rect">
+            <a:avLst/>
+          </a:prstGeom>
+          <a:noFill/>
+          <a:ln w="0">
+            <a:noFill/>
+          </a:ln>
+        </p:spPr>
+        <p:txBody>
+          <a:bodyPr lIns="0" rIns="0" tIns="0" bIns="0" anchor="t">
+            <a:normAutofit/>
+          </a:bodyPr>
+          <a:p>
+            <a:pPr indent="0">
+              <a:spcBef>
+                <a:spcPts val="1417"/>
+              </a:spcBef>
+              <a:buNone/>
+            </a:pPr>
+            <a:endParaRPr b="0" lang="en-US" sz="3200" spc="-1" strike="noStrike">
+              <a:solidFill>
+                <a:srgbClr val="000000"/>
+              </a:solidFill>
+              <a:latin typeface="Arial"/>
+            </a:endParaRPr>
+          </a:p>
+        </p:txBody>
+      </p:sp>
+      <p:sp>
+        <p:nvSpPr>
+          <p:cNvPr id="4" name="PlaceHolder 3"/>
+          <p:cNvSpPr>
+            <a:spLocks noGrp="1"/>
+          </p:cNvSpPr>
+          <p:nvPr>
+            <p:ph type="ftr" idx="10"/>
+          </p:nvPr>
+        </p:nvSpPr>
+        <p:spPr/>
+        <p:txBody>
+          <a:bodyPr/>
+          <a:p>
+            <a:r>
+              <a:t>Footer</a:t>
+            </a:r>
+          </a:p>
+        </p:txBody>
+      </p:sp>
+      <p:sp>
+        <p:nvSpPr>
+          <p:cNvPr id="5" name="PlaceHolder 4"/>
+          <p:cNvSpPr>
+            <a:spLocks noGrp="1"/>
+          </p:cNvSpPr>
+          <p:nvPr>
+            <p:ph type="sldNum" idx="11"/>
+          </p:nvPr>
+        </p:nvSpPr>
+        <p:spPr/>
+        <p:txBody>
+          <a:bodyPr/>
+          <a:p>
+            <a:fld id="{584E514E-D0B0-4A5D-B800-CB18122CF7FF}" type="slidenum">
+              <a:t>&lt;#&gt;</a:t>
+            </a:fld>
+          </a:p>
+        </p:txBody>
+      </p:sp>
+      <p:sp>
+        <p:nvSpPr>
+          <p:cNvPr id="6" name="PlaceHolder 5"/>
+          <p:cNvSpPr>
+            <a:spLocks noGrp="1"/>
+          </p:cNvSpPr>
+          <p:nvPr>
+            <p:ph type="dt" idx="12"/>
           </p:nvPr>
         </p:nvSpPr>
         <p:spPr/>
@@ -6113,6 +6800,9 @@
               <a:buNone/>
             </a:pPr>
             <a:endParaRPr b="0" lang="en-US" sz="4400" spc="-1" strike="noStrike">
+              <a:solidFill>
+                <a:srgbClr val="000000"/>
+              </a:solidFill>
               <a:latin typeface="Arial"/>
             </a:endParaRPr>
           </a:p>
@@ -6153,6 +6843,9 @@
               <a:buNone/>
             </a:pPr>
             <a:endParaRPr b="0" lang="en-US" sz="3200" spc="-1" strike="noStrike">
+              <a:solidFill>
+                <a:srgbClr val="000000"/>
+              </a:solidFill>
               <a:latin typeface="Arial"/>
             </a:endParaRPr>
           </a:p>
@@ -6193,6 +6886,9 @@
               <a:buNone/>
             </a:pPr>
             <a:endParaRPr b="0" lang="en-US" sz="3200" spc="-1" strike="noStrike">
+              <a:solidFill>
+                <a:srgbClr val="000000"/>
+              </a:solidFill>
               <a:latin typeface="Arial"/>
             </a:endParaRPr>
           </a:p>
@@ -6232,7 +6928,7 @@
         <p:txBody>
           <a:bodyPr/>
           <a:p>
-            <a:fld id="{33B7C6F8-BA60-4E81-918A-04BAFEF57A7E}" type="slidenum">
+            <a:fld id="{9820939F-475D-4098-BCA8-A8CED5B2260B}" type="slidenum">
               <a:t>&lt;#&gt;</a:t>
             </a:fld>
           </a:p>
@@ -6246,6 +6942,2100 @@
           </p:cNvSpPr>
           <p:nvPr>
             <p:ph type="dt" idx="3"/>
+          </p:nvPr>
+        </p:nvSpPr>
+        <p:spPr/>
+        <p:txBody>
+          <a:bodyPr/>
+          <a:p>
+            <a:r>
+              <a:rPr lang="zh-CN"/>
+              <a:t/>
+            </a:r>
+          </a:p>
+        </p:txBody>
+      </p:sp>
+    </p:spTree>
+  </p:cSld>
+</p:sldLayout>
+</file>
+
+<file path=ppt/slideLayouts/slideLayout40.xml><?xml version="1.0" encoding="utf-8"?>
+<p:sldLayout xmlns:a="http://schemas.openxmlformats.org/drawingml/2006/main" xmlns:p="http://schemas.openxmlformats.org/presentationml/2006/main" xmlns:r="http://schemas.openxmlformats.org/officeDocument/2006/relationships" xmlns:p14="http://schemas.microsoft.com/office/powerpoint/2010/main" xmlns:p15="http://schemas.microsoft.com/office/powerpoint/2012/main" xmlns:mc="http://schemas.openxmlformats.org/markup-compatibility/2006" type="twoObj" preserve="1">
+  <p:cSld name="Title, 2 Content">
+    <p:spTree>
+      <p:nvGrpSpPr>
+        <p:cNvPr id="1" name=""/>
+        <p:cNvGrpSpPr/>
+        <p:nvPr/>
+      </p:nvGrpSpPr>
+      <p:grpSpPr>
+        <a:xfrm>
+          <a:off x="0" y="0"/>
+          <a:ext cx="0" cy="0"/>
+          <a:chOff x="0" y="0"/>
+          <a:chExt cx="0" cy="0"/>
+        </a:xfrm>
+      </p:grpSpPr>
+      <p:sp>
+        <p:nvSpPr>
+          <p:cNvPr id="139" name="PlaceHolder 1"/>
+          <p:cNvSpPr>
+            <a:spLocks noGrp="1"/>
+          </p:cNvSpPr>
+          <p:nvPr>
+            <p:ph type="title"/>
+          </p:nvPr>
+        </p:nvSpPr>
+        <p:spPr>
+          <a:xfrm>
+            <a:off x="504000" y="226080"/>
+            <a:ext cx="9072000" cy="946440"/>
+          </a:xfrm>
+          <a:prstGeom prst="rect">
+            <a:avLst/>
+          </a:prstGeom>
+          <a:noFill/>
+          <a:ln w="0">
+            <a:noFill/>
+          </a:ln>
+        </p:spPr>
+        <p:txBody>
+          <a:bodyPr lIns="0" rIns="0" tIns="0" bIns="0" anchor="ctr">
+            <a:noAutofit/>
+          </a:bodyPr>
+          <a:p>
+            <a:pPr indent="0" algn="ctr">
+              <a:buNone/>
+            </a:pPr>
+            <a:endParaRPr b="0" lang="en-US" sz="4400" spc="-1" strike="noStrike">
+              <a:solidFill>
+                <a:srgbClr val="000000"/>
+              </a:solidFill>
+              <a:latin typeface="Arial"/>
+            </a:endParaRPr>
+          </a:p>
+        </p:txBody>
+      </p:sp>
+      <p:sp>
+        <p:nvSpPr>
+          <p:cNvPr id="140" name="PlaceHolder 2"/>
+          <p:cNvSpPr>
+            <a:spLocks noGrp="1"/>
+          </p:cNvSpPr>
+          <p:nvPr>
+            <p:ph/>
+          </p:nvPr>
+        </p:nvSpPr>
+        <p:spPr>
+          <a:xfrm>
+            <a:off x="504000" y="1326600"/>
+            <a:ext cx="4426920" cy="3288600"/>
+          </a:xfrm>
+          <a:prstGeom prst="rect">
+            <a:avLst/>
+          </a:prstGeom>
+          <a:noFill/>
+          <a:ln w="0">
+            <a:noFill/>
+          </a:ln>
+        </p:spPr>
+        <p:txBody>
+          <a:bodyPr lIns="0" rIns="0" tIns="0" bIns="0" anchor="t">
+            <a:normAutofit/>
+          </a:bodyPr>
+          <a:p>
+            <a:pPr indent="0">
+              <a:spcBef>
+                <a:spcPts val="1417"/>
+              </a:spcBef>
+              <a:buNone/>
+            </a:pPr>
+            <a:endParaRPr b="0" lang="en-US" sz="3200" spc="-1" strike="noStrike">
+              <a:solidFill>
+                <a:srgbClr val="000000"/>
+              </a:solidFill>
+              <a:latin typeface="Arial"/>
+            </a:endParaRPr>
+          </a:p>
+        </p:txBody>
+      </p:sp>
+      <p:sp>
+        <p:nvSpPr>
+          <p:cNvPr id="141" name="PlaceHolder 3"/>
+          <p:cNvSpPr>
+            <a:spLocks noGrp="1"/>
+          </p:cNvSpPr>
+          <p:nvPr>
+            <p:ph/>
+          </p:nvPr>
+        </p:nvSpPr>
+        <p:spPr>
+          <a:xfrm>
+            <a:off x="5152680" y="1326600"/>
+            <a:ext cx="4426920" cy="3288600"/>
+          </a:xfrm>
+          <a:prstGeom prst="rect">
+            <a:avLst/>
+          </a:prstGeom>
+          <a:noFill/>
+          <a:ln w="0">
+            <a:noFill/>
+          </a:ln>
+        </p:spPr>
+        <p:txBody>
+          <a:bodyPr lIns="0" rIns="0" tIns="0" bIns="0" anchor="t">
+            <a:normAutofit/>
+          </a:bodyPr>
+          <a:p>
+            <a:pPr indent="0">
+              <a:spcBef>
+                <a:spcPts val="1417"/>
+              </a:spcBef>
+              <a:buNone/>
+            </a:pPr>
+            <a:endParaRPr b="0" lang="en-US" sz="3200" spc="-1" strike="noStrike">
+              <a:solidFill>
+                <a:srgbClr val="000000"/>
+              </a:solidFill>
+              <a:latin typeface="Arial"/>
+            </a:endParaRPr>
+          </a:p>
+        </p:txBody>
+      </p:sp>
+      <p:sp>
+        <p:nvSpPr>
+          <p:cNvPr id="5" name="PlaceHolder 4"/>
+          <p:cNvSpPr>
+            <a:spLocks noGrp="1"/>
+          </p:cNvSpPr>
+          <p:nvPr>
+            <p:ph type="ftr" idx="10"/>
+          </p:nvPr>
+        </p:nvSpPr>
+        <p:spPr/>
+        <p:txBody>
+          <a:bodyPr/>
+          <a:p>
+            <a:r>
+              <a:t>Footer</a:t>
+            </a:r>
+          </a:p>
+        </p:txBody>
+      </p:sp>
+      <p:sp>
+        <p:nvSpPr>
+          <p:cNvPr id="6" name="PlaceHolder 5"/>
+          <p:cNvSpPr>
+            <a:spLocks noGrp="1"/>
+          </p:cNvSpPr>
+          <p:nvPr>
+            <p:ph type="sldNum" idx="11"/>
+          </p:nvPr>
+        </p:nvSpPr>
+        <p:spPr/>
+        <p:txBody>
+          <a:bodyPr/>
+          <a:p>
+            <a:fld id="{3D3F7D78-EF87-4F2D-B0CA-E115D6043646}" type="slidenum">
+              <a:t>&lt;#&gt;</a:t>
+            </a:fld>
+          </a:p>
+        </p:txBody>
+      </p:sp>
+      <p:sp>
+        <p:nvSpPr>
+          <p:cNvPr id="7" name="PlaceHolder 6"/>
+          <p:cNvSpPr>
+            <a:spLocks noGrp="1"/>
+          </p:cNvSpPr>
+          <p:nvPr>
+            <p:ph type="dt" idx="12"/>
+          </p:nvPr>
+        </p:nvSpPr>
+        <p:spPr/>
+        <p:txBody>
+          <a:bodyPr/>
+          <a:p>
+            <a:r>
+              <a:rPr lang="zh-CN"/>
+              <a:t/>
+            </a:r>
+          </a:p>
+        </p:txBody>
+      </p:sp>
+    </p:spTree>
+  </p:cSld>
+</p:sldLayout>
+</file>
+
+<file path=ppt/slideLayouts/slideLayout41.xml><?xml version="1.0" encoding="utf-8"?>
+<p:sldLayout xmlns:a="http://schemas.openxmlformats.org/drawingml/2006/main" xmlns:p="http://schemas.openxmlformats.org/presentationml/2006/main" xmlns:r="http://schemas.openxmlformats.org/officeDocument/2006/relationships" xmlns:p14="http://schemas.microsoft.com/office/powerpoint/2010/main" xmlns:p15="http://schemas.microsoft.com/office/powerpoint/2012/main" xmlns:mc="http://schemas.openxmlformats.org/markup-compatibility/2006" type="titleOnly" preserve="1">
+  <p:cSld name="Title Only">
+    <p:spTree>
+      <p:nvGrpSpPr>
+        <p:cNvPr id="1" name=""/>
+        <p:cNvGrpSpPr/>
+        <p:nvPr/>
+      </p:nvGrpSpPr>
+      <p:grpSpPr>
+        <a:xfrm>
+          <a:off x="0" y="0"/>
+          <a:ext cx="0" cy="0"/>
+          <a:chOff x="0" y="0"/>
+          <a:chExt cx="0" cy="0"/>
+        </a:xfrm>
+      </p:grpSpPr>
+      <p:sp>
+        <p:nvSpPr>
+          <p:cNvPr id="142" name="PlaceHolder 1"/>
+          <p:cNvSpPr>
+            <a:spLocks noGrp="1"/>
+          </p:cNvSpPr>
+          <p:nvPr>
+            <p:ph type="title"/>
+          </p:nvPr>
+        </p:nvSpPr>
+        <p:spPr>
+          <a:xfrm>
+            <a:off x="504000" y="226080"/>
+            <a:ext cx="9072000" cy="946440"/>
+          </a:xfrm>
+          <a:prstGeom prst="rect">
+            <a:avLst/>
+          </a:prstGeom>
+          <a:noFill/>
+          <a:ln w="0">
+            <a:noFill/>
+          </a:ln>
+        </p:spPr>
+        <p:txBody>
+          <a:bodyPr lIns="0" rIns="0" tIns="0" bIns="0" anchor="ctr">
+            <a:noAutofit/>
+          </a:bodyPr>
+          <a:p>
+            <a:pPr indent="0" algn="ctr">
+              <a:buNone/>
+            </a:pPr>
+            <a:endParaRPr b="0" lang="en-US" sz="4400" spc="-1" strike="noStrike">
+              <a:solidFill>
+                <a:srgbClr val="000000"/>
+              </a:solidFill>
+              <a:latin typeface="Arial"/>
+            </a:endParaRPr>
+          </a:p>
+        </p:txBody>
+      </p:sp>
+      <p:sp>
+        <p:nvSpPr>
+          <p:cNvPr id="3" name="PlaceHolder 2"/>
+          <p:cNvSpPr>
+            <a:spLocks noGrp="1"/>
+          </p:cNvSpPr>
+          <p:nvPr>
+            <p:ph type="ftr" idx="10"/>
+          </p:nvPr>
+        </p:nvSpPr>
+        <p:spPr/>
+        <p:txBody>
+          <a:bodyPr/>
+          <a:p>
+            <a:r>
+              <a:t>Footer</a:t>
+            </a:r>
+          </a:p>
+        </p:txBody>
+      </p:sp>
+      <p:sp>
+        <p:nvSpPr>
+          <p:cNvPr id="4" name="PlaceHolder 3"/>
+          <p:cNvSpPr>
+            <a:spLocks noGrp="1"/>
+          </p:cNvSpPr>
+          <p:nvPr>
+            <p:ph type="sldNum" idx="11"/>
+          </p:nvPr>
+        </p:nvSpPr>
+        <p:spPr/>
+        <p:txBody>
+          <a:bodyPr/>
+          <a:p>
+            <a:fld id="{EC6758F8-E9FA-4E4F-AA39-38179F0EF2A6}" type="slidenum">
+              <a:t>&lt;#&gt;</a:t>
+            </a:fld>
+          </a:p>
+        </p:txBody>
+      </p:sp>
+      <p:sp>
+        <p:nvSpPr>
+          <p:cNvPr id="5" name="PlaceHolder 4"/>
+          <p:cNvSpPr>
+            <a:spLocks noGrp="1"/>
+          </p:cNvSpPr>
+          <p:nvPr>
+            <p:ph type="dt" idx="12"/>
+          </p:nvPr>
+        </p:nvSpPr>
+        <p:spPr/>
+        <p:txBody>
+          <a:bodyPr/>
+          <a:p>
+            <a:r>
+              <a:rPr lang="zh-CN"/>
+              <a:t/>
+            </a:r>
+          </a:p>
+        </p:txBody>
+      </p:sp>
+    </p:spTree>
+  </p:cSld>
+</p:sldLayout>
+</file>
+
+<file path=ppt/slideLayouts/slideLayout42.xml><?xml version="1.0" encoding="utf-8"?>
+<p:sldLayout xmlns:a="http://schemas.openxmlformats.org/drawingml/2006/main" xmlns:p="http://schemas.openxmlformats.org/presentationml/2006/main" xmlns:r="http://schemas.openxmlformats.org/officeDocument/2006/relationships" xmlns:p14="http://schemas.microsoft.com/office/powerpoint/2010/main" xmlns:p15="http://schemas.microsoft.com/office/powerpoint/2012/main" xmlns:mc="http://schemas.openxmlformats.org/markup-compatibility/2006" type="objOnly" preserve="1">
+  <p:cSld name="Centered Text">
+    <p:spTree>
+      <p:nvGrpSpPr>
+        <p:cNvPr id="1" name=""/>
+        <p:cNvGrpSpPr/>
+        <p:nvPr/>
+      </p:nvGrpSpPr>
+      <p:grpSpPr>
+        <a:xfrm>
+          <a:off x="0" y="0"/>
+          <a:ext cx="0" cy="0"/>
+          <a:chOff x="0" y="0"/>
+          <a:chExt cx="0" cy="0"/>
+        </a:xfrm>
+      </p:grpSpPr>
+      <p:sp>
+        <p:nvSpPr>
+          <p:cNvPr id="143" name="PlaceHolder 1"/>
+          <p:cNvSpPr>
+            <a:spLocks noGrp="1"/>
+          </p:cNvSpPr>
+          <p:nvPr>
+            <p:ph type="subTitle"/>
+          </p:nvPr>
+        </p:nvSpPr>
+        <p:spPr>
+          <a:xfrm>
+            <a:off x="504000" y="226080"/>
+            <a:ext cx="9072000" cy="4388400"/>
+          </a:xfrm>
+          <a:prstGeom prst="rect">
+            <a:avLst/>
+          </a:prstGeom>
+          <a:noFill/>
+          <a:ln w="0">
+            <a:noFill/>
+          </a:ln>
+        </p:spPr>
+        <p:txBody>
+          <a:bodyPr lIns="0" rIns="0" tIns="0" bIns="0" anchor="ctr">
+            <a:noAutofit/>
+          </a:bodyPr>
+          <a:p>
+            <a:pPr algn="ctr"/>
+            <a:endParaRPr b="0" lang="en-US" sz="3200" spc="-1" strike="noStrike">
+              <a:solidFill>
+                <a:srgbClr val="000000"/>
+              </a:solidFill>
+              <a:latin typeface="Arial"/>
+            </a:endParaRPr>
+          </a:p>
+        </p:txBody>
+      </p:sp>
+      <p:sp>
+        <p:nvSpPr>
+          <p:cNvPr id="3" name="PlaceHolder 2"/>
+          <p:cNvSpPr>
+            <a:spLocks noGrp="1"/>
+          </p:cNvSpPr>
+          <p:nvPr>
+            <p:ph type="ftr" idx="10"/>
+          </p:nvPr>
+        </p:nvSpPr>
+        <p:spPr/>
+        <p:txBody>
+          <a:bodyPr/>
+          <a:p>
+            <a:r>
+              <a:t>Footer</a:t>
+            </a:r>
+          </a:p>
+        </p:txBody>
+      </p:sp>
+      <p:sp>
+        <p:nvSpPr>
+          <p:cNvPr id="4" name="PlaceHolder 3"/>
+          <p:cNvSpPr>
+            <a:spLocks noGrp="1"/>
+          </p:cNvSpPr>
+          <p:nvPr>
+            <p:ph type="sldNum" idx="11"/>
+          </p:nvPr>
+        </p:nvSpPr>
+        <p:spPr/>
+        <p:txBody>
+          <a:bodyPr/>
+          <a:p>
+            <a:fld id="{063D7750-15C0-4D3A-9CD3-0B741C58C2C8}" type="slidenum">
+              <a:t>&lt;#&gt;</a:t>
+            </a:fld>
+          </a:p>
+        </p:txBody>
+      </p:sp>
+      <p:sp>
+        <p:nvSpPr>
+          <p:cNvPr id="5" name="PlaceHolder 4"/>
+          <p:cNvSpPr>
+            <a:spLocks noGrp="1"/>
+          </p:cNvSpPr>
+          <p:nvPr>
+            <p:ph type="dt" idx="12"/>
+          </p:nvPr>
+        </p:nvSpPr>
+        <p:spPr/>
+        <p:txBody>
+          <a:bodyPr/>
+          <a:p>
+            <a:r>
+              <a:rPr lang="zh-CN"/>
+              <a:t/>
+            </a:r>
+          </a:p>
+        </p:txBody>
+      </p:sp>
+    </p:spTree>
+  </p:cSld>
+</p:sldLayout>
+</file>
+
+<file path=ppt/slideLayouts/slideLayout43.xml><?xml version="1.0" encoding="utf-8"?>
+<p:sldLayout xmlns:a="http://schemas.openxmlformats.org/drawingml/2006/main" xmlns:p="http://schemas.openxmlformats.org/presentationml/2006/main" xmlns:r="http://schemas.openxmlformats.org/officeDocument/2006/relationships" xmlns:p14="http://schemas.microsoft.com/office/powerpoint/2010/main" xmlns:p15="http://schemas.microsoft.com/office/powerpoint/2012/main" xmlns:mc="http://schemas.openxmlformats.org/markup-compatibility/2006" type="twoObjAndObj" preserve="1">
+  <p:cSld name="Title, 2 Content and Content">
+    <p:spTree>
+      <p:nvGrpSpPr>
+        <p:cNvPr id="1" name=""/>
+        <p:cNvGrpSpPr/>
+        <p:nvPr/>
+      </p:nvGrpSpPr>
+      <p:grpSpPr>
+        <a:xfrm>
+          <a:off x="0" y="0"/>
+          <a:ext cx="0" cy="0"/>
+          <a:chOff x="0" y="0"/>
+          <a:chExt cx="0" cy="0"/>
+        </a:xfrm>
+      </p:grpSpPr>
+      <p:sp>
+        <p:nvSpPr>
+          <p:cNvPr id="144" name="PlaceHolder 1"/>
+          <p:cNvSpPr>
+            <a:spLocks noGrp="1"/>
+          </p:cNvSpPr>
+          <p:nvPr>
+            <p:ph type="title"/>
+          </p:nvPr>
+        </p:nvSpPr>
+        <p:spPr>
+          <a:xfrm>
+            <a:off x="504000" y="226080"/>
+            <a:ext cx="9072000" cy="946440"/>
+          </a:xfrm>
+          <a:prstGeom prst="rect">
+            <a:avLst/>
+          </a:prstGeom>
+          <a:noFill/>
+          <a:ln w="0">
+            <a:noFill/>
+          </a:ln>
+        </p:spPr>
+        <p:txBody>
+          <a:bodyPr lIns="0" rIns="0" tIns="0" bIns="0" anchor="ctr">
+            <a:noAutofit/>
+          </a:bodyPr>
+          <a:p>
+            <a:pPr indent="0" algn="ctr">
+              <a:buNone/>
+            </a:pPr>
+            <a:endParaRPr b="0" lang="en-US" sz="4400" spc="-1" strike="noStrike">
+              <a:solidFill>
+                <a:srgbClr val="000000"/>
+              </a:solidFill>
+              <a:latin typeface="Arial"/>
+            </a:endParaRPr>
+          </a:p>
+        </p:txBody>
+      </p:sp>
+      <p:sp>
+        <p:nvSpPr>
+          <p:cNvPr id="145" name="PlaceHolder 2"/>
+          <p:cNvSpPr>
+            <a:spLocks noGrp="1"/>
+          </p:cNvSpPr>
+          <p:nvPr>
+            <p:ph/>
+          </p:nvPr>
+        </p:nvSpPr>
+        <p:spPr>
+          <a:xfrm>
+            <a:off x="504000" y="1326600"/>
+            <a:ext cx="4426920" cy="1568520"/>
+          </a:xfrm>
+          <a:prstGeom prst="rect">
+            <a:avLst/>
+          </a:prstGeom>
+          <a:noFill/>
+          <a:ln w="0">
+            <a:noFill/>
+          </a:ln>
+        </p:spPr>
+        <p:txBody>
+          <a:bodyPr lIns="0" rIns="0" tIns="0" bIns="0" anchor="t">
+            <a:normAutofit/>
+          </a:bodyPr>
+          <a:p>
+            <a:pPr indent="0">
+              <a:spcBef>
+                <a:spcPts val="1417"/>
+              </a:spcBef>
+              <a:buNone/>
+            </a:pPr>
+            <a:endParaRPr b="0" lang="en-US" sz="3200" spc="-1" strike="noStrike">
+              <a:solidFill>
+                <a:srgbClr val="000000"/>
+              </a:solidFill>
+              <a:latin typeface="Arial"/>
+            </a:endParaRPr>
+          </a:p>
+        </p:txBody>
+      </p:sp>
+      <p:sp>
+        <p:nvSpPr>
+          <p:cNvPr id="146" name="PlaceHolder 3"/>
+          <p:cNvSpPr>
+            <a:spLocks noGrp="1"/>
+          </p:cNvSpPr>
+          <p:nvPr>
+            <p:ph/>
+          </p:nvPr>
+        </p:nvSpPr>
+        <p:spPr>
+          <a:xfrm>
+            <a:off x="5152680" y="1326600"/>
+            <a:ext cx="4426920" cy="3288600"/>
+          </a:xfrm>
+          <a:prstGeom prst="rect">
+            <a:avLst/>
+          </a:prstGeom>
+          <a:noFill/>
+          <a:ln w="0">
+            <a:noFill/>
+          </a:ln>
+        </p:spPr>
+        <p:txBody>
+          <a:bodyPr lIns="0" rIns="0" tIns="0" bIns="0" anchor="t">
+            <a:normAutofit/>
+          </a:bodyPr>
+          <a:p>
+            <a:pPr indent="0">
+              <a:spcBef>
+                <a:spcPts val="1417"/>
+              </a:spcBef>
+              <a:buNone/>
+            </a:pPr>
+            <a:endParaRPr b="0" lang="en-US" sz="3200" spc="-1" strike="noStrike">
+              <a:solidFill>
+                <a:srgbClr val="000000"/>
+              </a:solidFill>
+              <a:latin typeface="Arial"/>
+            </a:endParaRPr>
+          </a:p>
+        </p:txBody>
+      </p:sp>
+      <p:sp>
+        <p:nvSpPr>
+          <p:cNvPr id="147" name="PlaceHolder 4"/>
+          <p:cNvSpPr>
+            <a:spLocks noGrp="1"/>
+          </p:cNvSpPr>
+          <p:nvPr>
+            <p:ph/>
+          </p:nvPr>
+        </p:nvSpPr>
+        <p:spPr>
+          <a:xfrm>
+            <a:off x="504000" y="3044520"/>
+            <a:ext cx="4426920" cy="1568520"/>
+          </a:xfrm>
+          <a:prstGeom prst="rect">
+            <a:avLst/>
+          </a:prstGeom>
+          <a:noFill/>
+          <a:ln w="0">
+            <a:noFill/>
+          </a:ln>
+        </p:spPr>
+        <p:txBody>
+          <a:bodyPr lIns="0" rIns="0" tIns="0" bIns="0" anchor="t">
+            <a:normAutofit/>
+          </a:bodyPr>
+          <a:p>
+            <a:pPr indent="0">
+              <a:spcBef>
+                <a:spcPts val="1417"/>
+              </a:spcBef>
+              <a:buNone/>
+            </a:pPr>
+            <a:endParaRPr b="0" lang="en-US" sz="3200" spc="-1" strike="noStrike">
+              <a:solidFill>
+                <a:srgbClr val="000000"/>
+              </a:solidFill>
+              <a:latin typeface="Arial"/>
+            </a:endParaRPr>
+          </a:p>
+        </p:txBody>
+      </p:sp>
+      <p:sp>
+        <p:nvSpPr>
+          <p:cNvPr id="6" name="PlaceHolder 5"/>
+          <p:cNvSpPr>
+            <a:spLocks noGrp="1"/>
+          </p:cNvSpPr>
+          <p:nvPr>
+            <p:ph type="ftr" idx="10"/>
+          </p:nvPr>
+        </p:nvSpPr>
+        <p:spPr/>
+        <p:txBody>
+          <a:bodyPr/>
+          <a:p>
+            <a:r>
+              <a:t>Footer</a:t>
+            </a:r>
+          </a:p>
+        </p:txBody>
+      </p:sp>
+      <p:sp>
+        <p:nvSpPr>
+          <p:cNvPr id="7" name="PlaceHolder 6"/>
+          <p:cNvSpPr>
+            <a:spLocks noGrp="1"/>
+          </p:cNvSpPr>
+          <p:nvPr>
+            <p:ph type="sldNum" idx="11"/>
+          </p:nvPr>
+        </p:nvSpPr>
+        <p:spPr/>
+        <p:txBody>
+          <a:bodyPr/>
+          <a:p>
+            <a:fld id="{1488EE4A-1137-4A71-8992-36507D5A7BEE}" type="slidenum">
+              <a:t>&lt;#&gt;</a:t>
+            </a:fld>
+          </a:p>
+        </p:txBody>
+      </p:sp>
+      <p:sp>
+        <p:nvSpPr>
+          <p:cNvPr id="8" name="PlaceHolder 7"/>
+          <p:cNvSpPr>
+            <a:spLocks noGrp="1"/>
+          </p:cNvSpPr>
+          <p:nvPr>
+            <p:ph type="dt" idx="12"/>
+          </p:nvPr>
+        </p:nvSpPr>
+        <p:spPr/>
+        <p:txBody>
+          <a:bodyPr/>
+          <a:p>
+            <a:r>
+              <a:rPr lang="zh-CN"/>
+              <a:t/>
+            </a:r>
+          </a:p>
+        </p:txBody>
+      </p:sp>
+    </p:spTree>
+  </p:cSld>
+</p:sldLayout>
+</file>
+
+<file path=ppt/slideLayouts/slideLayout44.xml><?xml version="1.0" encoding="utf-8"?>
+<p:sldLayout xmlns:a="http://schemas.openxmlformats.org/drawingml/2006/main" xmlns:p="http://schemas.openxmlformats.org/presentationml/2006/main" xmlns:r="http://schemas.openxmlformats.org/officeDocument/2006/relationships" xmlns:p14="http://schemas.microsoft.com/office/powerpoint/2010/main" xmlns:p15="http://schemas.microsoft.com/office/powerpoint/2012/main" xmlns:mc="http://schemas.openxmlformats.org/markup-compatibility/2006" type="objAndTwoObj" preserve="1">
+  <p:cSld name="Title Content and 2 Content">
+    <p:spTree>
+      <p:nvGrpSpPr>
+        <p:cNvPr id="1" name=""/>
+        <p:cNvGrpSpPr/>
+        <p:nvPr/>
+      </p:nvGrpSpPr>
+      <p:grpSpPr>
+        <a:xfrm>
+          <a:off x="0" y="0"/>
+          <a:ext cx="0" cy="0"/>
+          <a:chOff x="0" y="0"/>
+          <a:chExt cx="0" cy="0"/>
+        </a:xfrm>
+      </p:grpSpPr>
+      <p:sp>
+        <p:nvSpPr>
+          <p:cNvPr id="148" name="PlaceHolder 1"/>
+          <p:cNvSpPr>
+            <a:spLocks noGrp="1"/>
+          </p:cNvSpPr>
+          <p:nvPr>
+            <p:ph type="title"/>
+          </p:nvPr>
+        </p:nvSpPr>
+        <p:spPr>
+          <a:xfrm>
+            <a:off x="504000" y="226080"/>
+            <a:ext cx="9072000" cy="946440"/>
+          </a:xfrm>
+          <a:prstGeom prst="rect">
+            <a:avLst/>
+          </a:prstGeom>
+          <a:noFill/>
+          <a:ln w="0">
+            <a:noFill/>
+          </a:ln>
+        </p:spPr>
+        <p:txBody>
+          <a:bodyPr lIns="0" rIns="0" tIns="0" bIns="0" anchor="ctr">
+            <a:noAutofit/>
+          </a:bodyPr>
+          <a:p>
+            <a:pPr indent="0" algn="ctr">
+              <a:buNone/>
+            </a:pPr>
+            <a:endParaRPr b="0" lang="en-US" sz="4400" spc="-1" strike="noStrike">
+              <a:solidFill>
+                <a:srgbClr val="000000"/>
+              </a:solidFill>
+              <a:latin typeface="Arial"/>
+            </a:endParaRPr>
+          </a:p>
+        </p:txBody>
+      </p:sp>
+      <p:sp>
+        <p:nvSpPr>
+          <p:cNvPr id="149" name="PlaceHolder 2"/>
+          <p:cNvSpPr>
+            <a:spLocks noGrp="1"/>
+          </p:cNvSpPr>
+          <p:nvPr>
+            <p:ph/>
+          </p:nvPr>
+        </p:nvSpPr>
+        <p:spPr>
+          <a:xfrm>
+            <a:off x="504000" y="1326600"/>
+            <a:ext cx="4426920" cy="3288600"/>
+          </a:xfrm>
+          <a:prstGeom prst="rect">
+            <a:avLst/>
+          </a:prstGeom>
+          <a:noFill/>
+          <a:ln w="0">
+            <a:noFill/>
+          </a:ln>
+        </p:spPr>
+        <p:txBody>
+          <a:bodyPr lIns="0" rIns="0" tIns="0" bIns="0" anchor="t">
+            <a:normAutofit/>
+          </a:bodyPr>
+          <a:p>
+            <a:pPr indent="0">
+              <a:spcBef>
+                <a:spcPts val="1417"/>
+              </a:spcBef>
+              <a:buNone/>
+            </a:pPr>
+            <a:endParaRPr b="0" lang="en-US" sz="3200" spc="-1" strike="noStrike">
+              <a:solidFill>
+                <a:srgbClr val="000000"/>
+              </a:solidFill>
+              <a:latin typeface="Arial"/>
+            </a:endParaRPr>
+          </a:p>
+        </p:txBody>
+      </p:sp>
+      <p:sp>
+        <p:nvSpPr>
+          <p:cNvPr id="150" name="PlaceHolder 3"/>
+          <p:cNvSpPr>
+            <a:spLocks noGrp="1"/>
+          </p:cNvSpPr>
+          <p:nvPr>
+            <p:ph/>
+          </p:nvPr>
+        </p:nvSpPr>
+        <p:spPr>
+          <a:xfrm>
+            <a:off x="5152680" y="1326600"/>
+            <a:ext cx="4426920" cy="1568520"/>
+          </a:xfrm>
+          <a:prstGeom prst="rect">
+            <a:avLst/>
+          </a:prstGeom>
+          <a:noFill/>
+          <a:ln w="0">
+            <a:noFill/>
+          </a:ln>
+        </p:spPr>
+        <p:txBody>
+          <a:bodyPr lIns="0" rIns="0" tIns="0" bIns="0" anchor="t">
+            <a:normAutofit/>
+          </a:bodyPr>
+          <a:p>
+            <a:pPr indent="0">
+              <a:spcBef>
+                <a:spcPts val="1417"/>
+              </a:spcBef>
+              <a:buNone/>
+            </a:pPr>
+            <a:endParaRPr b="0" lang="en-US" sz="3200" spc="-1" strike="noStrike">
+              <a:solidFill>
+                <a:srgbClr val="000000"/>
+              </a:solidFill>
+              <a:latin typeface="Arial"/>
+            </a:endParaRPr>
+          </a:p>
+        </p:txBody>
+      </p:sp>
+      <p:sp>
+        <p:nvSpPr>
+          <p:cNvPr id="151" name="PlaceHolder 4"/>
+          <p:cNvSpPr>
+            <a:spLocks noGrp="1"/>
+          </p:cNvSpPr>
+          <p:nvPr>
+            <p:ph/>
+          </p:nvPr>
+        </p:nvSpPr>
+        <p:spPr>
+          <a:xfrm>
+            <a:off x="5152680" y="3044520"/>
+            <a:ext cx="4426920" cy="1568520"/>
+          </a:xfrm>
+          <a:prstGeom prst="rect">
+            <a:avLst/>
+          </a:prstGeom>
+          <a:noFill/>
+          <a:ln w="0">
+            <a:noFill/>
+          </a:ln>
+        </p:spPr>
+        <p:txBody>
+          <a:bodyPr lIns="0" rIns="0" tIns="0" bIns="0" anchor="t">
+            <a:normAutofit/>
+          </a:bodyPr>
+          <a:p>
+            <a:pPr indent="0">
+              <a:spcBef>
+                <a:spcPts val="1417"/>
+              </a:spcBef>
+              <a:buNone/>
+            </a:pPr>
+            <a:endParaRPr b="0" lang="en-US" sz="3200" spc="-1" strike="noStrike">
+              <a:solidFill>
+                <a:srgbClr val="000000"/>
+              </a:solidFill>
+              <a:latin typeface="Arial"/>
+            </a:endParaRPr>
+          </a:p>
+        </p:txBody>
+      </p:sp>
+      <p:sp>
+        <p:nvSpPr>
+          <p:cNvPr id="6" name="PlaceHolder 5"/>
+          <p:cNvSpPr>
+            <a:spLocks noGrp="1"/>
+          </p:cNvSpPr>
+          <p:nvPr>
+            <p:ph type="ftr" idx="10"/>
+          </p:nvPr>
+        </p:nvSpPr>
+        <p:spPr/>
+        <p:txBody>
+          <a:bodyPr/>
+          <a:p>
+            <a:r>
+              <a:t>Footer</a:t>
+            </a:r>
+          </a:p>
+        </p:txBody>
+      </p:sp>
+      <p:sp>
+        <p:nvSpPr>
+          <p:cNvPr id="7" name="PlaceHolder 6"/>
+          <p:cNvSpPr>
+            <a:spLocks noGrp="1"/>
+          </p:cNvSpPr>
+          <p:nvPr>
+            <p:ph type="sldNum" idx="11"/>
+          </p:nvPr>
+        </p:nvSpPr>
+        <p:spPr/>
+        <p:txBody>
+          <a:bodyPr/>
+          <a:p>
+            <a:fld id="{5C95B3C2-7DBB-4C2E-8B86-E865FBC7D339}" type="slidenum">
+              <a:t>&lt;#&gt;</a:t>
+            </a:fld>
+          </a:p>
+        </p:txBody>
+      </p:sp>
+      <p:sp>
+        <p:nvSpPr>
+          <p:cNvPr id="8" name="PlaceHolder 7"/>
+          <p:cNvSpPr>
+            <a:spLocks noGrp="1"/>
+          </p:cNvSpPr>
+          <p:nvPr>
+            <p:ph type="dt" idx="12"/>
+          </p:nvPr>
+        </p:nvSpPr>
+        <p:spPr/>
+        <p:txBody>
+          <a:bodyPr/>
+          <a:p>
+            <a:r>
+              <a:rPr lang="zh-CN"/>
+              <a:t/>
+            </a:r>
+          </a:p>
+        </p:txBody>
+      </p:sp>
+    </p:spTree>
+  </p:cSld>
+</p:sldLayout>
+</file>
+
+<file path=ppt/slideLayouts/slideLayout45.xml><?xml version="1.0" encoding="utf-8"?>
+<p:sldLayout xmlns:a="http://schemas.openxmlformats.org/drawingml/2006/main" xmlns:p="http://schemas.openxmlformats.org/presentationml/2006/main" xmlns:r="http://schemas.openxmlformats.org/officeDocument/2006/relationships" xmlns:p14="http://schemas.microsoft.com/office/powerpoint/2010/main" xmlns:p15="http://schemas.microsoft.com/office/powerpoint/2012/main" xmlns:mc="http://schemas.openxmlformats.org/markup-compatibility/2006" type="twoObjOverTx" preserve="1">
+  <p:cSld name="Title, 2 Content over Content">
+    <p:spTree>
+      <p:nvGrpSpPr>
+        <p:cNvPr id="1" name=""/>
+        <p:cNvGrpSpPr/>
+        <p:nvPr/>
+      </p:nvGrpSpPr>
+      <p:grpSpPr>
+        <a:xfrm>
+          <a:off x="0" y="0"/>
+          <a:ext cx="0" cy="0"/>
+          <a:chOff x="0" y="0"/>
+          <a:chExt cx="0" cy="0"/>
+        </a:xfrm>
+      </p:grpSpPr>
+      <p:sp>
+        <p:nvSpPr>
+          <p:cNvPr id="152" name="PlaceHolder 1"/>
+          <p:cNvSpPr>
+            <a:spLocks noGrp="1"/>
+          </p:cNvSpPr>
+          <p:nvPr>
+            <p:ph type="title"/>
+          </p:nvPr>
+        </p:nvSpPr>
+        <p:spPr>
+          <a:xfrm>
+            <a:off x="504000" y="226080"/>
+            <a:ext cx="9072000" cy="946440"/>
+          </a:xfrm>
+          <a:prstGeom prst="rect">
+            <a:avLst/>
+          </a:prstGeom>
+          <a:noFill/>
+          <a:ln w="0">
+            <a:noFill/>
+          </a:ln>
+        </p:spPr>
+        <p:txBody>
+          <a:bodyPr lIns="0" rIns="0" tIns="0" bIns="0" anchor="ctr">
+            <a:noAutofit/>
+          </a:bodyPr>
+          <a:p>
+            <a:pPr indent="0" algn="ctr">
+              <a:buNone/>
+            </a:pPr>
+            <a:endParaRPr b="0" lang="en-US" sz="4400" spc="-1" strike="noStrike">
+              <a:solidFill>
+                <a:srgbClr val="000000"/>
+              </a:solidFill>
+              <a:latin typeface="Arial"/>
+            </a:endParaRPr>
+          </a:p>
+        </p:txBody>
+      </p:sp>
+      <p:sp>
+        <p:nvSpPr>
+          <p:cNvPr id="153" name="PlaceHolder 2"/>
+          <p:cNvSpPr>
+            <a:spLocks noGrp="1"/>
+          </p:cNvSpPr>
+          <p:nvPr>
+            <p:ph/>
+          </p:nvPr>
+        </p:nvSpPr>
+        <p:spPr>
+          <a:xfrm>
+            <a:off x="504000" y="1326600"/>
+            <a:ext cx="4426920" cy="1568520"/>
+          </a:xfrm>
+          <a:prstGeom prst="rect">
+            <a:avLst/>
+          </a:prstGeom>
+          <a:noFill/>
+          <a:ln w="0">
+            <a:noFill/>
+          </a:ln>
+        </p:spPr>
+        <p:txBody>
+          <a:bodyPr lIns="0" rIns="0" tIns="0" bIns="0" anchor="t">
+            <a:normAutofit/>
+          </a:bodyPr>
+          <a:p>
+            <a:pPr indent="0">
+              <a:spcBef>
+                <a:spcPts val="1417"/>
+              </a:spcBef>
+              <a:buNone/>
+            </a:pPr>
+            <a:endParaRPr b="0" lang="en-US" sz="3200" spc="-1" strike="noStrike">
+              <a:solidFill>
+                <a:srgbClr val="000000"/>
+              </a:solidFill>
+              <a:latin typeface="Arial"/>
+            </a:endParaRPr>
+          </a:p>
+        </p:txBody>
+      </p:sp>
+      <p:sp>
+        <p:nvSpPr>
+          <p:cNvPr id="154" name="PlaceHolder 3"/>
+          <p:cNvSpPr>
+            <a:spLocks noGrp="1"/>
+          </p:cNvSpPr>
+          <p:nvPr>
+            <p:ph/>
+          </p:nvPr>
+        </p:nvSpPr>
+        <p:spPr>
+          <a:xfrm>
+            <a:off x="5152680" y="1326600"/>
+            <a:ext cx="4426920" cy="1568520"/>
+          </a:xfrm>
+          <a:prstGeom prst="rect">
+            <a:avLst/>
+          </a:prstGeom>
+          <a:noFill/>
+          <a:ln w="0">
+            <a:noFill/>
+          </a:ln>
+        </p:spPr>
+        <p:txBody>
+          <a:bodyPr lIns="0" rIns="0" tIns="0" bIns="0" anchor="t">
+            <a:normAutofit/>
+          </a:bodyPr>
+          <a:p>
+            <a:pPr indent="0">
+              <a:spcBef>
+                <a:spcPts val="1417"/>
+              </a:spcBef>
+              <a:buNone/>
+            </a:pPr>
+            <a:endParaRPr b="0" lang="en-US" sz="3200" spc="-1" strike="noStrike">
+              <a:solidFill>
+                <a:srgbClr val="000000"/>
+              </a:solidFill>
+              <a:latin typeface="Arial"/>
+            </a:endParaRPr>
+          </a:p>
+        </p:txBody>
+      </p:sp>
+      <p:sp>
+        <p:nvSpPr>
+          <p:cNvPr id="155" name="PlaceHolder 4"/>
+          <p:cNvSpPr>
+            <a:spLocks noGrp="1"/>
+          </p:cNvSpPr>
+          <p:nvPr>
+            <p:ph/>
+          </p:nvPr>
+        </p:nvSpPr>
+        <p:spPr>
+          <a:xfrm>
+            <a:off x="504000" y="3044520"/>
+            <a:ext cx="9072000" cy="1568520"/>
+          </a:xfrm>
+          <a:prstGeom prst="rect">
+            <a:avLst/>
+          </a:prstGeom>
+          <a:noFill/>
+          <a:ln w="0">
+            <a:noFill/>
+          </a:ln>
+        </p:spPr>
+        <p:txBody>
+          <a:bodyPr lIns="0" rIns="0" tIns="0" bIns="0" anchor="t">
+            <a:normAutofit/>
+          </a:bodyPr>
+          <a:p>
+            <a:pPr indent="0">
+              <a:spcBef>
+                <a:spcPts val="1417"/>
+              </a:spcBef>
+              <a:buNone/>
+            </a:pPr>
+            <a:endParaRPr b="0" lang="en-US" sz="3200" spc="-1" strike="noStrike">
+              <a:solidFill>
+                <a:srgbClr val="000000"/>
+              </a:solidFill>
+              <a:latin typeface="Arial"/>
+            </a:endParaRPr>
+          </a:p>
+        </p:txBody>
+      </p:sp>
+      <p:sp>
+        <p:nvSpPr>
+          <p:cNvPr id="6" name="PlaceHolder 5"/>
+          <p:cNvSpPr>
+            <a:spLocks noGrp="1"/>
+          </p:cNvSpPr>
+          <p:nvPr>
+            <p:ph type="ftr" idx="10"/>
+          </p:nvPr>
+        </p:nvSpPr>
+        <p:spPr/>
+        <p:txBody>
+          <a:bodyPr/>
+          <a:p>
+            <a:r>
+              <a:t>Footer</a:t>
+            </a:r>
+          </a:p>
+        </p:txBody>
+      </p:sp>
+      <p:sp>
+        <p:nvSpPr>
+          <p:cNvPr id="7" name="PlaceHolder 6"/>
+          <p:cNvSpPr>
+            <a:spLocks noGrp="1"/>
+          </p:cNvSpPr>
+          <p:nvPr>
+            <p:ph type="sldNum" idx="11"/>
+          </p:nvPr>
+        </p:nvSpPr>
+        <p:spPr/>
+        <p:txBody>
+          <a:bodyPr/>
+          <a:p>
+            <a:fld id="{8260CB11-CE9E-4B3A-875C-0F3C107E16B4}" type="slidenum">
+              <a:t>&lt;#&gt;</a:t>
+            </a:fld>
+          </a:p>
+        </p:txBody>
+      </p:sp>
+      <p:sp>
+        <p:nvSpPr>
+          <p:cNvPr id="8" name="PlaceHolder 7"/>
+          <p:cNvSpPr>
+            <a:spLocks noGrp="1"/>
+          </p:cNvSpPr>
+          <p:nvPr>
+            <p:ph type="dt" idx="12"/>
+          </p:nvPr>
+        </p:nvSpPr>
+        <p:spPr/>
+        <p:txBody>
+          <a:bodyPr/>
+          <a:p>
+            <a:r>
+              <a:rPr lang="zh-CN"/>
+              <a:t/>
+            </a:r>
+          </a:p>
+        </p:txBody>
+      </p:sp>
+    </p:spTree>
+  </p:cSld>
+</p:sldLayout>
+</file>
+
+<file path=ppt/slideLayouts/slideLayout46.xml><?xml version="1.0" encoding="utf-8"?>
+<p:sldLayout xmlns:a="http://schemas.openxmlformats.org/drawingml/2006/main" xmlns:p="http://schemas.openxmlformats.org/presentationml/2006/main" xmlns:r="http://schemas.openxmlformats.org/officeDocument/2006/relationships" xmlns:p14="http://schemas.microsoft.com/office/powerpoint/2010/main" xmlns:p15="http://schemas.microsoft.com/office/powerpoint/2012/main" xmlns:mc="http://schemas.openxmlformats.org/markup-compatibility/2006" type="objOverTx" preserve="1">
+  <p:cSld name="Title, Content over Content">
+    <p:spTree>
+      <p:nvGrpSpPr>
+        <p:cNvPr id="1" name=""/>
+        <p:cNvGrpSpPr/>
+        <p:nvPr/>
+      </p:nvGrpSpPr>
+      <p:grpSpPr>
+        <a:xfrm>
+          <a:off x="0" y="0"/>
+          <a:ext cx="0" cy="0"/>
+          <a:chOff x="0" y="0"/>
+          <a:chExt cx="0" cy="0"/>
+        </a:xfrm>
+      </p:grpSpPr>
+      <p:sp>
+        <p:nvSpPr>
+          <p:cNvPr id="156" name="PlaceHolder 1"/>
+          <p:cNvSpPr>
+            <a:spLocks noGrp="1"/>
+          </p:cNvSpPr>
+          <p:nvPr>
+            <p:ph type="title"/>
+          </p:nvPr>
+        </p:nvSpPr>
+        <p:spPr>
+          <a:xfrm>
+            <a:off x="504000" y="226080"/>
+            <a:ext cx="9072000" cy="946440"/>
+          </a:xfrm>
+          <a:prstGeom prst="rect">
+            <a:avLst/>
+          </a:prstGeom>
+          <a:noFill/>
+          <a:ln w="0">
+            <a:noFill/>
+          </a:ln>
+        </p:spPr>
+        <p:txBody>
+          <a:bodyPr lIns="0" rIns="0" tIns="0" bIns="0" anchor="ctr">
+            <a:noAutofit/>
+          </a:bodyPr>
+          <a:p>
+            <a:pPr indent="0" algn="ctr">
+              <a:buNone/>
+            </a:pPr>
+            <a:endParaRPr b="0" lang="en-US" sz="4400" spc="-1" strike="noStrike">
+              <a:solidFill>
+                <a:srgbClr val="000000"/>
+              </a:solidFill>
+              <a:latin typeface="Arial"/>
+            </a:endParaRPr>
+          </a:p>
+        </p:txBody>
+      </p:sp>
+      <p:sp>
+        <p:nvSpPr>
+          <p:cNvPr id="157" name="PlaceHolder 2"/>
+          <p:cNvSpPr>
+            <a:spLocks noGrp="1"/>
+          </p:cNvSpPr>
+          <p:nvPr>
+            <p:ph/>
+          </p:nvPr>
+        </p:nvSpPr>
+        <p:spPr>
+          <a:xfrm>
+            <a:off x="504000" y="1326600"/>
+            <a:ext cx="9072000" cy="1568520"/>
+          </a:xfrm>
+          <a:prstGeom prst="rect">
+            <a:avLst/>
+          </a:prstGeom>
+          <a:noFill/>
+          <a:ln w="0">
+            <a:noFill/>
+          </a:ln>
+        </p:spPr>
+        <p:txBody>
+          <a:bodyPr lIns="0" rIns="0" tIns="0" bIns="0" anchor="t">
+            <a:normAutofit/>
+          </a:bodyPr>
+          <a:p>
+            <a:pPr indent="0">
+              <a:spcBef>
+                <a:spcPts val="1417"/>
+              </a:spcBef>
+              <a:buNone/>
+            </a:pPr>
+            <a:endParaRPr b="0" lang="en-US" sz="3200" spc="-1" strike="noStrike">
+              <a:solidFill>
+                <a:srgbClr val="000000"/>
+              </a:solidFill>
+              <a:latin typeface="Arial"/>
+            </a:endParaRPr>
+          </a:p>
+        </p:txBody>
+      </p:sp>
+      <p:sp>
+        <p:nvSpPr>
+          <p:cNvPr id="158" name="PlaceHolder 3"/>
+          <p:cNvSpPr>
+            <a:spLocks noGrp="1"/>
+          </p:cNvSpPr>
+          <p:nvPr>
+            <p:ph/>
+          </p:nvPr>
+        </p:nvSpPr>
+        <p:spPr>
+          <a:xfrm>
+            <a:off x="504000" y="3044520"/>
+            <a:ext cx="9072000" cy="1568520"/>
+          </a:xfrm>
+          <a:prstGeom prst="rect">
+            <a:avLst/>
+          </a:prstGeom>
+          <a:noFill/>
+          <a:ln w="0">
+            <a:noFill/>
+          </a:ln>
+        </p:spPr>
+        <p:txBody>
+          <a:bodyPr lIns="0" rIns="0" tIns="0" bIns="0" anchor="t">
+            <a:normAutofit/>
+          </a:bodyPr>
+          <a:p>
+            <a:pPr indent="0">
+              <a:spcBef>
+                <a:spcPts val="1417"/>
+              </a:spcBef>
+              <a:buNone/>
+            </a:pPr>
+            <a:endParaRPr b="0" lang="en-US" sz="3200" spc="-1" strike="noStrike">
+              <a:solidFill>
+                <a:srgbClr val="000000"/>
+              </a:solidFill>
+              <a:latin typeface="Arial"/>
+            </a:endParaRPr>
+          </a:p>
+        </p:txBody>
+      </p:sp>
+      <p:sp>
+        <p:nvSpPr>
+          <p:cNvPr id="5" name="PlaceHolder 4"/>
+          <p:cNvSpPr>
+            <a:spLocks noGrp="1"/>
+          </p:cNvSpPr>
+          <p:nvPr>
+            <p:ph type="ftr" idx="10"/>
+          </p:nvPr>
+        </p:nvSpPr>
+        <p:spPr/>
+        <p:txBody>
+          <a:bodyPr/>
+          <a:p>
+            <a:r>
+              <a:t>Footer</a:t>
+            </a:r>
+          </a:p>
+        </p:txBody>
+      </p:sp>
+      <p:sp>
+        <p:nvSpPr>
+          <p:cNvPr id="6" name="PlaceHolder 5"/>
+          <p:cNvSpPr>
+            <a:spLocks noGrp="1"/>
+          </p:cNvSpPr>
+          <p:nvPr>
+            <p:ph type="sldNum" idx="11"/>
+          </p:nvPr>
+        </p:nvSpPr>
+        <p:spPr/>
+        <p:txBody>
+          <a:bodyPr/>
+          <a:p>
+            <a:fld id="{D3D432E7-E857-403F-8E26-89A0BB0469CE}" type="slidenum">
+              <a:t>&lt;#&gt;</a:t>
+            </a:fld>
+          </a:p>
+        </p:txBody>
+      </p:sp>
+      <p:sp>
+        <p:nvSpPr>
+          <p:cNvPr id="7" name="PlaceHolder 6"/>
+          <p:cNvSpPr>
+            <a:spLocks noGrp="1"/>
+          </p:cNvSpPr>
+          <p:nvPr>
+            <p:ph type="dt" idx="12"/>
+          </p:nvPr>
+        </p:nvSpPr>
+        <p:spPr/>
+        <p:txBody>
+          <a:bodyPr/>
+          <a:p>
+            <a:r>
+              <a:rPr lang="zh-CN"/>
+              <a:t/>
+            </a:r>
+          </a:p>
+        </p:txBody>
+      </p:sp>
+    </p:spTree>
+  </p:cSld>
+</p:sldLayout>
+</file>
+
+<file path=ppt/slideLayouts/slideLayout47.xml><?xml version="1.0" encoding="utf-8"?>
+<p:sldLayout xmlns:a="http://schemas.openxmlformats.org/drawingml/2006/main" xmlns:p="http://schemas.openxmlformats.org/presentationml/2006/main" xmlns:r="http://schemas.openxmlformats.org/officeDocument/2006/relationships" xmlns:p14="http://schemas.microsoft.com/office/powerpoint/2010/main" xmlns:p15="http://schemas.microsoft.com/office/powerpoint/2012/main" xmlns:mc="http://schemas.openxmlformats.org/markup-compatibility/2006" type="fourObj" preserve="1">
+  <p:cSld name="Title, 4 Content">
+    <p:spTree>
+      <p:nvGrpSpPr>
+        <p:cNvPr id="1" name=""/>
+        <p:cNvGrpSpPr/>
+        <p:nvPr/>
+      </p:nvGrpSpPr>
+      <p:grpSpPr>
+        <a:xfrm>
+          <a:off x="0" y="0"/>
+          <a:ext cx="0" cy="0"/>
+          <a:chOff x="0" y="0"/>
+          <a:chExt cx="0" cy="0"/>
+        </a:xfrm>
+      </p:grpSpPr>
+      <p:sp>
+        <p:nvSpPr>
+          <p:cNvPr id="159" name="PlaceHolder 1"/>
+          <p:cNvSpPr>
+            <a:spLocks noGrp="1"/>
+          </p:cNvSpPr>
+          <p:nvPr>
+            <p:ph type="title"/>
+          </p:nvPr>
+        </p:nvSpPr>
+        <p:spPr>
+          <a:xfrm>
+            <a:off x="504000" y="226080"/>
+            <a:ext cx="9072000" cy="946440"/>
+          </a:xfrm>
+          <a:prstGeom prst="rect">
+            <a:avLst/>
+          </a:prstGeom>
+          <a:noFill/>
+          <a:ln w="0">
+            <a:noFill/>
+          </a:ln>
+        </p:spPr>
+        <p:txBody>
+          <a:bodyPr lIns="0" rIns="0" tIns="0" bIns="0" anchor="ctr">
+            <a:noAutofit/>
+          </a:bodyPr>
+          <a:p>
+            <a:pPr indent="0" algn="ctr">
+              <a:buNone/>
+            </a:pPr>
+            <a:endParaRPr b="0" lang="en-US" sz="4400" spc="-1" strike="noStrike">
+              <a:solidFill>
+                <a:srgbClr val="000000"/>
+              </a:solidFill>
+              <a:latin typeface="Arial"/>
+            </a:endParaRPr>
+          </a:p>
+        </p:txBody>
+      </p:sp>
+      <p:sp>
+        <p:nvSpPr>
+          <p:cNvPr id="160" name="PlaceHolder 2"/>
+          <p:cNvSpPr>
+            <a:spLocks noGrp="1"/>
+          </p:cNvSpPr>
+          <p:nvPr>
+            <p:ph/>
+          </p:nvPr>
+        </p:nvSpPr>
+        <p:spPr>
+          <a:xfrm>
+            <a:off x="504000" y="1326600"/>
+            <a:ext cx="4426920" cy="1568520"/>
+          </a:xfrm>
+          <a:prstGeom prst="rect">
+            <a:avLst/>
+          </a:prstGeom>
+          <a:noFill/>
+          <a:ln w="0">
+            <a:noFill/>
+          </a:ln>
+        </p:spPr>
+        <p:txBody>
+          <a:bodyPr lIns="0" rIns="0" tIns="0" bIns="0" anchor="t">
+            <a:normAutofit/>
+          </a:bodyPr>
+          <a:p>
+            <a:pPr indent="0">
+              <a:spcBef>
+                <a:spcPts val="1417"/>
+              </a:spcBef>
+              <a:buNone/>
+            </a:pPr>
+            <a:endParaRPr b="0" lang="en-US" sz="3200" spc="-1" strike="noStrike">
+              <a:solidFill>
+                <a:srgbClr val="000000"/>
+              </a:solidFill>
+              <a:latin typeface="Arial"/>
+            </a:endParaRPr>
+          </a:p>
+        </p:txBody>
+      </p:sp>
+      <p:sp>
+        <p:nvSpPr>
+          <p:cNvPr id="161" name="PlaceHolder 3"/>
+          <p:cNvSpPr>
+            <a:spLocks noGrp="1"/>
+          </p:cNvSpPr>
+          <p:nvPr>
+            <p:ph/>
+          </p:nvPr>
+        </p:nvSpPr>
+        <p:spPr>
+          <a:xfrm>
+            <a:off x="5152680" y="1326600"/>
+            <a:ext cx="4426920" cy="1568520"/>
+          </a:xfrm>
+          <a:prstGeom prst="rect">
+            <a:avLst/>
+          </a:prstGeom>
+          <a:noFill/>
+          <a:ln w="0">
+            <a:noFill/>
+          </a:ln>
+        </p:spPr>
+        <p:txBody>
+          <a:bodyPr lIns="0" rIns="0" tIns="0" bIns="0" anchor="t">
+            <a:normAutofit/>
+          </a:bodyPr>
+          <a:p>
+            <a:pPr indent="0">
+              <a:spcBef>
+                <a:spcPts val="1417"/>
+              </a:spcBef>
+              <a:buNone/>
+            </a:pPr>
+            <a:endParaRPr b="0" lang="en-US" sz="3200" spc="-1" strike="noStrike">
+              <a:solidFill>
+                <a:srgbClr val="000000"/>
+              </a:solidFill>
+              <a:latin typeface="Arial"/>
+            </a:endParaRPr>
+          </a:p>
+        </p:txBody>
+      </p:sp>
+      <p:sp>
+        <p:nvSpPr>
+          <p:cNvPr id="162" name="PlaceHolder 4"/>
+          <p:cNvSpPr>
+            <a:spLocks noGrp="1"/>
+          </p:cNvSpPr>
+          <p:nvPr>
+            <p:ph/>
+          </p:nvPr>
+        </p:nvSpPr>
+        <p:spPr>
+          <a:xfrm>
+            <a:off x="504000" y="3044520"/>
+            <a:ext cx="4426920" cy="1568520"/>
+          </a:xfrm>
+          <a:prstGeom prst="rect">
+            <a:avLst/>
+          </a:prstGeom>
+          <a:noFill/>
+          <a:ln w="0">
+            <a:noFill/>
+          </a:ln>
+        </p:spPr>
+        <p:txBody>
+          <a:bodyPr lIns="0" rIns="0" tIns="0" bIns="0" anchor="t">
+            <a:normAutofit/>
+          </a:bodyPr>
+          <a:p>
+            <a:pPr indent="0">
+              <a:spcBef>
+                <a:spcPts val="1417"/>
+              </a:spcBef>
+              <a:buNone/>
+            </a:pPr>
+            <a:endParaRPr b="0" lang="en-US" sz="3200" spc="-1" strike="noStrike">
+              <a:solidFill>
+                <a:srgbClr val="000000"/>
+              </a:solidFill>
+              <a:latin typeface="Arial"/>
+            </a:endParaRPr>
+          </a:p>
+        </p:txBody>
+      </p:sp>
+      <p:sp>
+        <p:nvSpPr>
+          <p:cNvPr id="163" name="PlaceHolder 5"/>
+          <p:cNvSpPr>
+            <a:spLocks noGrp="1"/>
+          </p:cNvSpPr>
+          <p:nvPr>
+            <p:ph/>
+          </p:nvPr>
+        </p:nvSpPr>
+        <p:spPr>
+          <a:xfrm>
+            <a:off x="5152680" y="3044520"/>
+            <a:ext cx="4426920" cy="1568520"/>
+          </a:xfrm>
+          <a:prstGeom prst="rect">
+            <a:avLst/>
+          </a:prstGeom>
+          <a:noFill/>
+          <a:ln w="0">
+            <a:noFill/>
+          </a:ln>
+        </p:spPr>
+        <p:txBody>
+          <a:bodyPr lIns="0" rIns="0" tIns="0" bIns="0" anchor="t">
+            <a:normAutofit/>
+          </a:bodyPr>
+          <a:p>
+            <a:pPr indent="0">
+              <a:spcBef>
+                <a:spcPts val="1417"/>
+              </a:spcBef>
+              <a:buNone/>
+            </a:pPr>
+            <a:endParaRPr b="0" lang="en-US" sz="3200" spc="-1" strike="noStrike">
+              <a:solidFill>
+                <a:srgbClr val="000000"/>
+              </a:solidFill>
+              <a:latin typeface="Arial"/>
+            </a:endParaRPr>
+          </a:p>
+        </p:txBody>
+      </p:sp>
+      <p:sp>
+        <p:nvSpPr>
+          <p:cNvPr id="7" name="PlaceHolder 6"/>
+          <p:cNvSpPr>
+            <a:spLocks noGrp="1"/>
+          </p:cNvSpPr>
+          <p:nvPr>
+            <p:ph type="ftr" idx="10"/>
+          </p:nvPr>
+        </p:nvSpPr>
+        <p:spPr/>
+        <p:txBody>
+          <a:bodyPr/>
+          <a:p>
+            <a:r>
+              <a:t>Footer</a:t>
+            </a:r>
+          </a:p>
+        </p:txBody>
+      </p:sp>
+      <p:sp>
+        <p:nvSpPr>
+          <p:cNvPr id="8" name="PlaceHolder 7"/>
+          <p:cNvSpPr>
+            <a:spLocks noGrp="1"/>
+          </p:cNvSpPr>
+          <p:nvPr>
+            <p:ph type="sldNum" idx="11"/>
+          </p:nvPr>
+        </p:nvSpPr>
+        <p:spPr/>
+        <p:txBody>
+          <a:bodyPr/>
+          <a:p>
+            <a:fld id="{E6CAC8DE-FBE9-457F-9505-EA9C661A4C03}" type="slidenum">
+              <a:t>&lt;#&gt;</a:t>
+            </a:fld>
+          </a:p>
+        </p:txBody>
+      </p:sp>
+      <p:sp>
+        <p:nvSpPr>
+          <p:cNvPr id="9" name="PlaceHolder 8"/>
+          <p:cNvSpPr>
+            <a:spLocks noGrp="1"/>
+          </p:cNvSpPr>
+          <p:nvPr>
+            <p:ph type="dt" idx="12"/>
+          </p:nvPr>
+        </p:nvSpPr>
+        <p:spPr/>
+        <p:txBody>
+          <a:bodyPr/>
+          <a:p>
+            <a:r>
+              <a:rPr lang="zh-CN"/>
+              <a:t/>
+            </a:r>
+          </a:p>
+        </p:txBody>
+      </p:sp>
+    </p:spTree>
+  </p:cSld>
+</p:sldLayout>
+</file>
+
+<file path=ppt/slideLayouts/slideLayout48.xml><?xml version="1.0" encoding="utf-8"?>
+<p:sldLayout xmlns:a="http://schemas.openxmlformats.org/drawingml/2006/main" xmlns:p="http://schemas.openxmlformats.org/presentationml/2006/main" xmlns:r="http://schemas.openxmlformats.org/officeDocument/2006/relationships" xmlns:p14="http://schemas.microsoft.com/office/powerpoint/2010/main" xmlns:p15="http://schemas.microsoft.com/office/powerpoint/2012/main" xmlns:mc="http://schemas.openxmlformats.org/markup-compatibility/2006" type="blank" preserve="1">
+  <p:cSld name="Title, 6 Content">
+    <p:spTree>
+      <p:nvGrpSpPr>
+        <p:cNvPr id="1" name=""/>
+        <p:cNvGrpSpPr/>
+        <p:nvPr/>
+      </p:nvGrpSpPr>
+      <p:grpSpPr>
+        <a:xfrm>
+          <a:off x="0" y="0"/>
+          <a:ext cx="0" cy="0"/>
+          <a:chOff x="0" y="0"/>
+          <a:chExt cx="0" cy="0"/>
+        </a:xfrm>
+      </p:grpSpPr>
+      <p:sp>
+        <p:nvSpPr>
+          <p:cNvPr id="164" name="PlaceHolder 1"/>
+          <p:cNvSpPr>
+            <a:spLocks noGrp="1"/>
+          </p:cNvSpPr>
+          <p:nvPr>
+            <p:ph type="title"/>
+          </p:nvPr>
+        </p:nvSpPr>
+        <p:spPr>
+          <a:xfrm>
+            <a:off x="504000" y="226080"/>
+            <a:ext cx="9072000" cy="946440"/>
+          </a:xfrm>
+          <a:prstGeom prst="rect">
+            <a:avLst/>
+          </a:prstGeom>
+          <a:noFill/>
+          <a:ln w="0">
+            <a:noFill/>
+          </a:ln>
+        </p:spPr>
+        <p:txBody>
+          <a:bodyPr lIns="0" rIns="0" tIns="0" bIns="0" anchor="ctr">
+            <a:noAutofit/>
+          </a:bodyPr>
+          <a:p>
+            <a:pPr indent="0" algn="ctr">
+              <a:buNone/>
+            </a:pPr>
+            <a:endParaRPr b="0" lang="en-US" sz="4400" spc="-1" strike="noStrike">
+              <a:solidFill>
+                <a:srgbClr val="000000"/>
+              </a:solidFill>
+              <a:latin typeface="Arial"/>
+            </a:endParaRPr>
+          </a:p>
+        </p:txBody>
+      </p:sp>
+      <p:sp>
+        <p:nvSpPr>
+          <p:cNvPr id="165" name="PlaceHolder 2"/>
+          <p:cNvSpPr>
+            <a:spLocks noGrp="1"/>
+          </p:cNvSpPr>
+          <p:nvPr>
+            <p:ph/>
+          </p:nvPr>
+        </p:nvSpPr>
+        <p:spPr>
+          <a:xfrm>
+            <a:off x="504000" y="1326600"/>
+            <a:ext cx="2921040" cy="1568520"/>
+          </a:xfrm>
+          <a:prstGeom prst="rect">
+            <a:avLst/>
+          </a:prstGeom>
+          <a:noFill/>
+          <a:ln w="0">
+            <a:noFill/>
+          </a:ln>
+        </p:spPr>
+        <p:txBody>
+          <a:bodyPr lIns="0" rIns="0" tIns="0" bIns="0" anchor="t">
+            <a:normAutofit/>
+          </a:bodyPr>
+          <a:p>
+            <a:pPr indent="0">
+              <a:spcBef>
+                <a:spcPts val="1417"/>
+              </a:spcBef>
+              <a:buNone/>
+            </a:pPr>
+            <a:endParaRPr b="0" lang="en-US" sz="3200" spc="-1" strike="noStrike">
+              <a:solidFill>
+                <a:srgbClr val="000000"/>
+              </a:solidFill>
+              <a:latin typeface="Arial"/>
+            </a:endParaRPr>
+          </a:p>
+        </p:txBody>
+      </p:sp>
+      <p:sp>
+        <p:nvSpPr>
+          <p:cNvPr id="166" name="PlaceHolder 3"/>
+          <p:cNvSpPr>
+            <a:spLocks noGrp="1"/>
+          </p:cNvSpPr>
+          <p:nvPr>
+            <p:ph/>
+          </p:nvPr>
+        </p:nvSpPr>
+        <p:spPr>
+          <a:xfrm>
+            <a:off x="3571560" y="1326600"/>
+            <a:ext cx="2921040" cy="1568520"/>
+          </a:xfrm>
+          <a:prstGeom prst="rect">
+            <a:avLst/>
+          </a:prstGeom>
+          <a:noFill/>
+          <a:ln w="0">
+            <a:noFill/>
+          </a:ln>
+        </p:spPr>
+        <p:txBody>
+          <a:bodyPr lIns="0" rIns="0" tIns="0" bIns="0" anchor="t">
+            <a:normAutofit/>
+          </a:bodyPr>
+          <a:p>
+            <a:pPr indent="0">
+              <a:spcBef>
+                <a:spcPts val="1417"/>
+              </a:spcBef>
+              <a:buNone/>
+            </a:pPr>
+            <a:endParaRPr b="0" lang="en-US" sz="3200" spc="-1" strike="noStrike">
+              <a:solidFill>
+                <a:srgbClr val="000000"/>
+              </a:solidFill>
+              <a:latin typeface="Arial"/>
+            </a:endParaRPr>
+          </a:p>
+        </p:txBody>
+      </p:sp>
+      <p:sp>
+        <p:nvSpPr>
+          <p:cNvPr id="167" name="PlaceHolder 4"/>
+          <p:cNvSpPr>
+            <a:spLocks noGrp="1"/>
+          </p:cNvSpPr>
+          <p:nvPr>
+            <p:ph/>
+          </p:nvPr>
+        </p:nvSpPr>
+        <p:spPr>
+          <a:xfrm>
+            <a:off x="6639120" y="1326600"/>
+            <a:ext cx="2921040" cy="1568520"/>
+          </a:xfrm>
+          <a:prstGeom prst="rect">
+            <a:avLst/>
+          </a:prstGeom>
+          <a:noFill/>
+          <a:ln w="0">
+            <a:noFill/>
+          </a:ln>
+        </p:spPr>
+        <p:txBody>
+          <a:bodyPr lIns="0" rIns="0" tIns="0" bIns="0" anchor="t">
+            <a:normAutofit/>
+          </a:bodyPr>
+          <a:p>
+            <a:pPr indent="0">
+              <a:spcBef>
+                <a:spcPts val="1417"/>
+              </a:spcBef>
+              <a:buNone/>
+            </a:pPr>
+            <a:endParaRPr b="0" lang="en-US" sz="3200" spc="-1" strike="noStrike">
+              <a:solidFill>
+                <a:srgbClr val="000000"/>
+              </a:solidFill>
+              <a:latin typeface="Arial"/>
+            </a:endParaRPr>
+          </a:p>
+        </p:txBody>
+      </p:sp>
+      <p:sp>
+        <p:nvSpPr>
+          <p:cNvPr id="168" name="PlaceHolder 5"/>
+          <p:cNvSpPr>
+            <a:spLocks noGrp="1"/>
+          </p:cNvSpPr>
+          <p:nvPr>
+            <p:ph/>
+          </p:nvPr>
+        </p:nvSpPr>
+        <p:spPr>
+          <a:xfrm>
+            <a:off x="504000" y="3044520"/>
+            <a:ext cx="2921040" cy="1568520"/>
+          </a:xfrm>
+          <a:prstGeom prst="rect">
+            <a:avLst/>
+          </a:prstGeom>
+          <a:noFill/>
+          <a:ln w="0">
+            <a:noFill/>
+          </a:ln>
+        </p:spPr>
+        <p:txBody>
+          <a:bodyPr lIns="0" rIns="0" tIns="0" bIns="0" anchor="t">
+            <a:normAutofit/>
+          </a:bodyPr>
+          <a:p>
+            <a:pPr indent="0">
+              <a:spcBef>
+                <a:spcPts val="1417"/>
+              </a:spcBef>
+              <a:buNone/>
+            </a:pPr>
+            <a:endParaRPr b="0" lang="en-US" sz="3200" spc="-1" strike="noStrike">
+              <a:solidFill>
+                <a:srgbClr val="000000"/>
+              </a:solidFill>
+              <a:latin typeface="Arial"/>
+            </a:endParaRPr>
+          </a:p>
+        </p:txBody>
+      </p:sp>
+      <p:sp>
+        <p:nvSpPr>
+          <p:cNvPr id="169" name="PlaceHolder 6"/>
+          <p:cNvSpPr>
+            <a:spLocks noGrp="1"/>
+          </p:cNvSpPr>
+          <p:nvPr>
+            <p:ph/>
+          </p:nvPr>
+        </p:nvSpPr>
+        <p:spPr>
+          <a:xfrm>
+            <a:off x="3571560" y="3044520"/>
+            <a:ext cx="2921040" cy="1568520"/>
+          </a:xfrm>
+          <a:prstGeom prst="rect">
+            <a:avLst/>
+          </a:prstGeom>
+          <a:noFill/>
+          <a:ln w="0">
+            <a:noFill/>
+          </a:ln>
+        </p:spPr>
+        <p:txBody>
+          <a:bodyPr lIns="0" rIns="0" tIns="0" bIns="0" anchor="t">
+            <a:normAutofit/>
+          </a:bodyPr>
+          <a:p>
+            <a:pPr indent="0">
+              <a:spcBef>
+                <a:spcPts val="1417"/>
+              </a:spcBef>
+              <a:buNone/>
+            </a:pPr>
+            <a:endParaRPr b="0" lang="en-US" sz="3200" spc="-1" strike="noStrike">
+              <a:solidFill>
+                <a:srgbClr val="000000"/>
+              </a:solidFill>
+              <a:latin typeface="Arial"/>
+            </a:endParaRPr>
+          </a:p>
+        </p:txBody>
+      </p:sp>
+      <p:sp>
+        <p:nvSpPr>
+          <p:cNvPr id="170" name="PlaceHolder 7"/>
+          <p:cNvSpPr>
+            <a:spLocks noGrp="1"/>
+          </p:cNvSpPr>
+          <p:nvPr>
+            <p:ph/>
+          </p:nvPr>
+        </p:nvSpPr>
+        <p:spPr>
+          <a:xfrm>
+            <a:off x="6639120" y="3044520"/>
+            <a:ext cx="2921040" cy="1568520"/>
+          </a:xfrm>
+          <a:prstGeom prst="rect">
+            <a:avLst/>
+          </a:prstGeom>
+          <a:noFill/>
+          <a:ln w="0">
+            <a:noFill/>
+          </a:ln>
+        </p:spPr>
+        <p:txBody>
+          <a:bodyPr lIns="0" rIns="0" tIns="0" bIns="0" anchor="t">
+            <a:normAutofit/>
+          </a:bodyPr>
+          <a:p>
+            <a:pPr indent="0">
+              <a:spcBef>
+                <a:spcPts val="1417"/>
+              </a:spcBef>
+              <a:buNone/>
+            </a:pPr>
+            <a:endParaRPr b="0" lang="en-US" sz="3200" spc="-1" strike="noStrike">
+              <a:solidFill>
+                <a:srgbClr val="000000"/>
+              </a:solidFill>
+              <a:latin typeface="Arial"/>
+            </a:endParaRPr>
+          </a:p>
+        </p:txBody>
+      </p:sp>
+      <p:sp>
+        <p:nvSpPr>
+          <p:cNvPr id="9" name="PlaceHolder 8"/>
+          <p:cNvSpPr>
+            <a:spLocks noGrp="1"/>
+          </p:cNvSpPr>
+          <p:nvPr>
+            <p:ph type="ftr" idx="10"/>
+          </p:nvPr>
+        </p:nvSpPr>
+        <p:spPr/>
+        <p:txBody>
+          <a:bodyPr/>
+          <a:p>
+            <a:r>
+              <a:t>Footer</a:t>
+            </a:r>
+          </a:p>
+        </p:txBody>
+      </p:sp>
+      <p:sp>
+        <p:nvSpPr>
+          <p:cNvPr id="10" name="PlaceHolder 9"/>
+          <p:cNvSpPr>
+            <a:spLocks noGrp="1"/>
+          </p:cNvSpPr>
+          <p:nvPr>
+            <p:ph type="sldNum" idx="11"/>
+          </p:nvPr>
+        </p:nvSpPr>
+        <p:spPr/>
+        <p:txBody>
+          <a:bodyPr/>
+          <a:p>
+            <a:fld id="{680C1468-06DE-4F41-B708-564906DDB218}" type="slidenum">
+              <a:t>&lt;#&gt;</a:t>
+            </a:fld>
+          </a:p>
+        </p:txBody>
+      </p:sp>
+      <p:sp>
+        <p:nvSpPr>
+          <p:cNvPr id="11" name="PlaceHolder 10"/>
+          <p:cNvSpPr>
+            <a:spLocks noGrp="1"/>
+          </p:cNvSpPr>
+          <p:nvPr>
+            <p:ph type="dt" idx="12"/>
           </p:nvPr>
         </p:nvSpPr>
         <p:spPr/>
@@ -6313,6 +9103,9 @@
               <a:buNone/>
             </a:pPr>
             <a:endParaRPr b="0" lang="en-US" sz="4400" spc="-1" strike="noStrike">
+              <a:solidFill>
+                <a:srgbClr val="000000"/>
+              </a:solidFill>
               <a:latin typeface="Arial"/>
             </a:endParaRPr>
           </a:p>
@@ -6352,7 +9145,7 @@
         <p:txBody>
           <a:bodyPr/>
           <a:p>
-            <a:fld id="{307172DD-BB8A-45E5-9BEA-490BD41600E0}" type="slidenum">
+            <a:fld id="{1E9B353D-858C-4A67-85E7-BDD17ADFD41A}" type="slidenum">
               <a:t>&lt;#&gt;</a:t>
             </a:fld>
           </a:p>
@@ -6431,6 +9224,9 @@
           <a:p>
             <a:pPr algn="ctr"/>
             <a:endParaRPr b="0" lang="en-US" sz="3200" spc="-1" strike="noStrike">
+              <a:solidFill>
+                <a:srgbClr val="000000"/>
+              </a:solidFill>
               <a:latin typeface="Arial"/>
             </a:endParaRPr>
           </a:p>
@@ -6470,7 +9266,7 @@
         <p:txBody>
           <a:bodyPr/>
           <a:p>
-            <a:fld id="{459150E7-2286-49CC-843B-EA259F1034EB}" type="slidenum">
+            <a:fld id="{ACE71B70-B91E-4C91-97AC-6ECEBC49423A}" type="slidenum">
               <a:t>&lt;#&gt;</a:t>
             </a:fld>
           </a:p>
@@ -6551,6 +9347,9 @@
               <a:buNone/>
             </a:pPr>
             <a:endParaRPr b="0" lang="en-US" sz="4400" spc="-1" strike="noStrike">
+              <a:solidFill>
+                <a:srgbClr val="000000"/>
+              </a:solidFill>
               <a:latin typeface="Arial"/>
             </a:endParaRPr>
           </a:p>
@@ -6591,6 +9390,9 @@
               <a:buNone/>
             </a:pPr>
             <a:endParaRPr b="0" lang="en-US" sz="3200" spc="-1" strike="noStrike">
+              <a:solidFill>
+                <a:srgbClr val="000000"/>
+              </a:solidFill>
               <a:latin typeface="Arial"/>
             </a:endParaRPr>
           </a:p>
@@ -6631,6 +9433,9 @@
               <a:buNone/>
             </a:pPr>
             <a:endParaRPr b="0" lang="en-US" sz="3200" spc="-1" strike="noStrike">
+              <a:solidFill>
+                <a:srgbClr val="000000"/>
+              </a:solidFill>
               <a:latin typeface="Arial"/>
             </a:endParaRPr>
           </a:p>
@@ -6671,6 +9476,9 @@
               <a:buNone/>
             </a:pPr>
             <a:endParaRPr b="0" lang="en-US" sz="3200" spc="-1" strike="noStrike">
+              <a:solidFill>
+                <a:srgbClr val="000000"/>
+              </a:solidFill>
               <a:latin typeface="Arial"/>
             </a:endParaRPr>
           </a:p>
@@ -6710,7 +9518,7 @@
         <p:txBody>
           <a:bodyPr/>
           <a:p>
-            <a:fld id="{29915E18-610F-442C-890B-D4829FEA0D00}" type="slidenum">
+            <a:fld id="{D49B2288-BF35-44C9-8C54-966D2ED46385}" type="slidenum">
               <a:t>&lt;#&gt;</a:t>
             </a:fld>
           </a:p>
@@ -6791,6 +9599,9 @@
               <a:buNone/>
             </a:pPr>
             <a:endParaRPr b="0" lang="en-US" sz="4400" spc="-1" strike="noStrike">
+              <a:solidFill>
+                <a:srgbClr val="000000"/>
+              </a:solidFill>
               <a:latin typeface="Arial"/>
             </a:endParaRPr>
           </a:p>
@@ -6831,6 +9642,9 @@
               <a:buNone/>
             </a:pPr>
             <a:endParaRPr b="0" lang="en-US" sz="3200" spc="-1" strike="noStrike">
+              <a:solidFill>
+                <a:srgbClr val="000000"/>
+              </a:solidFill>
               <a:latin typeface="Arial"/>
             </a:endParaRPr>
           </a:p>
@@ -6871,6 +9685,9 @@
               <a:buNone/>
             </a:pPr>
             <a:endParaRPr b="0" lang="en-US" sz="3200" spc="-1" strike="noStrike">
+              <a:solidFill>
+                <a:srgbClr val="000000"/>
+              </a:solidFill>
               <a:latin typeface="Arial"/>
             </a:endParaRPr>
           </a:p>
@@ -6911,6 +9728,9 @@
               <a:buNone/>
             </a:pPr>
             <a:endParaRPr b="0" lang="en-US" sz="3200" spc="-1" strike="noStrike">
+              <a:solidFill>
+                <a:srgbClr val="000000"/>
+              </a:solidFill>
               <a:latin typeface="Arial"/>
             </a:endParaRPr>
           </a:p>
@@ -6950,7 +9770,7 @@
         <p:txBody>
           <a:bodyPr/>
           <a:p>
-            <a:fld id="{F036A164-D749-4A65-A8D1-484540BF2C41}" type="slidenum">
+            <a:fld id="{D9B92AB7-6163-4D1C-AA07-22C6A00524D5}" type="slidenum">
               <a:t>&lt;#&gt;</a:t>
             </a:fld>
           </a:p>
@@ -7031,6 +9851,9 @@
               <a:buNone/>
             </a:pPr>
             <a:endParaRPr b="0" lang="en-US" sz="4400" spc="-1" strike="noStrike">
+              <a:solidFill>
+                <a:srgbClr val="000000"/>
+              </a:solidFill>
               <a:latin typeface="Arial"/>
             </a:endParaRPr>
           </a:p>
@@ -7071,6 +9894,9 @@
               <a:buNone/>
             </a:pPr>
             <a:endParaRPr b="0" lang="en-US" sz="3200" spc="-1" strike="noStrike">
+              <a:solidFill>
+                <a:srgbClr val="000000"/>
+              </a:solidFill>
               <a:latin typeface="Arial"/>
             </a:endParaRPr>
           </a:p>
@@ -7111,6 +9937,9 @@
               <a:buNone/>
             </a:pPr>
             <a:endParaRPr b="0" lang="en-US" sz="3200" spc="-1" strike="noStrike">
+              <a:solidFill>
+                <a:srgbClr val="000000"/>
+              </a:solidFill>
               <a:latin typeface="Arial"/>
             </a:endParaRPr>
           </a:p>
@@ -7151,6 +9980,9 @@
               <a:buNone/>
             </a:pPr>
             <a:endParaRPr b="0" lang="en-US" sz="3200" spc="-1" strike="noStrike">
+              <a:solidFill>
+                <a:srgbClr val="000000"/>
+              </a:solidFill>
               <a:latin typeface="Arial"/>
             </a:endParaRPr>
           </a:p>
@@ -7190,7 +10022,7 @@
         <p:txBody>
           <a:bodyPr/>
           <a:p>
-            <a:fld id="{0C1AEC68-386B-492A-B2F8-CA0B1042A301}" type="slidenum">
+            <a:fld id="{5E57E10E-4891-49E1-BDAC-81CABEA8D6E0}" type="slidenum">
               <a:t>&lt;#&gt;</a:t>
             </a:fld>
           </a:p>
@@ -7247,8 +10079,8 @@
         </p:nvSpPr>
         <p:spPr>
           <a:xfrm flipH="1" flipV="1">
-            <a:off x="-1440" y="4498560"/>
-            <a:ext cx="10078920" cy="1168920"/>
+            <a:off x="-2160" y="4497840"/>
+            <a:ext cx="10078200" cy="1168200"/>
           </a:xfrm>
           <a:prstGeom prst="flowChartDocument">
             <a:avLst/>
@@ -7279,6 +10111,25 @@
           <a:effectRef idx="0"/>
           <a:fontRef idx="minor"/>
         </p:style>
+        <p:txBody>
+          <a:bodyPr lIns="90000" rIns="90000" tIns="45000" bIns="45000" anchor="t">
+            <a:noAutofit/>
+          </a:bodyPr>
+          <a:p>
+            <a:pPr>
+              <a:lnSpc>
+                <a:spcPct val="100000"/>
+              </a:lnSpc>
+            </a:pPr>
+            <a:endParaRPr b="0" lang="en-US" sz="1800" spc="-1" strike="noStrike">
+              <a:solidFill>
+                <a:srgbClr val="000000"/>
+              </a:solidFill>
+              <a:latin typeface="Arial"/>
+              <a:ea typeface="DejaVu Sans"/>
+            </a:endParaRPr>
+          </a:p>
+        </p:txBody>
       </p:sp>
       <p:sp>
         <p:nvSpPr>
@@ -7313,11 +10164,17 @@
             </a:pPr>
             <a:r>
               <a:rPr b="0" lang="zh-CN" sz="1800" spc="-1" strike="noStrike">
+                <a:solidFill>
+                  <a:srgbClr val="000000"/>
+                </a:solidFill>
                 <a:latin typeface="Arial"/>
               </a:rPr>
               <a:t>单击以编辑标题文本格式</a:t>
             </a:r>
             <a:endParaRPr b="0" lang="en-US" sz="1800" spc="-1" strike="noStrike">
+              <a:solidFill>
+                <a:srgbClr val="000000"/>
+              </a:solidFill>
               <a:latin typeface="Arial"/>
             </a:endParaRPr>
           </a:p>
@@ -7336,7 +10193,7 @@
         <p:spPr>
           <a:xfrm>
             <a:off x="3420000" y="5220000"/>
-            <a:ext cx="3238920" cy="358920"/>
+            <a:ext cx="3238200" cy="358200"/>
           </a:xfrm>
           <a:prstGeom prst="rect">
             <a:avLst/>
@@ -7384,9 +10241,12 @@
                 </a:solidFill>
                 <a:latin typeface="Arial"/>
               </a:rPr>
-              <a:t> </a:t>
+              <a:t>&lt;页脚&gt;</a:t>
             </a:r>
             <a:endParaRPr b="0" lang="en-US" sz="1400" spc="-1" strike="noStrike">
+              <a:solidFill>
+                <a:srgbClr val="000000"/>
+              </a:solidFill>
               <a:latin typeface="Times New Roman"/>
             </a:endParaRPr>
           </a:p>
@@ -7405,7 +10265,7 @@
         <p:spPr>
           <a:xfrm>
             <a:off x="7380000" y="5220000"/>
-            <a:ext cx="2338920" cy="358920"/>
+            <a:ext cx="2338200" cy="358200"/>
           </a:xfrm>
           <a:prstGeom prst="rect">
             <a:avLst/>
@@ -7446,16 +10306,19 @@
                 <a:tab algn="l" pos="0"/>
               </a:tabLst>
             </a:pPr>
-            <a:fld id="{E7510315-8445-4484-8D7F-45E5BCE12627}" type="slidenum">
+            <a:fld id="{95EBEDD8-0F8B-47A6-9214-0DBCD148138E}" type="slidenum">
               <a:rPr b="0" lang="en-US" sz="1400" spc="-1" strike="noStrike">
                 <a:solidFill>
                   <a:srgbClr val="ffffff"/>
                 </a:solidFill>
                 <a:latin typeface="Arial"/>
               </a:rPr>
-              <a:t>15</a:t>
+              <a:t>&lt;编号&gt;</a:t>
             </a:fld>
             <a:endParaRPr b="0" lang="en-US" sz="1400" spc="-1" strike="noStrike">
+              <a:solidFill>
+                <a:srgbClr val="000000"/>
+              </a:solidFill>
               <a:latin typeface="Times New Roman"/>
             </a:endParaRPr>
           </a:p>
@@ -7474,7 +10337,7 @@
         <p:spPr>
           <a:xfrm>
             <a:off x="360000" y="5220000"/>
-            <a:ext cx="2338920" cy="358920"/>
+            <a:ext cx="2338200" cy="358200"/>
           </a:xfrm>
           <a:prstGeom prst="rect">
             <a:avLst/>
@@ -7492,6 +10355,9 @@
             <a:lvl1pPr indent="0">
               <a:buNone/>
               <a:defRPr b="0" lang="en-US" sz="1400" spc="-1" strike="noStrike">
+                <a:solidFill>
+                  <a:srgbClr val="000000"/>
+                </a:solidFill>
                 <a:latin typeface="Times New Roman"/>
               </a:defRPr>
             </a:lvl1pPr>
@@ -7502,11 +10368,17 @@
             </a:pPr>
             <a:r>
               <a:rPr b="0" lang="en-US" sz="1400" spc="-1" strike="noStrike">
+                <a:solidFill>
+                  <a:srgbClr val="000000"/>
+                </a:solidFill>
                 <a:latin typeface="Times New Roman"/>
               </a:rPr>
-              <a:t>10/19/2022</a:t>
+              <a:t>&lt;日期/时间&gt;</a:t>
             </a:r>
             <a:endParaRPr b="0" lang="en-US" sz="1400" spc="-1" strike="noStrike">
+              <a:solidFill>
+                <a:srgbClr val="000000"/>
+              </a:solidFill>
               <a:latin typeface="Times New Roman"/>
             </a:endParaRPr>
           </a:p>
@@ -7553,11 +10425,17 @@
             </a:pPr>
             <a:r>
               <a:rPr b="0" lang="zh-CN" sz="3200" spc="-1" strike="noStrike">
+                <a:solidFill>
+                  <a:srgbClr val="000000"/>
+                </a:solidFill>
                 <a:latin typeface="Arial"/>
               </a:rPr>
               <a:t>点击以编辑提纲文本格式</a:t>
             </a:r>
             <a:endParaRPr b="0" lang="en-US" sz="3200" spc="-1" strike="noStrike">
+              <a:solidFill>
+                <a:srgbClr val="000000"/>
+              </a:solidFill>
               <a:latin typeface="Arial"/>
             </a:endParaRPr>
           </a:p>
@@ -7575,11 +10453,17 @@
             </a:pPr>
             <a:r>
               <a:rPr b="0" lang="zh-CN" sz="2800" spc="-1" strike="noStrike">
+                <a:solidFill>
+                  <a:srgbClr val="000000"/>
+                </a:solidFill>
                 <a:latin typeface="Arial"/>
               </a:rPr>
               <a:t>第二提纲级别</a:t>
             </a:r>
             <a:endParaRPr b="0" lang="en-US" sz="2800" spc="-1" strike="noStrike">
+              <a:solidFill>
+                <a:srgbClr val="000000"/>
+              </a:solidFill>
               <a:latin typeface="Arial"/>
             </a:endParaRPr>
           </a:p>
@@ -7597,11 +10481,17 @@
             </a:pPr>
             <a:r>
               <a:rPr b="0" lang="zh-CN" sz="2400" spc="-1" strike="noStrike">
+                <a:solidFill>
+                  <a:srgbClr val="000000"/>
+                </a:solidFill>
                 <a:latin typeface="Arial"/>
               </a:rPr>
               <a:t>第三提纲级别</a:t>
             </a:r>
             <a:endParaRPr b="0" lang="en-US" sz="2400" spc="-1" strike="noStrike">
+              <a:solidFill>
+                <a:srgbClr val="000000"/>
+              </a:solidFill>
               <a:latin typeface="Arial"/>
             </a:endParaRPr>
           </a:p>
@@ -7619,11 +10509,17 @@
             </a:pPr>
             <a:r>
               <a:rPr b="0" lang="zh-CN" sz="2000" spc="-1" strike="noStrike">
+                <a:solidFill>
+                  <a:srgbClr val="000000"/>
+                </a:solidFill>
                 <a:latin typeface="Arial"/>
               </a:rPr>
               <a:t>第四提纲级别</a:t>
             </a:r>
             <a:endParaRPr b="0" lang="en-US" sz="2000" spc="-1" strike="noStrike">
+              <a:solidFill>
+                <a:srgbClr val="000000"/>
+              </a:solidFill>
               <a:latin typeface="Arial"/>
             </a:endParaRPr>
           </a:p>
@@ -7641,11 +10537,17 @@
             </a:pPr>
             <a:r>
               <a:rPr b="0" lang="zh-CN" sz="2000" spc="-1" strike="noStrike">
+                <a:solidFill>
+                  <a:srgbClr val="000000"/>
+                </a:solidFill>
                 <a:latin typeface="Arial"/>
               </a:rPr>
               <a:t>第五提纲级别</a:t>
             </a:r>
             <a:endParaRPr b="0" lang="en-US" sz="2000" spc="-1" strike="noStrike">
+              <a:solidFill>
+                <a:srgbClr val="000000"/>
+              </a:solidFill>
               <a:latin typeface="Arial"/>
             </a:endParaRPr>
           </a:p>
@@ -7663,11 +10565,17 @@
             </a:pPr>
             <a:r>
               <a:rPr b="0" lang="zh-CN" sz="2000" spc="-1" strike="noStrike">
+                <a:solidFill>
+                  <a:srgbClr val="000000"/>
+                </a:solidFill>
                 <a:latin typeface="Arial"/>
               </a:rPr>
               <a:t>第六提纲级别</a:t>
             </a:r>
             <a:endParaRPr b="0" lang="en-US" sz="2000" spc="-1" strike="noStrike">
+              <a:solidFill>
+                <a:srgbClr val="000000"/>
+              </a:solidFill>
               <a:latin typeface="Arial"/>
             </a:endParaRPr>
           </a:p>
@@ -7685,11 +10593,17 @@
             </a:pPr>
             <a:r>
               <a:rPr b="0" lang="zh-CN" sz="2000" spc="-1" strike="noStrike">
+                <a:solidFill>
+                  <a:srgbClr val="000000"/>
+                </a:solidFill>
                 <a:latin typeface="Arial"/>
               </a:rPr>
               <a:t>第七提纲级别</a:t>
             </a:r>
             <a:endParaRPr b="0" lang="en-US" sz="2000" spc="-1" strike="noStrike">
+              <a:solidFill>
+                <a:srgbClr val="000000"/>
+              </a:solidFill>
               <a:latin typeface="Arial"/>
             </a:endParaRPr>
           </a:p>
@@ -7741,7 +10655,7 @@
         <p:spPr>
           <a:xfrm>
             <a:off x="0" y="0"/>
-            <a:ext cx="10075680" cy="718920"/>
+            <a:ext cx="10074960" cy="718200"/>
           </a:xfrm>
           <a:prstGeom prst="rect">
             <a:avLst/>
@@ -7772,6 +10686,25 @@
           <a:effectRef idx="0"/>
           <a:fontRef idx="minor"/>
         </p:style>
+        <p:txBody>
+          <a:bodyPr lIns="90000" rIns="90000" tIns="45000" bIns="45000" anchor="t">
+            <a:noAutofit/>
+          </a:bodyPr>
+          <a:p>
+            <a:pPr>
+              <a:lnSpc>
+                <a:spcPct val="100000"/>
+              </a:lnSpc>
+            </a:pPr>
+            <a:endParaRPr b="0" lang="en-US" sz="1800" spc="-1" strike="noStrike">
+              <a:solidFill>
+                <a:srgbClr val="000000"/>
+              </a:solidFill>
+              <a:latin typeface="Arial"/>
+              <a:ea typeface="DejaVu Sans"/>
+            </a:endParaRPr>
+          </a:p>
+        </p:txBody>
       </p:sp>
       <p:sp>
         <p:nvSpPr>
@@ -7782,7 +10715,7 @@
         <p:spPr>
           <a:xfrm>
             <a:off x="3240" y="5040000"/>
-            <a:ext cx="10075680" cy="630360"/>
+            <a:ext cx="10074960" cy="629640"/>
           </a:xfrm>
           <a:prstGeom prst="rect">
             <a:avLst/>
@@ -7813,6 +10746,25 @@
           <a:effectRef idx="0"/>
           <a:fontRef idx="minor"/>
         </p:style>
+        <p:txBody>
+          <a:bodyPr lIns="90000" rIns="90000" tIns="45000" bIns="45000" anchor="t">
+            <a:noAutofit/>
+          </a:bodyPr>
+          <a:p>
+            <a:pPr>
+              <a:lnSpc>
+                <a:spcPct val="100000"/>
+              </a:lnSpc>
+            </a:pPr>
+            <a:endParaRPr b="0" lang="en-US" sz="1800" spc="-1" strike="noStrike">
+              <a:solidFill>
+                <a:srgbClr val="000000"/>
+              </a:solidFill>
+              <a:latin typeface="Arial"/>
+              <a:ea typeface="DejaVu Sans"/>
+            </a:endParaRPr>
+          </a:p>
+        </p:txBody>
       </p:sp>
       <p:sp>
         <p:nvSpPr>
@@ -7827,7 +10779,7 @@
         <p:spPr>
           <a:xfrm>
             <a:off x="3420000" y="5220000"/>
-            <a:ext cx="3238920" cy="358920"/>
+            <a:ext cx="3238200" cy="358200"/>
           </a:xfrm>
           <a:prstGeom prst="rect">
             <a:avLst/>
@@ -7878,6 +10830,9 @@
               <a:t>&lt;页脚&gt;</a:t>
             </a:r>
             <a:endParaRPr b="0" lang="en-US" sz="1400" spc="-1" strike="noStrike">
+              <a:solidFill>
+                <a:srgbClr val="000000"/>
+              </a:solidFill>
               <a:latin typeface="Times New Roman"/>
             </a:endParaRPr>
           </a:p>
@@ -7896,7 +10851,7 @@
         <p:spPr>
           <a:xfrm>
             <a:off x="7380000" y="5220000"/>
-            <a:ext cx="2338920" cy="358920"/>
+            <a:ext cx="2338200" cy="358200"/>
           </a:xfrm>
           <a:prstGeom prst="rect">
             <a:avLst/>
@@ -7937,7 +10892,7 @@
                 <a:tab algn="l" pos="0"/>
               </a:tabLst>
             </a:pPr>
-            <a:fld id="{7AA3933F-3927-44B8-9F81-A1178D0A5D61}" type="slidenum">
+            <a:fld id="{E7B732F0-ED01-40FC-89C5-73D4D706F55B}" type="slidenum">
               <a:rPr b="0" lang="en-US" sz="1400" spc="-1" strike="noStrike">
                 <a:solidFill>
                   <a:srgbClr val="ffffff"/>
@@ -7947,6 +10902,9 @@
               <a:t>&lt;编号&gt;</a:t>
             </a:fld>
             <a:endParaRPr b="0" lang="en-US" sz="1400" spc="-1" strike="noStrike">
+              <a:solidFill>
+                <a:srgbClr val="000000"/>
+              </a:solidFill>
               <a:latin typeface="Times New Roman"/>
             </a:endParaRPr>
           </a:p>
@@ -7965,7 +10923,7 @@
         <p:spPr>
           <a:xfrm>
             <a:off x="360000" y="5220000"/>
-            <a:ext cx="2338920" cy="358920"/>
+            <a:ext cx="2338200" cy="358200"/>
           </a:xfrm>
           <a:prstGeom prst="rect">
             <a:avLst/>
@@ -7983,6 +10941,9 @@
             <a:lvl1pPr indent="0">
               <a:buNone/>
               <a:defRPr b="0" lang="en-US" sz="1400" spc="-1" strike="noStrike">
+                <a:solidFill>
+                  <a:srgbClr val="000000"/>
+                </a:solidFill>
                 <a:latin typeface="Times New Roman"/>
               </a:defRPr>
             </a:lvl1pPr>
@@ -7993,11 +10954,17 @@
             </a:pPr>
             <a:r>
               <a:rPr b="0" lang="en-US" sz="1400" spc="-1" strike="noStrike">
+                <a:solidFill>
+                  <a:srgbClr val="000000"/>
+                </a:solidFill>
                 <a:latin typeface="Times New Roman"/>
               </a:rPr>
               <a:t>&lt;日期/时间&gt;</a:t>
             </a:r>
             <a:endParaRPr b="0" lang="en-US" sz="1400" spc="-1" strike="noStrike">
+              <a:solidFill>
+                <a:srgbClr val="000000"/>
+              </a:solidFill>
               <a:latin typeface="Times New Roman"/>
             </a:endParaRPr>
           </a:p>
@@ -8036,11 +11003,17 @@
             </a:pPr>
             <a:r>
               <a:rPr b="0" lang="zh-CN" sz="4400" spc="-1" strike="noStrike">
+                <a:solidFill>
+                  <a:srgbClr val="000000"/>
+                </a:solidFill>
                 <a:latin typeface="Arial"/>
               </a:rPr>
               <a:t>单击以编辑标题文本格式</a:t>
             </a:r>
             <a:endParaRPr b="0" lang="en-US" sz="4400" spc="-1" strike="noStrike">
+              <a:solidFill>
+                <a:srgbClr val="000000"/>
+              </a:solidFill>
               <a:latin typeface="Arial"/>
             </a:endParaRPr>
           </a:p>
@@ -8087,11 +11060,17 @@
             </a:pPr>
             <a:r>
               <a:rPr b="0" lang="zh-CN" sz="3200" spc="-1" strike="noStrike">
+                <a:solidFill>
+                  <a:srgbClr val="000000"/>
+                </a:solidFill>
                 <a:latin typeface="Arial"/>
               </a:rPr>
               <a:t>点击以编辑提纲文本格式</a:t>
             </a:r>
             <a:endParaRPr b="0" lang="en-US" sz="3200" spc="-1" strike="noStrike">
+              <a:solidFill>
+                <a:srgbClr val="000000"/>
+              </a:solidFill>
               <a:latin typeface="Arial"/>
             </a:endParaRPr>
           </a:p>
@@ -8109,11 +11088,17 @@
             </a:pPr>
             <a:r>
               <a:rPr b="0" lang="zh-CN" sz="2800" spc="-1" strike="noStrike">
+                <a:solidFill>
+                  <a:srgbClr val="000000"/>
+                </a:solidFill>
                 <a:latin typeface="Arial"/>
               </a:rPr>
               <a:t>第二提纲级别</a:t>
             </a:r>
             <a:endParaRPr b="0" lang="en-US" sz="2800" spc="-1" strike="noStrike">
+              <a:solidFill>
+                <a:srgbClr val="000000"/>
+              </a:solidFill>
               <a:latin typeface="Arial"/>
             </a:endParaRPr>
           </a:p>
@@ -8131,11 +11116,17 @@
             </a:pPr>
             <a:r>
               <a:rPr b="0" lang="zh-CN" sz="2400" spc="-1" strike="noStrike">
+                <a:solidFill>
+                  <a:srgbClr val="000000"/>
+                </a:solidFill>
                 <a:latin typeface="Arial"/>
               </a:rPr>
               <a:t>第三提纲级别</a:t>
             </a:r>
             <a:endParaRPr b="0" lang="en-US" sz="2400" spc="-1" strike="noStrike">
+              <a:solidFill>
+                <a:srgbClr val="000000"/>
+              </a:solidFill>
               <a:latin typeface="Arial"/>
             </a:endParaRPr>
           </a:p>
@@ -8153,11 +11144,17 @@
             </a:pPr>
             <a:r>
               <a:rPr b="0" lang="zh-CN" sz="2000" spc="-1" strike="noStrike">
+                <a:solidFill>
+                  <a:srgbClr val="000000"/>
+                </a:solidFill>
                 <a:latin typeface="Arial"/>
               </a:rPr>
               <a:t>第四提纲级别</a:t>
             </a:r>
             <a:endParaRPr b="0" lang="en-US" sz="2000" spc="-1" strike="noStrike">
+              <a:solidFill>
+                <a:srgbClr val="000000"/>
+              </a:solidFill>
               <a:latin typeface="Arial"/>
             </a:endParaRPr>
           </a:p>
@@ -8175,11 +11172,17 @@
             </a:pPr>
             <a:r>
               <a:rPr b="0" lang="zh-CN" sz="2000" spc="-1" strike="noStrike">
+                <a:solidFill>
+                  <a:srgbClr val="000000"/>
+                </a:solidFill>
                 <a:latin typeface="Arial"/>
               </a:rPr>
               <a:t>第五提纲级别</a:t>
             </a:r>
             <a:endParaRPr b="0" lang="en-US" sz="2000" spc="-1" strike="noStrike">
+              <a:solidFill>
+                <a:srgbClr val="000000"/>
+              </a:solidFill>
               <a:latin typeface="Arial"/>
             </a:endParaRPr>
           </a:p>
@@ -8197,11 +11200,17 @@
             </a:pPr>
             <a:r>
               <a:rPr b="0" lang="zh-CN" sz="2000" spc="-1" strike="noStrike">
+                <a:solidFill>
+                  <a:srgbClr val="000000"/>
+                </a:solidFill>
                 <a:latin typeface="Arial"/>
               </a:rPr>
               <a:t>第六提纲级别</a:t>
             </a:r>
             <a:endParaRPr b="0" lang="en-US" sz="2000" spc="-1" strike="noStrike">
+              <a:solidFill>
+                <a:srgbClr val="000000"/>
+              </a:solidFill>
               <a:latin typeface="Arial"/>
             </a:endParaRPr>
           </a:p>
@@ -8219,11 +11228,17 @@
             </a:pPr>
             <a:r>
               <a:rPr b="0" lang="zh-CN" sz="2000" spc="-1" strike="noStrike">
+                <a:solidFill>
+                  <a:srgbClr val="000000"/>
+                </a:solidFill>
                 <a:latin typeface="Arial"/>
               </a:rPr>
               <a:t>第七提纲级别</a:t>
             </a:r>
             <a:endParaRPr b="0" lang="en-US" sz="2000" spc="-1" strike="noStrike">
+              <a:solidFill>
+                <a:srgbClr val="000000"/>
+              </a:solidFill>
               <a:latin typeface="Arial"/>
             </a:endParaRPr>
           </a:p>
@@ -8275,7 +11290,7 @@
         <p:spPr>
           <a:xfrm>
             <a:off x="0" y="0"/>
-            <a:ext cx="10075680" cy="718920"/>
+            <a:ext cx="10074960" cy="718200"/>
           </a:xfrm>
           <a:prstGeom prst="rect">
             <a:avLst/>
@@ -8306,6 +11321,25 @@
           <a:effectRef idx="0"/>
           <a:fontRef idx="minor"/>
         </p:style>
+        <p:txBody>
+          <a:bodyPr lIns="90000" rIns="90000" tIns="45000" bIns="45000" anchor="t">
+            <a:noAutofit/>
+          </a:bodyPr>
+          <a:p>
+            <a:pPr>
+              <a:lnSpc>
+                <a:spcPct val="100000"/>
+              </a:lnSpc>
+            </a:pPr>
+            <a:endParaRPr b="0" lang="en-US" sz="1800" spc="-1" strike="noStrike">
+              <a:solidFill>
+                <a:srgbClr val="000000"/>
+              </a:solidFill>
+              <a:latin typeface="Arial"/>
+              <a:ea typeface="DejaVu Sans"/>
+            </a:endParaRPr>
+          </a:p>
+        </p:txBody>
       </p:sp>
       <p:sp>
         <p:nvSpPr>
@@ -8316,7 +11350,7 @@
         <p:spPr>
           <a:xfrm>
             <a:off x="3240" y="5040000"/>
-            <a:ext cx="10075680" cy="630360"/>
+            <a:ext cx="10074960" cy="629640"/>
           </a:xfrm>
           <a:prstGeom prst="rect">
             <a:avLst/>
@@ -8347,6 +11381,25 @@
           <a:effectRef idx="0"/>
           <a:fontRef idx="minor"/>
         </p:style>
+        <p:txBody>
+          <a:bodyPr lIns="90000" rIns="90000" tIns="45000" bIns="45000" anchor="t">
+            <a:noAutofit/>
+          </a:bodyPr>
+          <a:p>
+            <a:pPr>
+              <a:lnSpc>
+                <a:spcPct val="100000"/>
+              </a:lnSpc>
+            </a:pPr>
+            <a:endParaRPr b="0" lang="en-US" sz="1800" spc="-1" strike="noStrike">
+              <a:solidFill>
+                <a:srgbClr val="000000"/>
+              </a:solidFill>
+              <a:latin typeface="Arial"/>
+              <a:ea typeface="DejaVu Sans"/>
+            </a:endParaRPr>
+          </a:p>
+        </p:txBody>
       </p:sp>
       <p:sp>
         <p:nvSpPr>
@@ -8361,7 +11414,7 @@
         <p:spPr>
           <a:xfrm>
             <a:off x="3420000" y="5220000"/>
-            <a:ext cx="3238920" cy="358920"/>
+            <a:ext cx="3238200" cy="358200"/>
           </a:xfrm>
           <a:prstGeom prst="rect">
             <a:avLst/>
@@ -8412,6 +11465,9 @@
               <a:t>&lt;页脚&gt;</a:t>
             </a:r>
             <a:endParaRPr b="0" lang="en-US" sz="1400" spc="-1" strike="noStrike">
+              <a:solidFill>
+                <a:srgbClr val="000000"/>
+              </a:solidFill>
               <a:latin typeface="Times New Roman"/>
             </a:endParaRPr>
           </a:p>
@@ -8430,7 +11486,7 @@
         <p:spPr>
           <a:xfrm>
             <a:off x="7380000" y="5220000"/>
-            <a:ext cx="2338920" cy="358920"/>
+            <a:ext cx="2338200" cy="358200"/>
           </a:xfrm>
           <a:prstGeom prst="rect">
             <a:avLst/>
@@ -8471,7 +11527,7 @@
                 <a:tab algn="l" pos="0"/>
               </a:tabLst>
             </a:pPr>
-            <a:fld id="{0EC6AD9B-4E2A-4D9D-B6B8-34F9F3E2DA6B}" type="slidenum">
+            <a:fld id="{CD31F902-9D7B-4A47-BE93-3784F990B550}" type="slidenum">
               <a:rPr b="0" lang="en-US" sz="1400" spc="-1" strike="noStrike">
                 <a:solidFill>
                   <a:srgbClr val="ffffff"/>
@@ -8481,6 +11537,9 @@
               <a:t>&lt;编号&gt;</a:t>
             </a:fld>
             <a:endParaRPr b="0" lang="en-US" sz="1400" spc="-1" strike="noStrike">
+              <a:solidFill>
+                <a:srgbClr val="000000"/>
+              </a:solidFill>
               <a:latin typeface="Times New Roman"/>
             </a:endParaRPr>
           </a:p>
@@ -8499,7 +11558,7 @@
         <p:spPr>
           <a:xfrm>
             <a:off x="360000" y="5220000"/>
-            <a:ext cx="2338920" cy="358920"/>
+            <a:ext cx="2338200" cy="358200"/>
           </a:xfrm>
           <a:prstGeom prst="rect">
             <a:avLst/>
@@ -8517,6 +11576,9 @@
             <a:lvl1pPr indent="0">
               <a:buNone/>
               <a:defRPr b="0" lang="en-US" sz="1400" spc="-1" strike="noStrike">
+                <a:solidFill>
+                  <a:srgbClr val="000000"/>
+                </a:solidFill>
                 <a:latin typeface="Times New Roman"/>
               </a:defRPr>
             </a:lvl1pPr>
@@ -8527,11 +11589,17 @@
             </a:pPr>
             <a:r>
               <a:rPr b="0" lang="en-US" sz="1400" spc="-1" strike="noStrike">
+                <a:solidFill>
+                  <a:srgbClr val="000000"/>
+                </a:solidFill>
                 <a:latin typeface="Times New Roman"/>
               </a:rPr>
               <a:t>&lt;日期/时间&gt;</a:t>
             </a:r>
             <a:endParaRPr b="0" lang="en-US" sz="1400" spc="-1" strike="noStrike">
+              <a:solidFill>
+                <a:srgbClr val="000000"/>
+              </a:solidFill>
               <a:latin typeface="Times New Roman"/>
             </a:endParaRPr>
           </a:p>
@@ -8570,11 +11638,17 @@
             </a:pPr>
             <a:r>
               <a:rPr b="0" lang="zh-CN" sz="4400" spc="-1" strike="noStrike">
+                <a:solidFill>
+                  <a:srgbClr val="000000"/>
+                </a:solidFill>
                 <a:latin typeface="Arial"/>
               </a:rPr>
               <a:t>单击以编辑标题文本格式</a:t>
             </a:r>
             <a:endParaRPr b="0" lang="en-US" sz="4400" spc="-1" strike="noStrike">
+              <a:solidFill>
+                <a:srgbClr val="000000"/>
+              </a:solidFill>
               <a:latin typeface="Arial"/>
             </a:endParaRPr>
           </a:p>
@@ -8621,11 +11695,17 @@
             </a:pPr>
             <a:r>
               <a:rPr b="0" lang="zh-CN" sz="3200" spc="-1" strike="noStrike">
+                <a:solidFill>
+                  <a:srgbClr val="000000"/>
+                </a:solidFill>
                 <a:latin typeface="Arial"/>
               </a:rPr>
               <a:t>点击以编辑提纲文本格式</a:t>
             </a:r>
             <a:endParaRPr b="0" lang="en-US" sz="3200" spc="-1" strike="noStrike">
+              <a:solidFill>
+                <a:srgbClr val="000000"/>
+              </a:solidFill>
               <a:latin typeface="Arial"/>
             </a:endParaRPr>
           </a:p>
@@ -8643,11 +11723,17 @@
             </a:pPr>
             <a:r>
               <a:rPr b="0" lang="zh-CN" sz="2800" spc="-1" strike="noStrike">
+                <a:solidFill>
+                  <a:srgbClr val="000000"/>
+                </a:solidFill>
                 <a:latin typeface="Arial"/>
               </a:rPr>
               <a:t>第二提纲级别</a:t>
             </a:r>
             <a:endParaRPr b="0" lang="en-US" sz="2800" spc="-1" strike="noStrike">
+              <a:solidFill>
+                <a:srgbClr val="000000"/>
+              </a:solidFill>
               <a:latin typeface="Arial"/>
             </a:endParaRPr>
           </a:p>
@@ -8665,11 +11751,17 @@
             </a:pPr>
             <a:r>
               <a:rPr b="0" lang="zh-CN" sz="2400" spc="-1" strike="noStrike">
+                <a:solidFill>
+                  <a:srgbClr val="000000"/>
+                </a:solidFill>
                 <a:latin typeface="Arial"/>
               </a:rPr>
               <a:t>第三提纲级别</a:t>
             </a:r>
             <a:endParaRPr b="0" lang="en-US" sz="2400" spc="-1" strike="noStrike">
+              <a:solidFill>
+                <a:srgbClr val="000000"/>
+              </a:solidFill>
               <a:latin typeface="Arial"/>
             </a:endParaRPr>
           </a:p>
@@ -8687,11 +11779,17 @@
             </a:pPr>
             <a:r>
               <a:rPr b="0" lang="zh-CN" sz="2000" spc="-1" strike="noStrike">
+                <a:solidFill>
+                  <a:srgbClr val="000000"/>
+                </a:solidFill>
                 <a:latin typeface="Arial"/>
               </a:rPr>
               <a:t>第四提纲级别</a:t>
             </a:r>
             <a:endParaRPr b="0" lang="en-US" sz="2000" spc="-1" strike="noStrike">
+              <a:solidFill>
+                <a:srgbClr val="000000"/>
+              </a:solidFill>
               <a:latin typeface="Arial"/>
             </a:endParaRPr>
           </a:p>
@@ -8709,11 +11807,17 @@
             </a:pPr>
             <a:r>
               <a:rPr b="0" lang="zh-CN" sz="2000" spc="-1" strike="noStrike">
+                <a:solidFill>
+                  <a:srgbClr val="000000"/>
+                </a:solidFill>
                 <a:latin typeface="Arial"/>
               </a:rPr>
               <a:t>第五提纲级别</a:t>
             </a:r>
             <a:endParaRPr b="0" lang="en-US" sz="2000" spc="-1" strike="noStrike">
+              <a:solidFill>
+                <a:srgbClr val="000000"/>
+              </a:solidFill>
               <a:latin typeface="Arial"/>
             </a:endParaRPr>
           </a:p>
@@ -8731,11 +11835,17 @@
             </a:pPr>
             <a:r>
               <a:rPr b="0" lang="zh-CN" sz="2000" spc="-1" strike="noStrike">
+                <a:solidFill>
+                  <a:srgbClr val="000000"/>
+                </a:solidFill>
                 <a:latin typeface="Arial"/>
               </a:rPr>
               <a:t>第六提纲级别</a:t>
             </a:r>
             <a:endParaRPr b="0" lang="en-US" sz="2000" spc="-1" strike="noStrike">
+              <a:solidFill>
+                <a:srgbClr val="000000"/>
+              </a:solidFill>
               <a:latin typeface="Arial"/>
             </a:endParaRPr>
           </a:p>
@@ -8753,11 +11863,17 @@
             </a:pPr>
             <a:r>
               <a:rPr b="0" lang="zh-CN" sz="2000" spc="-1" strike="noStrike">
+                <a:solidFill>
+                  <a:srgbClr val="000000"/>
+                </a:solidFill>
                 <a:latin typeface="Arial"/>
               </a:rPr>
               <a:t>第七提纲级别</a:t>
             </a:r>
             <a:endParaRPr b="0" lang="en-US" sz="2000" spc="-1" strike="noStrike">
+              <a:solidFill>
+                <a:srgbClr val="000000"/>
+              </a:solidFill>
               <a:latin typeface="Arial"/>
             </a:endParaRPr>
           </a:p>
@@ -8779,6 +11895,631 @@
     <p:sldLayoutId id="2147483684" r:id="rId11"/>
     <p:sldLayoutId id="2147483685" r:id="rId12"/>
     <p:sldLayoutId id="2147483686" r:id="rId13"/>
+  </p:sldLayoutIdLst>
+</p:sldMaster>
+</file>
+
+<file path=ppt/slideMasters/slideMaster4.xml><?xml version="1.0" encoding="utf-8"?>
+<p:sldMaster xmlns:a="http://schemas.openxmlformats.org/drawingml/2006/main" xmlns:p="http://schemas.openxmlformats.org/presentationml/2006/main" xmlns:r="http://schemas.openxmlformats.org/officeDocument/2006/relationships" xmlns:p14="http://schemas.microsoft.com/office/powerpoint/2010/main" xmlns:p15="http://schemas.microsoft.com/office/powerpoint/2012/main" xmlns:mc="http://schemas.openxmlformats.org/markup-compatibility/2006">
+  <p:cSld>
+    <p:spTree>
+      <p:nvGrpSpPr>
+        <p:cNvPr id="1" name=""/>
+        <p:cNvGrpSpPr/>
+        <p:nvPr/>
+      </p:nvGrpSpPr>
+      <p:grpSpPr>
+        <a:xfrm>
+          <a:off x="0" y="0"/>
+          <a:ext cx="0" cy="0"/>
+          <a:chOff x="0" y="0"/>
+          <a:chExt cx="0" cy="0"/>
+        </a:xfrm>
+      </p:grpSpPr>
+      <p:sp>
+        <p:nvSpPr>
+          <p:cNvPr id="128" name=""/>
+          <p:cNvSpPr/>
+          <p:nvPr/>
+        </p:nvSpPr>
+        <p:spPr>
+          <a:xfrm>
+            <a:off x="0" y="0"/>
+            <a:ext cx="10074960" cy="718200"/>
+          </a:xfrm>
+          <a:prstGeom prst="rect">
+            <a:avLst/>
+          </a:prstGeom>
+          <a:gradFill rotWithShape="0">
+            <a:gsLst>
+              <a:gs pos="0">
+                <a:srgbClr val="77caee"/>
+              </a:gs>
+              <a:gs pos="100000">
+                <a:srgbClr val="009bdd"/>
+              </a:gs>
+            </a:gsLst>
+            <a:lin ang="10800000"/>
+          </a:gradFill>
+          <a:ln w="18000">
+            <a:noFill/>
+          </a:ln>
+          <a:effectLst>
+            <a:outerShdw blurRad="0" dir="5400000" dist="10800" rotWithShape="0">
+              <a:srgbClr val="009bdd"/>
+            </a:outerShdw>
+          </a:effectLst>
+        </p:spPr>
+        <p:style>
+          <a:lnRef idx="0"/>
+          <a:fillRef idx="0"/>
+          <a:effectRef idx="0"/>
+          <a:fontRef idx="minor"/>
+        </p:style>
+        <p:txBody>
+          <a:bodyPr lIns="90000" rIns="90000" tIns="45000" bIns="45000" anchor="t">
+            <a:noAutofit/>
+          </a:bodyPr>
+          <a:p>
+            <a:endParaRPr b="0" lang="en-US" sz="1800" spc="-1" strike="noStrike">
+              <a:solidFill>
+                <a:srgbClr val="000000"/>
+              </a:solidFill>
+              <a:latin typeface="Arial"/>
+              <a:ea typeface="DejaVu Sans"/>
+            </a:endParaRPr>
+          </a:p>
+        </p:txBody>
+      </p:sp>
+      <p:sp>
+        <p:nvSpPr>
+          <p:cNvPr id="129" name=""/>
+          <p:cNvSpPr/>
+          <p:nvPr/>
+        </p:nvSpPr>
+        <p:spPr>
+          <a:xfrm>
+            <a:off x="3240" y="5040000"/>
+            <a:ext cx="10074960" cy="629640"/>
+          </a:xfrm>
+          <a:prstGeom prst="rect">
+            <a:avLst/>
+          </a:prstGeom>
+          <a:gradFill rotWithShape="0">
+            <a:gsLst>
+              <a:gs pos="0">
+                <a:srgbClr val="77caee"/>
+              </a:gs>
+              <a:gs pos="100000">
+                <a:srgbClr val="009bdd"/>
+              </a:gs>
+            </a:gsLst>
+            <a:lin ang="10800000"/>
+          </a:gradFill>
+          <a:ln w="18000">
+            <a:noFill/>
+          </a:ln>
+          <a:effectLst>
+            <a:outerShdw blurRad="0" dir="5400000" dist="10800" rotWithShape="0">
+              <a:srgbClr val="009bdd"/>
+            </a:outerShdw>
+          </a:effectLst>
+        </p:spPr>
+        <p:style>
+          <a:lnRef idx="0"/>
+          <a:fillRef idx="0"/>
+          <a:effectRef idx="0"/>
+          <a:fontRef idx="minor"/>
+        </p:style>
+        <p:txBody>
+          <a:bodyPr lIns="90000" rIns="90000" tIns="45000" bIns="45000" anchor="t">
+            <a:noAutofit/>
+          </a:bodyPr>
+          <a:p>
+            <a:endParaRPr b="0" lang="en-US" sz="1800" spc="-1" strike="noStrike">
+              <a:solidFill>
+                <a:srgbClr val="000000"/>
+              </a:solidFill>
+              <a:latin typeface="Arial"/>
+              <a:ea typeface="DejaVu Sans"/>
+            </a:endParaRPr>
+          </a:p>
+        </p:txBody>
+      </p:sp>
+      <p:sp>
+        <p:nvSpPr>
+          <p:cNvPr id="130" name="PlaceHolder 1"/>
+          <p:cNvSpPr>
+            <a:spLocks noGrp="1"/>
+          </p:cNvSpPr>
+          <p:nvPr>
+            <p:ph type="ftr" idx="10"/>
+          </p:nvPr>
+        </p:nvSpPr>
+        <p:spPr>
+          <a:xfrm>
+            <a:off x="3420000" y="5220000"/>
+            <a:ext cx="3238200" cy="358200"/>
+          </a:xfrm>
+          <a:prstGeom prst="rect">
+            <a:avLst/>
+          </a:prstGeom>
+          <a:noFill/>
+          <a:ln w="0">
+            <a:noFill/>
+          </a:ln>
+        </p:spPr>
+        <p:txBody>
+          <a:bodyPr lIns="0" rIns="0" tIns="0" bIns="0" anchor="t">
+            <a:noAutofit/>
+          </a:bodyPr>
+          <a:lstStyle>
+            <a:lvl1pPr indent="0" algn="ctr">
+              <a:lnSpc>
+                <a:spcPct val="100000"/>
+              </a:lnSpc>
+              <a:buNone/>
+              <a:tabLst>
+                <a:tab algn="l" pos="0"/>
+              </a:tabLst>
+              <a:defRPr b="0" lang="en-US" sz="1400" spc="-1" strike="noStrike">
+                <a:solidFill>
+                  <a:srgbClr val="ffffff"/>
+                </a:solidFill>
+                <a:latin typeface="Arial"/>
+              </a:defRPr>
+            </a:lvl1pPr>
+          </a:lstStyle>
+          <a:p>
+            <a:pPr indent="0" algn="ctr">
+              <a:lnSpc>
+                <a:spcPct val="100000"/>
+              </a:lnSpc>
+              <a:buNone/>
+              <a:tabLst>
+                <a:tab algn="l" pos="0"/>
+              </a:tabLst>
+            </a:pPr>
+            <a:r>
+              <a:rPr b="0" lang="en-US" sz="1400" spc="-1" strike="noStrike">
+                <a:solidFill>
+                  <a:srgbClr val="ffffff"/>
+                </a:solidFill>
+                <a:latin typeface="Arial"/>
+              </a:rPr>
+              <a:t>&lt;页脚&gt;</a:t>
+            </a:r>
+            <a:endParaRPr b="0" lang="en-US" sz="1400" spc="-1" strike="noStrike">
+              <a:solidFill>
+                <a:srgbClr val="000000"/>
+              </a:solidFill>
+              <a:latin typeface="Times New Roman"/>
+            </a:endParaRPr>
+          </a:p>
+        </p:txBody>
+      </p:sp>
+      <p:sp>
+        <p:nvSpPr>
+          <p:cNvPr id="131" name="PlaceHolder 2"/>
+          <p:cNvSpPr>
+            <a:spLocks noGrp="1"/>
+          </p:cNvSpPr>
+          <p:nvPr>
+            <p:ph type="sldNum" idx="11"/>
+          </p:nvPr>
+        </p:nvSpPr>
+        <p:spPr>
+          <a:xfrm>
+            <a:off x="7380000" y="5220000"/>
+            <a:ext cx="2338200" cy="358200"/>
+          </a:xfrm>
+          <a:prstGeom prst="rect">
+            <a:avLst/>
+          </a:prstGeom>
+          <a:noFill/>
+          <a:ln w="0">
+            <a:noFill/>
+          </a:ln>
+        </p:spPr>
+        <p:txBody>
+          <a:bodyPr lIns="0" rIns="0" tIns="0" bIns="0" anchor="t">
+            <a:noAutofit/>
+          </a:bodyPr>
+          <a:lstStyle>
+            <a:lvl1pPr indent="0" algn="r">
+              <a:lnSpc>
+                <a:spcPct val="100000"/>
+              </a:lnSpc>
+              <a:buNone/>
+              <a:tabLst>
+                <a:tab algn="l" pos="0"/>
+              </a:tabLst>
+              <a:defRPr b="0" lang="en-US" sz="1400" spc="-1" strike="noStrike">
+                <a:solidFill>
+                  <a:srgbClr val="ffffff"/>
+                </a:solidFill>
+                <a:latin typeface="Arial"/>
+              </a:defRPr>
+            </a:lvl1pPr>
+          </a:lstStyle>
+          <a:p>
+            <a:pPr indent="0" algn="r">
+              <a:lnSpc>
+                <a:spcPct val="100000"/>
+              </a:lnSpc>
+              <a:buNone/>
+              <a:tabLst>
+                <a:tab algn="l" pos="0"/>
+              </a:tabLst>
+            </a:pPr>
+            <a:fld id="{0C32E38C-9571-4A8B-8D0D-233E5FD4ABF9}" type="slidenum">
+              <a:rPr b="0" lang="en-US" sz="1400" spc="-1" strike="noStrike">
+                <a:solidFill>
+                  <a:srgbClr val="ffffff"/>
+                </a:solidFill>
+                <a:latin typeface="Arial"/>
+              </a:rPr>
+              <a:t>&lt;编号&gt;</a:t>
+            </a:fld>
+            <a:endParaRPr b="0" lang="en-US" sz="1400" spc="-1" strike="noStrike">
+              <a:solidFill>
+                <a:srgbClr val="000000"/>
+              </a:solidFill>
+              <a:latin typeface="Times New Roman"/>
+            </a:endParaRPr>
+          </a:p>
+        </p:txBody>
+      </p:sp>
+      <p:sp>
+        <p:nvSpPr>
+          <p:cNvPr id="132" name="PlaceHolder 3"/>
+          <p:cNvSpPr>
+            <a:spLocks noGrp="1"/>
+          </p:cNvSpPr>
+          <p:nvPr>
+            <p:ph type="dt" idx="12"/>
+          </p:nvPr>
+        </p:nvSpPr>
+        <p:spPr>
+          <a:xfrm>
+            <a:off x="360000" y="5220000"/>
+            <a:ext cx="2338200" cy="358200"/>
+          </a:xfrm>
+          <a:prstGeom prst="rect">
+            <a:avLst/>
+          </a:prstGeom>
+          <a:noFill/>
+          <a:ln w="0">
+            <a:noFill/>
+          </a:ln>
+        </p:spPr>
+        <p:txBody>
+          <a:bodyPr lIns="0" rIns="0" tIns="0" bIns="0" anchor="t">
+            <a:noAutofit/>
+          </a:bodyPr>
+          <a:lstStyle>
+            <a:lvl1pPr indent="0">
+              <a:buNone/>
+              <a:defRPr b="0" lang="en-US" sz="1400" spc="-1" strike="noStrike">
+                <a:solidFill>
+                  <a:srgbClr val="000000"/>
+                </a:solidFill>
+                <a:latin typeface="Times New Roman"/>
+              </a:defRPr>
+            </a:lvl1pPr>
+          </a:lstStyle>
+          <a:p>
+            <a:pPr indent="0">
+              <a:buNone/>
+            </a:pPr>
+            <a:r>
+              <a:rPr b="0" lang="en-US" sz="1400" spc="-1" strike="noStrike">
+                <a:solidFill>
+                  <a:srgbClr val="000000"/>
+                </a:solidFill>
+                <a:latin typeface="Times New Roman"/>
+              </a:rPr>
+              <a:t>&lt;日期/时间&gt;</a:t>
+            </a:r>
+            <a:endParaRPr b="0" lang="en-US" sz="1400" spc="-1" strike="noStrike">
+              <a:solidFill>
+                <a:srgbClr val="000000"/>
+              </a:solidFill>
+              <a:latin typeface="Times New Roman"/>
+            </a:endParaRPr>
+          </a:p>
+        </p:txBody>
+      </p:sp>
+      <p:sp>
+        <p:nvSpPr>
+          <p:cNvPr id="133" name="PlaceHolder 4"/>
+          <p:cNvSpPr>
+            <a:spLocks noGrp="1"/>
+          </p:cNvSpPr>
+          <p:nvPr>
+            <p:ph type="title"/>
+          </p:nvPr>
+        </p:nvSpPr>
+        <p:spPr>
+          <a:xfrm>
+            <a:off x="504000" y="226080"/>
+            <a:ext cx="9072000" cy="946440"/>
+          </a:xfrm>
+          <a:prstGeom prst="rect">
+            <a:avLst/>
+          </a:prstGeom>
+          <a:noFill/>
+          <a:ln w="0">
+            <a:noFill/>
+          </a:ln>
+        </p:spPr>
+        <p:txBody>
+          <a:bodyPr lIns="0" rIns="0" tIns="0" bIns="0" anchor="ctr">
+            <a:noAutofit/>
+          </a:bodyPr>
+          <a:p>
+            <a:pPr indent="0" algn="ctr">
+              <a:buNone/>
+            </a:pPr>
+            <a:r>
+              <a:rPr b="0" lang="zh-CN" sz="4400" spc="-1" strike="noStrike">
+                <a:solidFill>
+                  <a:srgbClr val="000000"/>
+                </a:solidFill>
+                <a:latin typeface="Arial"/>
+              </a:rPr>
+              <a:t>单击以编辑标题文本格式</a:t>
+            </a:r>
+            <a:endParaRPr b="0" lang="en-US" sz="4400" spc="-1" strike="noStrike">
+              <a:solidFill>
+                <a:srgbClr val="000000"/>
+              </a:solidFill>
+              <a:latin typeface="Arial"/>
+            </a:endParaRPr>
+          </a:p>
+        </p:txBody>
+      </p:sp>
+      <p:sp>
+        <p:nvSpPr>
+          <p:cNvPr id="134" name="PlaceHolder 5"/>
+          <p:cNvSpPr>
+            <a:spLocks noGrp="1"/>
+          </p:cNvSpPr>
+          <p:nvPr>
+            <p:ph type="body"/>
+          </p:nvPr>
+        </p:nvSpPr>
+        <p:spPr>
+          <a:xfrm>
+            <a:off x="504000" y="1326600"/>
+            <a:ext cx="9072000" cy="3288600"/>
+          </a:xfrm>
+          <a:prstGeom prst="rect">
+            <a:avLst/>
+          </a:prstGeom>
+          <a:noFill/>
+          <a:ln w="0">
+            <a:noFill/>
+          </a:ln>
+        </p:spPr>
+        <p:txBody>
+          <a:bodyPr lIns="0" rIns="0" tIns="0" bIns="0" anchor="t">
+            <a:normAutofit/>
+          </a:bodyPr>
+          <a:p>
+            <a:pPr marL="432000" indent="-324000">
+              <a:spcBef>
+                <a:spcPts val="1417"/>
+              </a:spcBef>
+              <a:buClr>
+                <a:srgbClr val="000000"/>
+              </a:buClr>
+              <a:buSzPct val="45000"/>
+              <a:buFont typeface="Wingdings" charset="2"/>
+              <a:buChar char=""/>
+            </a:pPr>
+            <a:r>
+              <a:rPr b="0" lang="zh-CN" sz="3200" spc="-1" strike="noStrike">
+                <a:solidFill>
+                  <a:srgbClr val="000000"/>
+                </a:solidFill>
+                <a:latin typeface="Arial"/>
+              </a:rPr>
+              <a:t>点击以编辑提纲文本格式</a:t>
+            </a:r>
+            <a:endParaRPr b="0" lang="en-US" sz="3200" spc="-1" strike="noStrike">
+              <a:solidFill>
+                <a:srgbClr val="000000"/>
+              </a:solidFill>
+              <a:latin typeface="Arial"/>
+            </a:endParaRPr>
+          </a:p>
+          <a:p>
+            <a:pPr lvl="1" marL="864000" indent="-324000">
+              <a:spcBef>
+                <a:spcPts val="1134"/>
+              </a:spcBef>
+              <a:buClr>
+                <a:srgbClr val="000000"/>
+              </a:buClr>
+              <a:buSzPct val="75000"/>
+              <a:buFont typeface="Symbol" charset="2"/>
+              <a:buChar char=""/>
+            </a:pPr>
+            <a:r>
+              <a:rPr b="0" lang="zh-CN" sz="2800" spc="-1" strike="noStrike">
+                <a:solidFill>
+                  <a:srgbClr val="000000"/>
+                </a:solidFill>
+                <a:latin typeface="Arial"/>
+              </a:rPr>
+              <a:t>第二提纲级别</a:t>
+            </a:r>
+            <a:endParaRPr b="0" lang="en-US" sz="2800" spc="-1" strike="noStrike">
+              <a:solidFill>
+                <a:srgbClr val="000000"/>
+              </a:solidFill>
+              <a:latin typeface="Arial"/>
+            </a:endParaRPr>
+          </a:p>
+          <a:p>
+            <a:pPr lvl="2" marL="1296000" indent="-288000">
+              <a:spcBef>
+                <a:spcPts val="850"/>
+              </a:spcBef>
+              <a:buClr>
+                <a:srgbClr val="000000"/>
+              </a:buClr>
+              <a:buSzPct val="45000"/>
+              <a:buFont typeface="Wingdings" charset="2"/>
+              <a:buChar char=""/>
+            </a:pPr>
+            <a:r>
+              <a:rPr b="0" lang="zh-CN" sz="2400" spc="-1" strike="noStrike">
+                <a:solidFill>
+                  <a:srgbClr val="000000"/>
+                </a:solidFill>
+                <a:latin typeface="Arial"/>
+              </a:rPr>
+              <a:t>第三提纲级别</a:t>
+            </a:r>
+            <a:endParaRPr b="0" lang="en-US" sz="2400" spc="-1" strike="noStrike">
+              <a:solidFill>
+                <a:srgbClr val="000000"/>
+              </a:solidFill>
+              <a:latin typeface="Arial"/>
+            </a:endParaRPr>
+          </a:p>
+          <a:p>
+            <a:pPr lvl="3" marL="1728000" indent="-216000">
+              <a:spcBef>
+                <a:spcPts val="567"/>
+              </a:spcBef>
+              <a:buClr>
+                <a:srgbClr val="000000"/>
+              </a:buClr>
+              <a:buSzPct val="75000"/>
+              <a:buFont typeface="Symbol" charset="2"/>
+              <a:buChar char=""/>
+            </a:pPr>
+            <a:r>
+              <a:rPr b="0" lang="zh-CN" sz="2000" spc="-1" strike="noStrike">
+                <a:solidFill>
+                  <a:srgbClr val="000000"/>
+                </a:solidFill>
+                <a:latin typeface="Arial"/>
+              </a:rPr>
+              <a:t>第四提纲级别</a:t>
+            </a:r>
+            <a:endParaRPr b="0" lang="en-US" sz="2000" spc="-1" strike="noStrike">
+              <a:solidFill>
+                <a:srgbClr val="000000"/>
+              </a:solidFill>
+              <a:latin typeface="Arial"/>
+            </a:endParaRPr>
+          </a:p>
+          <a:p>
+            <a:pPr lvl="4" marL="2160000" indent="-216000">
+              <a:spcBef>
+                <a:spcPts val="283"/>
+              </a:spcBef>
+              <a:buClr>
+                <a:srgbClr val="000000"/>
+              </a:buClr>
+              <a:buSzPct val="45000"/>
+              <a:buFont typeface="Wingdings" charset="2"/>
+              <a:buChar char=""/>
+            </a:pPr>
+            <a:r>
+              <a:rPr b="0" lang="zh-CN" sz="2000" spc="-1" strike="noStrike">
+                <a:solidFill>
+                  <a:srgbClr val="000000"/>
+                </a:solidFill>
+                <a:latin typeface="Arial"/>
+              </a:rPr>
+              <a:t>第五提纲级别</a:t>
+            </a:r>
+            <a:endParaRPr b="0" lang="en-US" sz="2000" spc="-1" strike="noStrike">
+              <a:solidFill>
+                <a:srgbClr val="000000"/>
+              </a:solidFill>
+              <a:latin typeface="Arial"/>
+            </a:endParaRPr>
+          </a:p>
+          <a:p>
+            <a:pPr lvl="5" marL="2592000" indent="-216000">
+              <a:spcBef>
+                <a:spcPts val="283"/>
+              </a:spcBef>
+              <a:buClr>
+                <a:srgbClr val="000000"/>
+              </a:buClr>
+              <a:buSzPct val="45000"/>
+              <a:buFont typeface="Wingdings" charset="2"/>
+              <a:buChar char=""/>
+            </a:pPr>
+            <a:r>
+              <a:rPr b="0" lang="zh-CN" sz="2000" spc="-1" strike="noStrike">
+                <a:solidFill>
+                  <a:srgbClr val="000000"/>
+                </a:solidFill>
+                <a:latin typeface="Arial"/>
+              </a:rPr>
+              <a:t>第六提纲级别</a:t>
+            </a:r>
+            <a:endParaRPr b="0" lang="en-US" sz="2000" spc="-1" strike="noStrike">
+              <a:solidFill>
+                <a:srgbClr val="000000"/>
+              </a:solidFill>
+              <a:latin typeface="Arial"/>
+            </a:endParaRPr>
+          </a:p>
+          <a:p>
+            <a:pPr lvl="6" marL="3024000" indent="-216000">
+              <a:spcBef>
+                <a:spcPts val="283"/>
+              </a:spcBef>
+              <a:buClr>
+                <a:srgbClr val="000000"/>
+              </a:buClr>
+              <a:buSzPct val="45000"/>
+              <a:buFont typeface="Wingdings" charset="2"/>
+              <a:buChar char=""/>
+            </a:pPr>
+            <a:r>
+              <a:rPr b="0" lang="zh-CN" sz="2000" spc="-1" strike="noStrike">
+                <a:solidFill>
+                  <a:srgbClr val="000000"/>
+                </a:solidFill>
+                <a:latin typeface="Arial"/>
+              </a:rPr>
+              <a:t>第七提纲级别</a:t>
+            </a:r>
+            <a:endParaRPr b="0" lang="en-US" sz="2000" spc="-1" strike="noStrike">
+              <a:solidFill>
+                <a:srgbClr val="000000"/>
+              </a:solidFill>
+              <a:latin typeface="Arial"/>
+            </a:endParaRPr>
+          </a:p>
+        </p:txBody>
+      </p:sp>
+    </p:spTree>
+  </p:cSld>
+  <p:clrMap bg1="lt1" bg2="lt2" tx1="dk1" tx2="dk2" accent1="accent1" accent2="accent2" accent3="accent3" accent4="accent4" accent5="accent5" accent6="accent6" hlink="hlink" folHlink="folHlink"/>
+  <p:sldLayoutIdLst>
+    <p:sldLayoutId id="2147483688" r:id="rId2"/>
+    <p:sldLayoutId id="2147483689" r:id="rId3"/>
+    <p:sldLayoutId id="2147483690" r:id="rId4"/>
+    <p:sldLayoutId id="2147483691" r:id="rId5"/>
+    <p:sldLayoutId id="2147483692" r:id="rId6"/>
+    <p:sldLayoutId id="2147483693" r:id="rId7"/>
+    <p:sldLayoutId id="2147483694" r:id="rId8"/>
+    <p:sldLayoutId id="2147483695" r:id="rId9"/>
+    <p:sldLayoutId id="2147483696" r:id="rId10"/>
+    <p:sldLayoutId id="2147483697" r:id="rId11"/>
+    <p:sldLayoutId id="2147483698" r:id="rId12"/>
+    <p:sldLayoutId id="2147483699" r:id="rId13"/>
   </p:sldLayoutIdLst>
 </p:sldMaster>
 </file>
@@ -8802,7 +12543,7 @@
       </p:grpSpPr>
       <p:sp>
         <p:nvSpPr>
-          <p:cNvPr id="128" name="PlaceHolder 1"/>
+          <p:cNvPr id="171" name="PlaceHolder 1"/>
           <p:cNvSpPr>
             <a:spLocks noGrp="1"/>
           </p:cNvSpPr>
@@ -8813,7 +12554,7 @@
         <p:spPr>
           <a:xfrm>
             <a:off x="0" y="1620000"/>
-            <a:ext cx="8998920" cy="1078920"/>
+            <a:ext cx="8998200" cy="1078200"/>
           </a:xfrm>
           <a:prstGeom prst="rect">
             <a:avLst/>
@@ -8846,7 +12587,61 @@
               </a:rPr>
               <a:t>从零实现数据库源码分析</a:t>
             </a:r>
-            <a:endParaRPr b="0" lang="en-US" sz="3300" spc="-1" strike="noStrike">
+            <a:br>
+              <a:rPr sz="3300"/>
+            </a:br>
+            <a:br>
+              <a:rPr sz="3300"/>
+            </a:br>
+            <a:r>
+              <a:rPr b="0" lang="zh-CN" sz="2200" spc="-1" strike="noStrike">
+                <a:solidFill>
+                  <a:srgbClr val="000000"/>
+                </a:solidFill>
+                <a:latin typeface="Arial"/>
+              </a:rPr>
+              <a:t>研发中心</a:t>
+            </a:r>
+            <a:r>
+              <a:rPr b="0" lang="en-US" sz="2200" spc="-1" strike="noStrike">
+                <a:solidFill>
+                  <a:srgbClr val="000000"/>
+                </a:solidFill>
+                <a:latin typeface="Arial"/>
+              </a:rPr>
+              <a:t>-</a:t>
+            </a:r>
+            <a:r>
+              <a:rPr b="0" lang="zh-CN" sz="2200" spc="-1" strike="noStrike">
+                <a:solidFill>
+                  <a:srgbClr val="000000"/>
+                </a:solidFill>
+                <a:latin typeface="Arial"/>
+              </a:rPr>
+              <a:t>数据分析部</a:t>
+            </a:r>
+            <a:r>
+              <a:rPr b="0" lang="en-US" sz="2200" spc="-1" strike="noStrike">
+                <a:solidFill>
+                  <a:srgbClr val="000000"/>
+                </a:solidFill>
+                <a:latin typeface="Arial"/>
+              </a:rPr>
+              <a:t>-</a:t>
+            </a:r>
+            <a:r>
+              <a:rPr b="0" lang="zh-CN" sz="2200" spc="-1" strike="noStrike">
+                <a:solidFill>
+                  <a:srgbClr val="000000"/>
+                </a:solidFill>
+                <a:latin typeface="Arial"/>
+              </a:rPr>
+              <a:t>刘天元</a:t>
+            </a:r>
+            <a:endParaRPr b="0" lang="en-US" sz="2200" spc="-1" strike="noStrike">
+              <a:solidFill>
+                <a:srgbClr val="000000"/>
+              </a:solidFill>
               <a:latin typeface="Arial"/>
             </a:endParaRPr>
           </a:p>
@@ -8884,7 +12679,7 @@
       </p:grpSpPr>
       <p:sp>
         <p:nvSpPr>
-          <p:cNvPr id="144" name="PlaceHolder 1"/>
+          <p:cNvPr id="187" name="PlaceHolder 1"/>
           <p:cNvSpPr>
             <a:spLocks noGrp="1"/>
           </p:cNvSpPr>
@@ -8895,7 +12690,7 @@
         <p:spPr>
           <a:xfrm>
             <a:off x="360000" y="180000"/>
-            <a:ext cx="9358920" cy="477000"/>
+            <a:ext cx="9358200" cy="476280"/>
           </a:xfrm>
           <a:prstGeom prst="rect">
             <a:avLst/>
@@ -8929,6 +12724,9 @@
               <a:t>抽象语法树</a:t>
             </a:r>
             <a:endParaRPr b="0" lang="en-US" sz="3300" spc="-1" strike="noStrike">
+              <a:solidFill>
+                <a:srgbClr val="000000"/>
+              </a:solidFill>
               <a:latin typeface="Arial"/>
             </a:endParaRPr>
           </a:p>
@@ -8936,7 +12734,7 @@
       </p:sp>
       <p:pic>
         <p:nvPicPr>
-          <p:cNvPr id="145" name="" descr=""/>
+          <p:cNvPr id="188" name="" descr=""/>
           <p:cNvPicPr/>
           <p:nvPr/>
         </p:nvPicPr>
@@ -8947,7 +12745,7 @@
         <p:spPr>
           <a:xfrm>
             <a:off x="360000" y="875880"/>
-            <a:ext cx="9539280" cy="3803400"/>
+            <a:ext cx="9538560" cy="3802680"/>
           </a:xfrm>
           <a:prstGeom prst="rect">
             <a:avLst/>
@@ -8971,7 +12769,7 @@
         <p:txBody>
           <a:bodyPr/>
           <a:p>
-            <a:fld id="{196A3E63-2A31-445E-A9D7-7DC7BF40198C}" type="slidenum">
+            <a:fld id="{04F51D35-67AE-4291-9728-DF62CE521D61}" type="slidenum">
               <a:t>10</a:t>
             </a:fld>
           </a:p>
@@ -8991,9 +12789,9 @@
         <p:txBody>
           <a:bodyPr/>
           <a:p>
-            <a:fld id="{3B416DE1-6B8C-4F36-8EA3-34CB7F436532}" type="datetime1">
+            <a:fld id="{593069ED-DC1A-4F87-8FFD-3A1605B6BECF}" type="datetime1">
               <a:rPr lang="zh-CN"/>
-              <a:t>2022/10/19</a:t>
+              <a:t>2022/11/2</a:t>
             </a:fld>
           </a:p>
         </p:txBody>
@@ -9030,7 +12828,7 @@
       </p:grpSpPr>
       <p:sp>
         <p:nvSpPr>
-          <p:cNvPr id="146" name="PlaceHolder 1"/>
+          <p:cNvPr id="189" name="PlaceHolder 1"/>
           <p:cNvSpPr>
             <a:spLocks noGrp="1"/>
           </p:cNvSpPr>
@@ -9041,7 +12839,7 @@
         <p:spPr>
           <a:xfrm>
             <a:off x="360000" y="180000"/>
-            <a:ext cx="9358920" cy="477000"/>
+            <a:ext cx="9358200" cy="476280"/>
           </a:xfrm>
           <a:prstGeom prst="rect">
             <a:avLst/>
@@ -9084,14 +12882,17 @@
               <a:t>（基于成本的优化器）</a:t>
             </a:r>
             <a:endParaRPr b="0" lang="en-US" sz="3300" spc="-1" strike="noStrike">
-              <a:latin typeface="Arial"/>
-            </a:endParaRPr>
-          </a:p>
-        </p:txBody>
-      </p:sp>
-      <p:sp>
-        <p:nvSpPr>
-          <p:cNvPr id="147" name="PlaceHolder 2"/>
+              <a:solidFill>
+                <a:srgbClr val="000000"/>
+              </a:solidFill>
+              <a:latin typeface="Arial"/>
+            </a:endParaRPr>
+          </a:p>
+        </p:txBody>
+      </p:sp>
+      <p:sp>
+        <p:nvSpPr>
+          <p:cNvPr id="190" name="PlaceHolder 2"/>
           <p:cNvSpPr>
             <a:spLocks noGrp="1"/>
           </p:cNvSpPr>
@@ -9102,7 +12903,7 @@
         <p:spPr>
           <a:xfrm>
             <a:off x="360000" y="1080000"/>
-            <a:ext cx="9358920" cy="3598920"/>
+            <a:ext cx="9358200" cy="3598200"/>
           </a:xfrm>
           <a:prstGeom prst="rect">
             <a:avLst/>
@@ -9141,6 +12942,9 @@
               <a:t>Predicate</a:t>
             </a:r>
             <a:endParaRPr b="0" lang="en-US" sz="1800" spc="-1" strike="noStrike">
+              <a:solidFill>
+                <a:srgbClr val="000000"/>
+              </a:solidFill>
               <a:latin typeface="Arial"/>
             </a:endParaRPr>
           </a:p>
@@ -9169,6 +12973,9 @@
               <a:t>谓词，查询条件。</a:t>
             </a:r>
             <a:endParaRPr b="0" lang="en-US" sz="1800" spc="-1" strike="noStrike">
+              <a:solidFill>
+                <a:srgbClr val="000000"/>
+              </a:solidFill>
               <a:latin typeface="Arial"/>
             </a:endParaRPr>
           </a:p>
@@ -9197,6 +13004,9 @@
               <a:t>Cardinality</a:t>
             </a:r>
             <a:endParaRPr b="0" lang="en-US" sz="1800" spc="-1" strike="noStrike">
+              <a:solidFill>
+                <a:srgbClr val="000000"/>
+              </a:solidFill>
               <a:latin typeface="Arial"/>
             </a:endParaRPr>
           </a:p>
@@ -9315,6 +13125,9 @@
               <a:t>输出。</a:t>
             </a:r>
             <a:endParaRPr b="0" lang="en-US" sz="1800" spc="-1" strike="noStrike">
+              <a:solidFill>
+                <a:srgbClr val="000000"/>
+              </a:solidFill>
               <a:latin typeface="Arial"/>
             </a:endParaRPr>
           </a:p>
@@ -9343,6 +13156,9 @@
               <a:t>Selectivity</a:t>
             </a:r>
             <a:endParaRPr b="0" lang="en-US" sz="1800" spc="-1" strike="noStrike">
+              <a:solidFill>
+                <a:srgbClr val="000000"/>
+              </a:solidFill>
               <a:latin typeface="Arial"/>
             </a:endParaRPr>
           </a:p>
@@ -9398,6 +13214,9 @@
               <a:t>cardinality=NUM_ROWS*selectivity</a:t>
             </a:r>
             <a:endParaRPr b="0" lang="en-US" sz="1800" spc="-1" strike="noStrike">
+              <a:solidFill>
+                <a:srgbClr val="000000"/>
+              </a:solidFill>
               <a:latin typeface="Arial"/>
             </a:endParaRPr>
           </a:p>
@@ -9435,6 +13254,9 @@
               <a:t>成本</a:t>
             </a:r>
             <a:endParaRPr b="0" lang="en-US" sz="1800" spc="-1" strike="noStrike">
+              <a:solidFill>
+                <a:srgbClr val="000000"/>
+              </a:solidFill>
               <a:latin typeface="Arial"/>
             </a:endParaRPr>
           </a:p>
@@ -9463,6 +13285,9 @@
               <a:t>joincost(t1 join t2) = scancost(t1) + ntups(t1) x scancost(t2) //IO cost + ntups(t1) x ntups(t2)  //CPU cost</a:t>
             </a:r>
             <a:endParaRPr b="0" lang="en-US" sz="1800" spc="-1" strike="noStrike">
+              <a:solidFill>
+                <a:srgbClr val="000000"/>
+              </a:solidFill>
               <a:latin typeface="Arial"/>
             </a:endParaRPr>
           </a:p>
@@ -9482,7 +13307,7 @@
         <p:txBody>
           <a:bodyPr/>
           <a:p>
-            <a:fld id="{5A3CAF29-D129-4778-BD83-D2AD5E8C44AB}" type="slidenum">
+            <a:fld id="{67F3C8B7-C3C9-4688-9848-89F3E59580A0}" type="slidenum">
               <a:t>11</a:t>
             </a:fld>
           </a:p>
@@ -9502,9 +13327,9 @@
         <p:txBody>
           <a:bodyPr/>
           <a:p>
-            <a:fld id="{AFF80187-14A7-4726-8081-52C34B5732FE}" type="datetime1">
+            <a:fld id="{5CAF1F5C-7732-496D-8B1A-2A0667747FAD}" type="datetime1">
               <a:rPr lang="zh-CN"/>
-              <a:t>2022/10/19</a:t>
+              <a:t>2022/11/2</a:t>
             </a:fld>
           </a:p>
         </p:txBody>
@@ -9541,7 +13366,7 @@
       </p:grpSpPr>
       <p:sp>
         <p:nvSpPr>
-          <p:cNvPr id="148" name="PlaceHolder 1"/>
+          <p:cNvPr id="191" name="PlaceHolder 1"/>
           <p:cNvSpPr>
             <a:spLocks noGrp="1"/>
           </p:cNvSpPr>
@@ -9552,7 +13377,7 @@
         <p:spPr>
           <a:xfrm>
             <a:off x="360000" y="180000"/>
-            <a:ext cx="9358920" cy="477000"/>
+            <a:ext cx="9358200" cy="476280"/>
           </a:xfrm>
           <a:prstGeom prst="rect">
             <a:avLst/>
@@ -9577,133 +13402,18 @@
               </a:tabLst>
             </a:pPr>
             <a:r>
-              <a:rPr b="0" lang="en-US" sz="3300" spc="-1" strike="noStrike">
+              <a:rPr b="0" lang="zh-CN" sz="3300" spc="-1" strike="noStrike">
                 <a:solidFill>
                   <a:srgbClr val="ffffff"/>
                 </a:solidFill>
                 <a:latin typeface="Arial"/>
               </a:rPr>
-              <a:t>join order</a:t>
+              <a:t>统计信息之直方图</a:t>
             </a:r>
             <a:endParaRPr b="0" lang="en-US" sz="3300" spc="-1" strike="noStrike">
-              <a:latin typeface="Arial"/>
-            </a:endParaRPr>
-          </a:p>
-        </p:txBody>
-      </p:sp>
-      <p:sp>
-        <p:nvSpPr>
-          <p:cNvPr id="149" name="PlaceHolder 2"/>
-          <p:cNvSpPr>
-            <a:spLocks noGrp="1"/>
-          </p:cNvSpPr>
-          <p:nvPr>
-            <p:ph/>
-          </p:nvPr>
-        </p:nvSpPr>
-        <p:spPr>
-          <a:xfrm>
-            <a:off x="360000" y="1080000"/>
-            <a:ext cx="9358920" cy="3598920"/>
-          </a:xfrm>
-          <a:prstGeom prst="rect">
-            <a:avLst/>
-          </a:prstGeom>
-          <a:noFill/>
-          <a:ln w="0">
-            <a:noFill/>
-          </a:ln>
-        </p:spPr>
-        <p:txBody>
-          <a:bodyPr lIns="0" rIns="0" tIns="0" bIns="0" anchor="t">
-            <a:noAutofit/>
-          </a:bodyPr>
-          <a:p>
-            <a:pPr marL="432000" indent="0">
-              <a:lnSpc>
-                <a:spcPct val="100000"/>
-              </a:lnSpc>
-              <a:spcBef>
-                <a:spcPts val="1060"/>
-              </a:spcBef>
-              <a:buNone/>
-              <a:tabLst>
-                <a:tab algn="l" pos="0"/>
-              </a:tabLst>
-            </a:pPr>
-            <a:r>
-              <a:rPr b="0" lang="en-US" sz="2400" spc="-1" strike="noStrike">
-                <a:solidFill>
-                  <a:srgbClr val="009bdd"/>
-                </a:solidFill>
-                <a:latin typeface="Arial"/>
-              </a:rPr>
-              <a:t>join order</a:t>
-            </a:r>
-            <a:r>
-              <a:rPr b="0" lang="zh-CN" sz="2400" spc="-1" strike="noStrike">
-                <a:solidFill>
-                  <a:srgbClr val="009bdd"/>
-                </a:solidFill>
-                <a:latin typeface="Arial"/>
-              </a:rPr>
-              <a:t>分为</a:t>
-            </a:r>
-            <a:r>
-              <a:rPr b="0" lang="en-US" sz="2400" spc="-1" strike="noStrike">
-                <a:solidFill>
-                  <a:srgbClr val="009bdd"/>
-                </a:solidFill>
-                <a:latin typeface="Arial"/>
-              </a:rPr>
-              <a:t>left deep tree</a:t>
-            </a:r>
-            <a:r>
-              <a:rPr b="0" lang="zh-CN" sz="2400" spc="-1" strike="noStrike">
-                <a:solidFill>
-                  <a:srgbClr val="009bdd"/>
-                </a:solidFill>
-                <a:latin typeface="Arial"/>
-              </a:rPr>
-              <a:t>和</a:t>
-            </a:r>
-            <a:r>
-              <a:rPr b="0" lang="en-US" sz="2400" spc="-1" strike="noStrike">
-                <a:solidFill>
-                  <a:srgbClr val="009bdd"/>
-                </a:solidFill>
-                <a:latin typeface="Arial"/>
-              </a:rPr>
-              <a:t>bushy tree</a:t>
-            </a:r>
-            <a:r>
-              <a:rPr b="0" lang="zh-CN" sz="2400" spc="-1" strike="noStrike">
-                <a:solidFill>
-                  <a:srgbClr val="009bdd"/>
-                </a:solidFill>
-                <a:latin typeface="Arial"/>
-              </a:rPr>
-              <a:t>。</a:t>
-            </a:r>
-            <a:r>
-              <a:rPr b="0" lang="en-US" sz="2400" spc="-1" strike="noStrike">
-                <a:solidFill>
-                  <a:srgbClr val="009bdd"/>
-                </a:solidFill>
-                <a:latin typeface="Arial"/>
-              </a:rPr>
-              <a:t>left deep tree</a:t>
-            </a:r>
-            <a:r>
-              <a:rPr b="0" lang="zh-CN" sz="2400" spc="-1" strike="noStrike">
-                <a:solidFill>
-                  <a:srgbClr val="009bdd"/>
-                </a:solidFill>
-                <a:latin typeface="Arial"/>
-              </a:rPr>
-              <a:t>处理起来更简单。</a:t>
-            </a:r>
-            <a:endParaRPr b="0" lang="en-US" sz="2400" spc="-1" strike="noStrike">
+              <a:solidFill>
+                <a:srgbClr val="000000"/>
+              </a:solidFill>
               <a:latin typeface="Arial"/>
             </a:endParaRPr>
           </a:p>
@@ -9711,7 +13421,7 @@
       </p:sp>
       <p:pic>
         <p:nvPicPr>
-          <p:cNvPr id="150" name="" descr=""/>
+          <p:cNvPr id="192" name="" descr=""/>
           <p:cNvPicPr/>
           <p:nvPr/>
         </p:nvPicPr>
@@ -9721,20 +13431,20 @@
         </p:blipFill>
         <p:spPr>
           <a:xfrm>
-            <a:off x="2982600" y="2337120"/>
-            <a:ext cx="3856320" cy="2341800"/>
-          </a:xfrm>
-          <a:prstGeom prst="rect">
-            <a:avLst/>
-          </a:prstGeom>
-          <a:ln w="18000">
+            <a:off x="2358360" y="1440000"/>
+            <a:ext cx="5561640" cy="3598200"/>
+          </a:xfrm>
+          <a:prstGeom prst="rect">
+            <a:avLst/>
+          </a:prstGeom>
+          <a:ln w="0">
             <a:noFill/>
           </a:ln>
         </p:spPr>
       </p:pic>
       <p:sp>
         <p:nvSpPr>
-          <p:cNvPr id="4" name="PlaceHolder 3"/>
+          <p:cNvPr id="3" name="PlaceHolder 2"/>
           <p:cNvSpPr>
             <a:spLocks noGrp="1"/>
           </p:cNvSpPr>
@@ -9746,7 +13456,7 @@
         <p:txBody>
           <a:bodyPr/>
           <a:p>
-            <a:fld id="{31947179-0C51-4368-9309-9DB965ED8B0D}" type="slidenum">
+            <a:fld id="{39E89112-9C21-4477-ACEF-A4F22795A9C5}" type="slidenum">
               <a:t>12</a:t>
             </a:fld>
           </a:p>
@@ -9754,7 +13464,7 @@
       </p:sp>
       <p:sp>
         <p:nvSpPr>
-          <p:cNvPr id="5" name="PlaceHolder 4"/>
+          <p:cNvPr id="4" name="PlaceHolder 3"/>
           <p:cNvSpPr>
             <a:spLocks noGrp="1"/>
           </p:cNvSpPr>
@@ -9766,9 +13476,9 @@
         <p:txBody>
           <a:bodyPr/>
           <a:p>
-            <a:fld id="{5D8A629E-290C-4780-8EC3-5B6D78D2F78A}" type="datetime1">
+            <a:fld id="{243DBEF2-F2EE-4C73-85EF-ECF4C84B5734}" type="datetime1">
               <a:rPr lang="zh-CN"/>
-              <a:t>2022/10/19</a:t>
+              <a:t>2022/11/2</a:t>
             </a:fld>
           </a:p>
         </p:txBody>
@@ -9805,7 +13515,7 @@
       </p:grpSpPr>
       <p:sp>
         <p:nvSpPr>
-          <p:cNvPr id="151" name="PlaceHolder 1"/>
+          <p:cNvPr id="193" name="PlaceHolder 1"/>
           <p:cNvSpPr>
             <a:spLocks noGrp="1"/>
           </p:cNvSpPr>
@@ -9816,7 +13526,7 @@
         <p:spPr>
           <a:xfrm>
             <a:off x="360000" y="180000"/>
-            <a:ext cx="9358920" cy="477000"/>
+            <a:ext cx="9358200" cy="476280"/>
           </a:xfrm>
           <a:prstGeom prst="rect">
             <a:avLst/>
@@ -9841,23 +13551,26 @@
               </a:tabLst>
             </a:pPr>
             <a:r>
-              <a:rPr b="0" lang="zh-CN" sz="3300" spc="-1" strike="noStrike">
+              <a:rPr b="0" lang="en-US" sz="3300" spc="-1" strike="noStrike">
                 <a:solidFill>
                   <a:srgbClr val="ffffff"/>
                 </a:solidFill>
                 <a:latin typeface="Arial"/>
               </a:rPr>
-              <a:t>动态规划</a:t>
+              <a:t>join order</a:t>
             </a:r>
             <a:endParaRPr b="0" lang="en-US" sz="3300" spc="-1" strike="noStrike">
-              <a:latin typeface="Arial"/>
-            </a:endParaRPr>
-          </a:p>
-        </p:txBody>
-      </p:sp>
-      <p:sp>
-        <p:nvSpPr>
-          <p:cNvPr id="152" name="PlaceHolder 2"/>
+              <a:solidFill>
+                <a:srgbClr val="000000"/>
+              </a:solidFill>
+              <a:latin typeface="Arial"/>
+            </a:endParaRPr>
+          </a:p>
+        </p:txBody>
+      </p:sp>
+      <p:sp>
+        <p:nvSpPr>
+          <p:cNvPr id="194" name="PlaceHolder 2"/>
           <p:cNvSpPr>
             <a:spLocks noGrp="1"/>
           </p:cNvSpPr>
@@ -9868,7 +13581,7 @@
         <p:spPr>
           <a:xfrm>
             <a:off x="360000" y="1080000"/>
-            <a:ext cx="9358920" cy="3598920"/>
+            <a:ext cx="9358200" cy="3598200"/>
           </a:xfrm>
           <a:prstGeom prst="rect">
             <a:avLst/>
@@ -9882,118 +13595,6 @@
           <a:bodyPr lIns="0" rIns="0" tIns="0" bIns="0" anchor="t">
             <a:noAutofit/>
           </a:bodyPr>
-          <a:p>
-            <a:pPr marL="432000" indent="-324000">
-              <a:lnSpc>
-                <a:spcPct val="100000"/>
-              </a:lnSpc>
-              <a:spcBef>
-                <a:spcPts val="1060"/>
-              </a:spcBef>
-              <a:buClr>
-                <a:srgbClr val="77caee"/>
-              </a:buClr>
-              <a:buSzPct val="45000"/>
-              <a:buFont typeface="Wingdings" charset="2"/>
-              <a:buChar char=""/>
-            </a:pPr>
-            <a:r>
-              <a:rPr b="0" lang="en-US" sz="2400" spc="-1" strike="noStrike">
-                <a:solidFill>
-                  <a:srgbClr val="009bdd"/>
-                </a:solidFill>
-                <a:latin typeface="Arial"/>
-              </a:rPr>
-              <a:t>(a:b:c:d)</a:t>
-            </a:r>
-            <a:endParaRPr b="0" lang="en-US" sz="2400" spc="-1" strike="noStrike">
-              <a:latin typeface="Arial"/>
-            </a:endParaRPr>
-          </a:p>
-          <a:p>
-            <a:pPr marL="432000" indent="-324000">
-              <a:lnSpc>
-                <a:spcPct val="100000"/>
-              </a:lnSpc>
-              <a:spcBef>
-                <a:spcPts val="1060"/>
-              </a:spcBef>
-              <a:buClr>
-                <a:srgbClr val="77caee"/>
-              </a:buClr>
-              <a:buSzPct val="45000"/>
-              <a:buFont typeface="Wingdings" charset="2"/>
-              <a:buChar char=""/>
-            </a:pPr>
-            <a:r>
-              <a:rPr b="0" lang="en-US" sz="2400" spc="-1" strike="noStrike">
-                <a:solidFill>
-                  <a:srgbClr val="009bdd"/>
-                </a:solidFill>
-                <a:latin typeface="Arial"/>
-              </a:rPr>
-              <a:t>(b:c:d):a (a:c:d):b (a:b:d):c (a:b:c):d</a:t>
-            </a:r>
-            <a:endParaRPr b="0" lang="en-US" sz="2400" spc="-1" strike="noStrike">
-              <a:latin typeface="Arial"/>
-            </a:endParaRPr>
-          </a:p>
-          <a:p>
-            <a:pPr marL="432000" indent="-324000">
-              <a:lnSpc>
-                <a:spcPct val="100000"/>
-              </a:lnSpc>
-              <a:spcBef>
-                <a:spcPts val="1060"/>
-              </a:spcBef>
-              <a:buClr>
-                <a:srgbClr val="77caee"/>
-              </a:buClr>
-              <a:buSzPct val="45000"/>
-              <a:buFont typeface="Wingdings" charset="2"/>
-              <a:buChar char=""/>
-            </a:pPr>
-            <a:r>
-              <a:rPr b="0" lang="en-US" sz="2400" spc="-1" strike="noStrike">
-                <a:solidFill>
-                  <a:srgbClr val="009bdd"/>
-                </a:solidFill>
-                <a:latin typeface="Arial"/>
-              </a:rPr>
-              <a:t>(c:d):b (b:d):c (b:c):d</a:t>
-            </a:r>
-            <a:endParaRPr b="0" lang="en-US" sz="2400" spc="-1" strike="noStrike">
-              <a:latin typeface="Arial"/>
-            </a:endParaRPr>
-          </a:p>
-          <a:p>
-            <a:pPr marL="432000" indent="-324000">
-              <a:lnSpc>
-                <a:spcPct val="100000"/>
-              </a:lnSpc>
-              <a:spcBef>
-                <a:spcPts val="1060"/>
-              </a:spcBef>
-              <a:buClr>
-                <a:srgbClr val="77caee"/>
-              </a:buClr>
-              <a:buSzPct val="45000"/>
-              <a:buFont typeface="Wingdings" charset="2"/>
-              <a:buChar char=""/>
-            </a:pPr>
-            <a:r>
-              <a:rPr b="0" lang="en-US" sz="2400" spc="-1" strike="noStrike">
-                <a:solidFill>
-                  <a:srgbClr val="009bdd"/>
-                </a:solidFill>
-                <a:latin typeface="Arial"/>
-              </a:rPr>
-              <a:t>c:d d:c</a:t>
-            </a:r>
-            <a:endParaRPr b="0" lang="en-US" sz="2400" spc="-1" strike="noStrike">
-              <a:latin typeface="Arial"/>
-            </a:endParaRPr>
-          </a:p>
           <a:p>
             <a:pPr marL="432000" indent="0">
               <a:lnSpc>
@@ -10007,38 +13608,110 @@
                 <a:tab algn="l" pos="0"/>
               </a:tabLst>
             </a:pPr>
+            <a:r>
+              <a:rPr b="0" lang="en-US" sz="2400" spc="-1" strike="noStrike">
+                <a:solidFill>
+                  <a:srgbClr val="009bdd"/>
+                </a:solidFill>
+                <a:latin typeface="Arial"/>
+              </a:rPr>
+              <a:t>join order</a:t>
+            </a:r>
+            <a:r>
+              <a:rPr b="0" lang="zh-CN" sz="2400" spc="-1" strike="noStrike">
+                <a:solidFill>
+                  <a:srgbClr val="009bdd"/>
+                </a:solidFill>
+                <a:latin typeface="Arial"/>
+              </a:rPr>
+              <a:t>分为</a:t>
+            </a:r>
+            <a:r>
+              <a:rPr b="0" lang="en-US" sz="2400" spc="-1" strike="noStrike">
+                <a:solidFill>
+                  <a:srgbClr val="009bdd"/>
+                </a:solidFill>
+                <a:latin typeface="Arial"/>
+              </a:rPr>
+              <a:t>left deep tree</a:t>
+            </a:r>
+            <a:r>
+              <a:rPr b="0" lang="zh-CN" sz="2400" spc="-1" strike="noStrike">
+                <a:solidFill>
+                  <a:srgbClr val="009bdd"/>
+                </a:solidFill>
+                <a:latin typeface="Arial"/>
+              </a:rPr>
+              <a:t>和</a:t>
+            </a:r>
+            <a:r>
+              <a:rPr b="0" lang="en-US" sz="2400" spc="-1" strike="noStrike">
+                <a:solidFill>
+                  <a:srgbClr val="009bdd"/>
+                </a:solidFill>
+                <a:latin typeface="Arial"/>
+              </a:rPr>
+              <a:t>bushy tree</a:t>
+            </a:r>
+            <a:r>
+              <a:rPr b="0" lang="zh-CN" sz="2400" spc="-1" strike="noStrike">
+                <a:solidFill>
+                  <a:srgbClr val="009bdd"/>
+                </a:solidFill>
+                <a:latin typeface="Arial"/>
+              </a:rPr>
+              <a:t>。</a:t>
+            </a:r>
+            <a:r>
+              <a:rPr b="0" lang="en-US" sz="2400" spc="-1" strike="noStrike">
+                <a:solidFill>
+                  <a:srgbClr val="009bdd"/>
+                </a:solidFill>
+                <a:latin typeface="Arial"/>
+              </a:rPr>
+              <a:t>left deep tree</a:t>
+            </a:r>
+            <a:r>
+              <a:rPr b="0" lang="zh-CN" sz="2400" spc="-1" strike="noStrike">
+                <a:solidFill>
+                  <a:srgbClr val="009bdd"/>
+                </a:solidFill>
+                <a:latin typeface="Arial"/>
+              </a:rPr>
+              <a:t>处理起来更简单。</a:t>
+            </a:r>
             <a:endParaRPr b="0" lang="en-US" sz="2400" spc="-1" strike="noStrike">
-              <a:latin typeface="Arial"/>
-            </a:endParaRPr>
-          </a:p>
-          <a:p>
-            <a:pPr marL="432000" indent="0">
-              <a:lnSpc>
-                <a:spcPct val="100000"/>
-              </a:lnSpc>
-              <a:spcBef>
-                <a:spcPts val="1060"/>
-              </a:spcBef>
-              <a:buNone/>
-              <a:tabLst>
-                <a:tab algn="l" pos="0"/>
-              </a:tabLst>
-            </a:pPr>
-            <a:r>
-              <a:rPr b="0" lang="zh-CN" sz="2400" spc="-1" strike="noStrike">
-                <a:solidFill>
-                  <a:srgbClr val="009bdd"/>
-                </a:solidFill>
-                <a:latin typeface="Arial"/>
-              </a:rPr>
-              <a:t>将一个问题拆成几个子问题，分别求解这些子问题，即可推断出大问题的解。</a:t>
-            </a:r>
-            <a:endParaRPr b="0" lang="en-US" sz="2400" spc="-1" strike="noStrike">
-              <a:latin typeface="Arial"/>
-            </a:endParaRPr>
-          </a:p>
-        </p:txBody>
-      </p:sp>
+              <a:solidFill>
+                <a:srgbClr val="000000"/>
+              </a:solidFill>
+              <a:latin typeface="Arial"/>
+            </a:endParaRPr>
+          </a:p>
+        </p:txBody>
+      </p:sp>
+      <p:pic>
+        <p:nvPicPr>
+          <p:cNvPr id="195" name="" descr=""/>
+          <p:cNvPicPr/>
+          <p:nvPr/>
+        </p:nvPicPr>
+        <p:blipFill>
+          <a:blip r:embed="rId1"/>
+          <a:stretch/>
+        </p:blipFill>
+        <p:spPr>
+          <a:xfrm>
+            <a:off x="2982600" y="2337120"/>
+            <a:ext cx="3855600" cy="2341080"/>
+          </a:xfrm>
+          <a:prstGeom prst="rect">
+            <a:avLst/>
+          </a:prstGeom>
+          <a:ln w="18000">
+            <a:noFill/>
+          </a:ln>
+        </p:spPr>
+      </p:pic>
       <p:sp>
         <p:nvSpPr>
           <p:cNvPr id="4" name="PlaceHolder 3"/>
@@ -10046,14 +13719,14 @@
             <a:spLocks noGrp="1"/>
           </p:cNvSpPr>
           <p:nvPr>
-            <p:ph type="sldNum" idx="5"/>
+            <p:ph type="sldNum" idx="11"/>
           </p:nvPr>
         </p:nvSpPr>
         <p:spPr/>
         <p:txBody>
           <a:bodyPr/>
           <a:p>
-            <a:fld id="{163FC029-B22D-468C-8833-84164008158E}" type="slidenum">
+            <a:fld id="{9E6555C6-B106-44A9-BF27-E6FB21744653}" type="slidenum">
               <a:t>13</a:t>
             </a:fld>
           </a:p>
@@ -10066,16 +13739,16 @@
             <a:spLocks noGrp="1"/>
           </p:cNvSpPr>
           <p:nvPr>
-            <p:ph type="dt" idx="6"/>
+            <p:ph type="dt" idx="12"/>
           </p:nvPr>
         </p:nvSpPr>
         <p:spPr/>
         <p:txBody>
           <a:bodyPr/>
           <a:p>
-            <a:fld id="{AF80E6BD-5085-4EDD-B527-76D4522BE269}" type="datetime1">
+            <a:fld id="{83DE19AF-B911-49AA-8F63-90B60A6CD49F}" type="datetime1">
               <a:rPr lang="zh-CN"/>
-              <a:t>2022/10/19</a:t>
+              <a:t>2022/11/2</a:t>
             </a:fld>
           </a:p>
         </p:txBody>
@@ -10112,7 +13785,7 @@
       </p:grpSpPr>
       <p:sp>
         <p:nvSpPr>
-          <p:cNvPr id="153" name="PlaceHolder 1"/>
+          <p:cNvPr id="196" name="PlaceHolder 1"/>
           <p:cNvSpPr>
             <a:spLocks noGrp="1"/>
           </p:cNvSpPr>
@@ -10123,7 +13796,7 @@
         <p:spPr>
           <a:xfrm>
             <a:off x="360000" y="180000"/>
-            <a:ext cx="9358920" cy="477000"/>
+            <a:ext cx="9358200" cy="476280"/>
           </a:xfrm>
           <a:prstGeom prst="rect">
             <a:avLst/>
@@ -10148,32 +13821,26 @@
               </a:tabLst>
             </a:pPr>
             <a:r>
-              <a:rPr b="0" lang="en-US" sz="3300" spc="-1" strike="noStrike">
+              <a:rPr b="0" lang="zh-CN" sz="3300" spc="-1" strike="noStrike">
                 <a:solidFill>
                   <a:srgbClr val="ffffff"/>
                 </a:solidFill>
                 <a:latin typeface="Arial"/>
               </a:rPr>
-              <a:t>join</a:t>
-            </a:r>
-            <a:r>
-              <a:rPr b="0" lang="zh-CN" sz="3300" spc="-1" strike="noStrike">
-                <a:solidFill>
-                  <a:srgbClr val="ffffff"/>
-                </a:solidFill>
-                <a:latin typeface="Arial"/>
-              </a:rPr>
-              <a:t>算法</a:t>
+              <a:t>动态规划</a:t>
             </a:r>
             <a:endParaRPr b="0" lang="en-US" sz="3300" spc="-1" strike="noStrike">
-              <a:latin typeface="Arial"/>
-            </a:endParaRPr>
-          </a:p>
-        </p:txBody>
-      </p:sp>
-      <p:sp>
-        <p:nvSpPr>
-          <p:cNvPr id="154" name="PlaceHolder 2"/>
+              <a:solidFill>
+                <a:srgbClr val="000000"/>
+              </a:solidFill>
+              <a:latin typeface="Arial"/>
+            </a:endParaRPr>
+          </a:p>
+        </p:txBody>
+      </p:sp>
+      <p:sp>
+        <p:nvSpPr>
+          <p:cNvPr id="197" name="PlaceHolder 2"/>
           <p:cNvSpPr>
             <a:spLocks noGrp="1"/>
           </p:cNvSpPr>
@@ -10184,7 +13851,7 @@
         <p:spPr>
           <a:xfrm>
             <a:off x="360000" y="1080000"/>
-            <a:ext cx="9358920" cy="1799280"/>
+            <a:ext cx="9358200" cy="3598200"/>
           </a:xfrm>
           <a:prstGeom prst="rect">
             <a:avLst/>
@@ -10220,9 +13887,12 @@
                 </a:solidFill>
                 <a:latin typeface="Arial"/>
               </a:rPr>
-              <a:t>NestedLoopJoin</a:t>
+              <a:t>(a:b:c:d)</a:t>
             </a:r>
             <a:endParaRPr b="0" lang="en-US" sz="2400" spc="-1" strike="noStrike">
+              <a:solidFill>
+                <a:srgbClr val="000000"/>
+              </a:solidFill>
               <a:latin typeface="Arial"/>
             </a:endParaRPr>
           </a:p>
@@ -10248,9 +13918,12 @@
                 </a:solidFill>
                 <a:latin typeface="Arial"/>
               </a:rPr>
-              <a:t>BlockNestedLoopJoin</a:t>
+              <a:t>(b:c:d):a (a:c:d):b (a:b:d):c (a:b:c):d</a:t>
             </a:r>
             <a:endParaRPr b="0" lang="en-US" sz="2400" spc="-1" strike="noStrike">
+              <a:solidFill>
+                <a:srgbClr val="000000"/>
+              </a:solidFill>
               <a:latin typeface="Arial"/>
             </a:endParaRPr>
           </a:p>
@@ -10276,9 +13949,12 @@
                 </a:solidFill>
                 <a:latin typeface="Arial"/>
               </a:rPr>
-              <a:t>SortMergeJoin</a:t>
+              <a:t>(c:d):b (b:d):c (b:c):d</a:t>
             </a:r>
             <a:endParaRPr b="0" lang="en-US" sz="2400" spc="-1" strike="noStrike">
+              <a:solidFill>
+                <a:srgbClr val="000000"/>
+              </a:solidFill>
               <a:latin typeface="Arial"/>
             </a:endParaRPr>
           </a:p>
@@ -10304,9 +13980,12 @@
                 </a:solidFill>
                 <a:latin typeface="Arial"/>
               </a:rPr>
-              <a:t>HashJoin</a:t>
+              <a:t>c:d d:c</a:t>
             </a:r>
             <a:endParaRPr b="0" lang="en-US" sz="2400" spc="-1" strike="noStrike">
+              <a:solidFill>
+                <a:srgbClr val="000000"/>
+              </a:solidFill>
               <a:latin typeface="Arial"/>
             </a:endParaRPr>
           </a:p>
@@ -10324,6 +14003,9 @@
               </a:tabLst>
             </a:pPr>
             <a:endParaRPr b="0" lang="en-US" sz="2400" spc="-1" strike="noStrike">
+              <a:solidFill>
+                <a:srgbClr val="000000"/>
+              </a:solidFill>
               <a:latin typeface="Arial"/>
             </a:endParaRPr>
           </a:p>
@@ -10340,81 +14022,24 @@
                 <a:tab algn="l" pos="0"/>
               </a:tabLst>
             </a:pPr>
+            <a:r>
+              <a:rPr b="0" lang="zh-CN" sz="2400" spc="-1" strike="noStrike">
+                <a:solidFill>
+                  <a:srgbClr val="009bdd"/>
+                </a:solidFill>
+                <a:latin typeface="Arial"/>
+              </a:rPr>
+              <a:t>将一个问题拆成几个子问题，分别求解这些子问题，即可推断出大问题的解。</a:t>
+            </a:r>
             <a:endParaRPr b="0" lang="en-US" sz="2400" spc="-1" strike="noStrike">
-              <a:latin typeface="Arial"/>
-            </a:endParaRPr>
-          </a:p>
-        </p:txBody>
-      </p:sp>
-      <p:pic>
-        <p:nvPicPr>
-          <p:cNvPr id="155" name="" descr=""/>
-          <p:cNvPicPr/>
-          <p:nvPr/>
-        </p:nvPicPr>
-        <p:blipFill>
-          <a:blip r:embed="rId1"/>
-          <a:stretch/>
-        </p:blipFill>
-        <p:spPr>
-          <a:xfrm>
-            <a:off x="0" y="3008520"/>
-            <a:ext cx="3778920" cy="2570400"/>
-          </a:xfrm>
-          <a:prstGeom prst="rect">
-            <a:avLst/>
-          </a:prstGeom>
-          <a:ln w="18000">
-            <a:noFill/>
-          </a:ln>
-        </p:spPr>
-      </p:pic>
-      <p:pic>
-        <p:nvPicPr>
-          <p:cNvPr id="156" name="" descr=""/>
-          <p:cNvPicPr/>
-          <p:nvPr/>
-        </p:nvPicPr>
-        <p:blipFill>
-          <a:blip r:embed="rId2"/>
-          <a:stretch/>
-        </p:blipFill>
-        <p:spPr>
-          <a:xfrm>
-            <a:off x="3780000" y="3008520"/>
-            <a:ext cx="3418920" cy="2570400"/>
-          </a:xfrm>
-          <a:prstGeom prst="rect">
-            <a:avLst/>
-          </a:prstGeom>
-          <a:ln w="18000">
-            <a:noFill/>
-          </a:ln>
-        </p:spPr>
-      </p:pic>
-      <p:pic>
-        <p:nvPicPr>
-          <p:cNvPr id="157" name="" descr=""/>
-          <p:cNvPicPr/>
-          <p:nvPr/>
-        </p:nvPicPr>
-        <p:blipFill>
-          <a:blip r:embed="rId3"/>
-          <a:stretch/>
-        </p:blipFill>
-        <p:spPr>
-          <a:xfrm>
-            <a:off x="6660360" y="3008520"/>
-            <a:ext cx="3418920" cy="2570400"/>
-          </a:xfrm>
-          <a:prstGeom prst="rect">
-            <a:avLst/>
-          </a:prstGeom>
-          <a:ln w="18000">
-            <a:noFill/>
-          </a:ln>
-        </p:spPr>
-      </p:pic>
+              <a:solidFill>
+                <a:srgbClr val="000000"/>
+              </a:solidFill>
+              <a:latin typeface="Arial"/>
+            </a:endParaRPr>
+          </a:p>
+        </p:txBody>
+      </p:sp>
       <p:sp>
         <p:nvSpPr>
           <p:cNvPr id="4" name="PlaceHolder 3"/>
@@ -10429,7 +14054,7 @@
         <p:txBody>
           <a:bodyPr/>
           <a:p>
-            <a:fld id="{2206C31C-A2A1-40BD-924B-605BC3C27FB4}" type="slidenum">
+            <a:fld id="{A998E527-DE03-492E-873D-9EBCB161ED1C}" type="slidenum">
               <a:t>14</a:t>
             </a:fld>
           </a:p>
@@ -10449,9 +14074,9 @@
         <p:txBody>
           <a:bodyPr/>
           <a:p>
-            <a:fld id="{735DDDA9-A1DB-4FBA-B0A0-89AC2F1D3F13}" type="datetime1">
+            <a:fld id="{8501D68E-0BDA-4D26-B46F-1BB63FD6EDA3}" type="datetime1">
               <a:rPr lang="zh-CN"/>
-              <a:t>2022/10/19</a:t>
+              <a:t>2022/11/2</a:t>
             </a:fld>
           </a:p>
         </p:txBody>
@@ -10488,7 +14113,7 @@
       </p:grpSpPr>
       <p:sp>
         <p:nvSpPr>
-          <p:cNvPr id="158" name="PlaceHolder 1"/>
+          <p:cNvPr id="198" name="PlaceHolder 1"/>
           <p:cNvSpPr>
             <a:spLocks noGrp="1"/>
           </p:cNvSpPr>
@@ -10499,7 +14124,7 @@
         <p:spPr>
           <a:xfrm>
             <a:off x="360000" y="180000"/>
-            <a:ext cx="9358920" cy="477000"/>
+            <a:ext cx="9358200" cy="476280"/>
           </a:xfrm>
           <a:prstGeom prst="rect">
             <a:avLst/>
@@ -10524,15 +14149,220 @@
               </a:tabLst>
             </a:pPr>
             <a:r>
+              <a:rPr b="0" lang="en-US" sz="3300" spc="-1" strike="noStrike">
+                <a:solidFill>
+                  <a:srgbClr val="ffffff"/>
+                </a:solidFill>
+                <a:latin typeface="Arial"/>
+              </a:rPr>
+              <a:t>join</a:t>
+            </a:r>
+            <a:r>
               <a:rPr b="0" lang="zh-CN" sz="3300" spc="-1" strike="noStrike">
                 <a:solidFill>
                   <a:srgbClr val="ffffff"/>
                 </a:solidFill>
                 <a:latin typeface="Arial"/>
               </a:rPr>
-              <a:t>总结</a:t>
+              <a:t>算法</a:t>
             </a:r>
             <a:endParaRPr b="0" lang="en-US" sz="3300" spc="-1" strike="noStrike">
+              <a:solidFill>
+                <a:srgbClr val="000000"/>
+              </a:solidFill>
+              <a:latin typeface="Arial"/>
+            </a:endParaRPr>
+          </a:p>
+        </p:txBody>
+      </p:sp>
+      <p:sp>
+        <p:nvSpPr>
+          <p:cNvPr id="199" name="PlaceHolder 2"/>
+          <p:cNvSpPr>
+            <a:spLocks noGrp="1"/>
+          </p:cNvSpPr>
+          <p:nvPr>
+            <p:ph/>
+          </p:nvPr>
+        </p:nvSpPr>
+        <p:spPr>
+          <a:xfrm>
+            <a:off x="360000" y="1080000"/>
+            <a:ext cx="9358200" cy="1798560"/>
+          </a:xfrm>
+          <a:prstGeom prst="rect">
+            <a:avLst/>
+          </a:prstGeom>
+          <a:noFill/>
+          <a:ln w="0">
+            <a:noFill/>
+          </a:ln>
+        </p:spPr>
+        <p:txBody>
+          <a:bodyPr lIns="0" rIns="0" tIns="0" bIns="0" anchor="t">
+            <a:noAutofit/>
+          </a:bodyPr>
+          <a:p>
+            <a:pPr marL="432000" indent="-324000">
+              <a:lnSpc>
+                <a:spcPct val="100000"/>
+              </a:lnSpc>
+              <a:spcBef>
+                <a:spcPts val="1060"/>
+              </a:spcBef>
+              <a:buClr>
+                <a:srgbClr val="77caee"/>
+              </a:buClr>
+              <a:buSzPct val="45000"/>
+              <a:buFont typeface="Wingdings" charset="2"/>
+              <a:buChar char=""/>
+            </a:pPr>
+            <a:r>
+              <a:rPr b="0" lang="en-US" sz="2400" spc="-1" strike="noStrike">
+                <a:solidFill>
+                  <a:srgbClr val="009bdd"/>
+                </a:solidFill>
+                <a:latin typeface="Arial"/>
+              </a:rPr>
+              <a:t>NestedLoopJoin</a:t>
+            </a:r>
+            <a:endParaRPr b="0" lang="en-US" sz="2400" spc="-1" strike="noStrike">
+              <a:solidFill>
+                <a:srgbClr val="000000"/>
+              </a:solidFill>
+              <a:latin typeface="Arial"/>
+            </a:endParaRPr>
+          </a:p>
+          <a:p>
+            <a:pPr marL="432000" indent="-324000">
+              <a:lnSpc>
+                <a:spcPct val="100000"/>
+              </a:lnSpc>
+              <a:spcBef>
+                <a:spcPts val="1060"/>
+              </a:spcBef>
+              <a:buClr>
+                <a:srgbClr val="77caee"/>
+              </a:buClr>
+              <a:buSzPct val="45000"/>
+              <a:buFont typeface="Wingdings" charset="2"/>
+              <a:buChar char=""/>
+            </a:pPr>
+            <a:r>
+              <a:rPr b="0" lang="en-US" sz="2400" spc="-1" strike="noStrike">
+                <a:solidFill>
+                  <a:srgbClr val="009bdd"/>
+                </a:solidFill>
+                <a:latin typeface="Arial"/>
+              </a:rPr>
+              <a:t>BlockNestedLoopJoin</a:t>
+            </a:r>
+            <a:endParaRPr b="0" lang="en-US" sz="2400" spc="-1" strike="noStrike">
+              <a:solidFill>
+                <a:srgbClr val="000000"/>
+              </a:solidFill>
+              <a:latin typeface="Arial"/>
+            </a:endParaRPr>
+          </a:p>
+          <a:p>
+            <a:pPr marL="432000" indent="-324000">
+              <a:lnSpc>
+                <a:spcPct val="100000"/>
+              </a:lnSpc>
+              <a:spcBef>
+                <a:spcPts val="1060"/>
+              </a:spcBef>
+              <a:buClr>
+                <a:srgbClr val="77caee"/>
+              </a:buClr>
+              <a:buSzPct val="45000"/>
+              <a:buFont typeface="Wingdings" charset="2"/>
+              <a:buChar char=""/>
+            </a:pPr>
+            <a:r>
+              <a:rPr b="0" lang="en-US" sz="2400" spc="-1" strike="noStrike">
+                <a:solidFill>
+                  <a:srgbClr val="009bdd"/>
+                </a:solidFill>
+                <a:latin typeface="Arial"/>
+              </a:rPr>
+              <a:t>SortMergeJoin</a:t>
+            </a:r>
+            <a:endParaRPr b="0" lang="en-US" sz="2400" spc="-1" strike="noStrike">
+              <a:solidFill>
+                <a:srgbClr val="000000"/>
+              </a:solidFill>
+              <a:latin typeface="Arial"/>
+            </a:endParaRPr>
+          </a:p>
+          <a:p>
+            <a:pPr marL="432000" indent="-324000">
+              <a:lnSpc>
+                <a:spcPct val="100000"/>
+              </a:lnSpc>
+              <a:spcBef>
+                <a:spcPts val="1060"/>
+              </a:spcBef>
+              <a:buClr>
+                <a:srgbClr val="77caee"/>
+              </a:buClr>
+              <a:buSzPct val="45000"/>
+              <a:buFont typeface="Wingdings" charset="2"/>
+              <a:buChar char=""/>
+            </a:pPr>
+            <a:r>
+              <a:rPr b="0" lang="en-US" sz="2400" spc="-1" strike="noStrike">
+                <a:solidFill>
+                  <a:srgbClr val="009bdd"/>
+                </a:solidFill>
+                <a:latin typeface="Arial"/>
+              </a:rPr>
+              <a:t>HashJoin</a:t>
+            </a:r>
+            <a:endParaRPr b="0" lang="en-US" sz="2400" spc="-1" strike="noStrike">
+              <a:solidFill>
+                <a:srgbClr val="000000"/>
+              </a:solidFill>
+              <a:latin typeface="Arial"/>
+            </a:endParaRPr>
+          </a:p>
+          <a:p>
+            <a:pPr marL="432000" indent="0">
+              <a:lnSpc>
+                <a:spcPct val="100000"/>
+              </a:lnSpc>
+              <a:spcBef>
+                <a:spcPts val="1060"/>
+              </a:spcBef>
+              <a:buNone/>
+              <a:tabLst>
+                <a:tab algn="l" pos="0"/>
+              </a:tabLst>
+            </a:pPr>
+            <a:endParaRPr b="0" lang="en-US" sz="2400" spc="-1" strike="noStrike">
+              <a:solidFill>
+                <a:srgbClr val="000000"/>
+              </a:solidFill>
+              <a:latin typeface="Arial"/>
+            </a:endParaRPr>
+          </a:p>
+          <a:p>
+            <a:pPr marL="432000" indent="0">
+              <a:lnSpc>
+                <a:spcPct val="100000"/>
+              </a:lnSpc>
+              <a:spcBef>
+                <a:spcPts val="1060"/>
+              </a:spcBef>
+              <a:buNone/>
+              <a:tabLst>
+                <a:tab algn="l" pos="0"/>
+              </a:tabLst>
+            </a:pPr>
+            <a:endParaRPr b="0" lang="en-US" sz="2400" spc="-1" strike="noStrike">
+              <a:solidFill>
+                <a:srgbClr val="000000"/>
+              </a:solidFill>
               <a:latin typeface="Arial"/>
             </a:endParaRPr>
           </a:p>
@@ -10540,7 +14370,7 @@
       </p:sp>
       <p:pic>
         <p:nvPicPr>
-          <p:cNvPr id="159" name="" descr=""/>
+          <p:cNvPr id="200" name="" descr=""/>
           <p:cNvPicPr/>
           <p:nvPr/>
         </p:nvPicPr>
@@ -10550,32 +14380,78 @@
         </p:blipFill>
         <p:spPr>
           <a:xfrm>
-            <a:off x="540000" y="1081080"/>
-            <a:ext cx="8839800" cy="3598920"/>
-          </a:xfrm>
-          <a:prstGeom prst="rect">
-            <a:avLst/>
-          </a:prstGeom>
-          <a:ln w="0">
+            <a:off x="0" y="3008520"/>
+            <a:ext cx="3778200" cy="2569680"/>
+          </a:xfrm>
+          <a:prstGeom prst="rect">
+            <a:avLst/>
+          </a:prstGeom>
+          <a:ln w="18000">
             <a:noFill/>
           </a:ln>
         </p:spPr>
       </p:pic>
-      <p:sp>
-        <p:nvSpPr>
-          <p:cNvPr id="3" name="PlaceHolder 2"/>
-          <p:cNvSpPr>
-            <a:spLocks noGrp="1"/>
-          </p:cNvSpPr>
-          <p:nvPr>
-            <p:ph type="sldNum" idx="8"/>
+      <p:pic>
+        <p:nvPicPr>
+          <p:cNvPr id="201" name="" descr=""/>
+          <p:cNvPicPr/>
+          <p:nvPr/>
+        </p:nvPicPr>
+        <p:blipFill>
+          <a:blip r:embed="rId2"/>
+          <a:stretch/>
+        </p:blipFill>
+        <p:spPr>
+          <a:xfrm>
+            <a:off x="3780000" y="3008520"/>
+            <a:ext cx="3418200" cy="2569680"/>
+          </a:xfrm>
+          <a:prstGeom prst="rect">
+            <a:avLst/>
+          </a:prstGeom>
+          <a:ln w="18000">
+            <a:noFill/>
+          </a:ln>
+        </p:spPr>
+      </p:pic>
+      <p:pic>
+        <p:nvPicPr>
+          <p:cNvPr id="202" name="" descr=""/>
+          <p:cNvPicPr/>
+          <p:nvPr/>
+        </p:nvPicPr>
+        <p:blipFill>
+          <a:blip r:embed="rId3"/>
+          <a:stretch/>
+        </p:blipFill>
+        <p:spPr>
+          <a:xfrm>
+            <a:off x="6660360" y="3008520"/>
+            <a:ext cx="3418200" cy="2569680"/>
+          </a:xfrm>
+          <a:prstGeom prst="rect">
+            <a:avLst/>
+          </a:prstGeom>
+          <a:ln w="18000">
+            <a:noFill/>
+          </a:ln>
+        </p:spPr>
+      </p:pic>
+      <p:sp>
+        <p:nvSpPr>
+          <p:cNvPr id="4" name="PlaceHolder 3"/>
+          <p:cNvSpPr>
+            <a:spLocks noGrp="1"/>
+          </p:cNvSpPr>
+          <p:nvPr>
+            <p:ph type="sldNum" idx="5"/>
           </p:nvPr>
         </p:nvSpPr>
         <p:spPr/>
         <p:txBody>
           <a:bodyPr/>
           <a:p>
-            <a:fld id="{BF04B710-F460-4610-A6F2-33686B055BDB}" type="slidenum">
+            <a:fld id="{8A3CF059-2C7A-41CC-AF66-447B2199E36D}" type="slidenum">
               <a:t>15</a:t>
             </a:fld>
           </a:p>
@@ -10583,6 +14459,155 @@
       </p:sp>
       <p:sp>
         <p:nvSpPr>
+          <p:cNvPr id="5" name="PlaceHolder 4"/>
+          <p:cNvSpPr>
+            <a:spLocks noGrp="1"/>
+          </p:cNvSpPr>
+          <p:nvPr>
+            <p:ph type="dt" idx="6"/>
+          </p:nvPr>
+        </p:nvSpPr>
+        <p:spPr/>
+        <p:txBody>
+          <a:bodyPr/>
+          <a:p>
+            <a:fld id="{EB9510C4-3F59-463C-A312-16718098ACD9}" type="datetime1">
+              <a:rPr lang="zh-CN"/>
+              <a:t>2022/11/2</a:t>
+            </a:fld>
+          </a:p>
+        </p:txBody>
+      </p:sp>
+    </p:spTree>
+  </p:cSld>
+  <mc:AlternateContent>
+    <mc:Choice Requires="p14">
+      <p:transition spd="slow" p14:dur="2000"/>
+    </mc:Choice>
+    <mc:Fallback>
+      <p:transition spd="slow"/>
+    </mc:Fallback>
+  </mc:AlternateContent>
+</p:sld>
+</file>
+
+<file path=ppt/slides/slide16.xml><?xml version="1.0" encoding="utf-8"?>
+<p:sld xmlns:a="http://schemas.openxmlformats.org/drawingml/2006/main" xmlns:p="http://schemas.openxmlformats.org/presentationml/2006/main" xmlns:r="http://schemas.openxmlformats.org/officeDocument/2006/relationships" xmlns:p14="http://schemas.microsoft.com/office/powerpoint/2010/main" xmlns:p15="http://schemas.microsoft.com/office/powerpoint/2012/main" xmlns:mc="http://schemas.openxmlformats.org/markup-compatibility/2006">
+  <p:cSld>
+    <p:spTree>
+      <p:nvGrpSpPr>
+        <p:cNvPr id="1" name=""/>
+        <p:cNvGrpSpPr/>
+        <p:nvPr/>
+      </p:nvGrpSpPr>
+      <p:grpSpPr>
+        <a:xfrm>
+          <a:off x="0" y="0"/>
+          <a:ext cx="0" cy="0"/>
+          <a:chOff x="0" y="0"/>
+          <a:chExt cx="0" cy="0"/>
+        </a:xfrm>
+      </p:grpSpPr>
+      <p:sp>
+        <p:nvSpPr>
+          <p:cNvPr id="203" name="PlaceHolder 1"/>
+          <p:cNvSpPr>
+            <a:spLocks noGrp="1"/>
+          </p:cNvSpPr>
+          <p:nvPr>
+            <p:ph type="title"/>
+          </p:nvPr>
+        </p:nvSpPr>
+        <p:spPr>
+          <a:xfrm>
+            <a:off x="360000" y="180000"/>
+            <a:ext cx="9358200" cy="476280"/>
+          </a:xfrm>
+          <a:prstGeom prst="rect">
+            <a:avLst/>
+          </a:prstGeom>
+          <a:noFill/>
+          <a:ln w="0">
+            <a:noFill/>
+          </a:ln>
+        </p:spPr>
+        <p:txBody>
+          <a:bodyPr lIns="0" rIns="0" tIns="0" bIns="0" anchor="ctr">
+            <a:noAutofit/>
+          </a:bodyPr>
+          <a:p>
+            <a:pPr indent="0" algn="ctr">
+              <a:lnSpc>
+                <a:spcPct val="100000"/>
+              </a:lnSpc>
+              <a:buNone/>
+              <a:tabLst>
+                <a:tab algn="l" pos="0"/>
+              </a:tabLst>
+            </a:pPr>
+            <a:r>
+              <a:rPr b="0" lang="zh-CN" sz="3300" spc="-1" strike="noStrike">
+                <a:solidFill>
+                  <a:srgbClr val="ffffff"/>
+                </a:solidFill>
+                <a:latin typeface="Arial"/>
+              </a:rPr>
+              <a:t>总结</a:t>
+            </a:r>
+            <a:endParaRPr b="0" lang="en-US" sz="3300" spc="-1" strike="noStrike">
+              <a:solidFill>
+                <a:srgbClr val="000000"/>
+              </a:solidFill>
+              <a:latin typeface="Arial"/>
+            </a:endParaRPr>
+          </a:p>
+        </p:txBody>
+      </p:sp>
+      <p:pic>
+        <p:nvPicPr>
+          <p:cNvPr id="204" name="" descr=""/>
+          <p:cNvPicPr/>
+          <p:nvPr/>
+        </p:nvPicPr>
+        <p:blipFill>
+          <a:blip r:embed="rId1"/>
+          <a:stretch/>
+        </p:blipFill>
+        <p:spPr>
+          <a:xfrm>
+            <a:off x="540000" y="1081080"/>
+            <a:ext cx="8839080" cy="3598200"/>
+          </a:xfrm>
+          <a:prstGeom prst="rect">
+            <a:avLst/>
+          </a:prstGeom>
+          <a:ln w="0">
+            <a:noFill/>
+          </a:ln>
+        </p:spPr>
+      </p:pic>
+      <p:sp>
+        <p:nvSpPr>
+          <p:cNvPr id="3" name="PlaceHolder 2"/>
+          <p:cNvSpPr>
+            <a:spLocks noGrp="1"/>
+          </p:cNvSpPr>
+          <p:nvPr>
+            <p:ph type="sldNum" idx="8"/>
+          </p:nvPr>
+        </p:nvSpPr>
+        <p:spPr/>
+        <p:txBody>
+          <a:bodyPr/>
+          <a:p>
+            <a:fld id="{543E20A4-A868-4484-88F2-26B0AC12A3CD}" type="slidenum">
+              <a:t>16</a:t>
+            </a:fld>
+          </a:p>
+        </p:txBody>
+      </p:sp>
+      <p:sp>
+        <p:nvSpPr>
           <p:cNvPr id="4" name="PlaceHolder 3"/>
           <p:cNvSpPr>
             <a:spLocks noGrp="1"/>
@@ -10595,9 +14620,9 @@
         <p:txBody>
           <a:bodyPr/>
           <a:p>
-            <a:fld id="{C8D9AB46-97FB-4DDA-B43D-E536EEC52433}" type="datetime1">
+            <a:fld id="{EDC7CA6D-5922-43B4-A3C5-6DDD55D33742}" type="datetime1">
               <a:rPr lang="zh-CN"/>
-              <a:t>2022/10/19</a:t>
+              <a:t>2022/11/2</a:t>
             </a:fld>
           </a:p>
         </p:txBody>
@@ -10634,7 +14659,7 @@
       </p:grpSpPr>
       <p:sp>
         <p:nvSpPr>
-          <p:cNvPr id="129" name="PlaceHolder 1"/>
+          <p:cNvPr id="172" name="PlaceHolder 1"/>
           <p:cNvSpPr>
             <a:spLocks noGrp="1"/>
           </p:cNvSpPr>
@@ -10645,7 +14670,7 @@
         <p:spPr>
           <a:xfrm>
             <a:off x="360000" y="180000"/>
-            <a:ext cx="9358920" cy="477000"/>
+            <a:ext cx="9358200" cy="476280"/>
           </a:xfrm>
           <a:prstGeom prst="rect">
             <a:avLst/>
@@ -10679,14 +14704,17 @@
               <a:t>总览</a:t>
             </a:r>
             <a:endParaRPr b="0" lang="en-US" sz="3300" spc="-1" strike="noStrike">
-              <a:latin typeface="Arial"/>
-            </a:endParaRPr>
-          </a:p>
-        </p:txBody>
-      </p:sp>
-      <p:sp>
-        <p:nvSpPr>
-          <p:cNvPr id="130" name="PlaceHolder 2"/>
+              <a:solidFill>
+                <a:srgbClr val="000000"/>
+              </a:solidFill>
+              <a:latin typeface="Arial"/>
+            </a:endParaRPr>
+          </a:p>
+        </p:txBody>
+      </p:sp>
+      <p:sp>
+        <p:nvSpPr>
+          <p:cNvPr id="173" name="PlaceHolder 2"/>
           <p:cNvSpPr>
             <a:spLocks noGrp="1"/>
           </p:cNvSpPr>
@@ -10697,7 +14725,7 @@
         <p:spPr>
           <a:xfrm>
             <a:off x="360000" y="1080000"/>
-            <a:ext cx="9358920" cy="3598920"/>
+            <a:ext cx="9358200" cy="3598200"/>
           </a:xfrm>
           <a:prstGeom prst="rect">
             <a:avLst/>
@@ -10736,6 +14764,9 @@
               <a:t>网络协议层</a:t>
             </a:r>
             <a:endParaRPr b="0" lang="en-US" sz="2400" spc="-1" strike="noStrike">
+              <a:solidFill>
+                <a:srgbClr val="000000"/>
+              </a:solidFill>
               <a:latin typeface="Arial"/>
             </a:endParaRPr>
           </a:p>
@@ -10773,6 +14804,9 @@
               <a:t>客户端登录认证</a:t>
             </a:r>
             <a:endParaRPr b="0" lang="en-US" sz="2100" spc="-1" strike="noStrike">
+              <a:solidFill>
+                <a:srgbClr val="000000"/>
+              </a:solidFill>
               <a:latin typeface="Arial"/>
             </a:endParaRPr>
           </a:p>
@@ -10810,6 +14844,9 @@
               <a:t>解析层</a:t>
             </a:r>
             <a:endParaRPr b="0" lang="en-US" sz="2400" spc="-1" strike="noStrike">
+              <a:solidFill>
+                <a:srgbClr val="000000"/>
+              </a:solidFill>
               <a:latin typeface="Arial"/>
             </a:endParaRPr>
           </a:p>
@@ -10838,6 +14875,9 @@
               <a:t>逻辑执行计划</a:t>
             </a:r>
             <a:endParaRPr b="0" lang="en-US" sz="2100" spc="-1" strike="noStrike">
+              <a:solidFill>
+                <a:srgbClr val="000000"/>
+              </a:solidFill>
               <a:latin typeface="Arial"/>
             </a:endParaRPr>
           </a:p>
@@ -10866,6 +14906,9 @@
               <a:t>物理执行计划</a:t>
             </a:r>
             <a:endParaRPr b="0" lang="en-US" sz="2100" spc="-1" strike="noStrike">
+              <a:solidFill>
+                <a:srgbClr val="000000"/>
+              </a:solidFill>
               <a:latin typeface="Arial"/>
             </a:endParaRPr>
           </a:p>
@@ -10894,6 +14937,9 @@
               <a:t>数据存储层</a:t>
             </a:r>
             <a:endParaRPr b="0" lang="en-US" sz="2400" spc="-1" strike="noStrike">
+              <a:solidFill>
+                <a:srgbClr val="000000"/>
+              </a:solidFill>
               <a:latin typeface="Arial"/>
             </a:endParaRPr>
           </a:p>
@@ -10931,6 +14977,9 @@
               <a:t>页缓存</a:t>
             </a:r>
             <a:endParaRPr b="0" lang="en-US" sz="2100" spc="-1" strike="noStrike">
+              <a:solidFill>
+                <a:srgbClr val="000000"/>
+              </a:solidFill>
               <a:latin typeface="Arial"/>
             </a:endParaRPr>
           </a:p>
@@ -10959,6 +15008,9 @@
               <a:t>读写锁与事务</a:t>
             </a:r>
             <a:endParaRPr b="0" lang="en-US" sz="2100" spc="-1" strike="noStrike">
+              <a:solidFill>
+                <a:srgbClr val="000000"/>
+              </a:solidFill>
               <a:latin typeface="Arial"/>
             </a:endParaRPr>
           </a:p>
@@ -10996,6 +15048,9 @@
               <a:t>算法</a:t>
             </a:r>
             <a:endParaRPr b="0" lang="en-US" sz="2100" spc="-1" strike="noStrike">
+              <a:solidFill>
+                <a:srgbClr val="000000"/>
+              </a:solidFill>
               <a:latin typeface="Arial"/>
             </a:endParaRPr>
           </a:p>
@@ -11015,7 +15070,7 @@
         <p:txBody>
           <a:bodyPr/>
           <a:p>
-            <a:fld id="{C2C7504F-72F7-4E34-A448-F15F87D11CC1}" type="slidenum">
+            <a:fld id="{45354E8F-C28C-4AA5-A3C5-1484AC152D07}" type="slidenum">
               <a:t>2</a:t>
             </a:fld>
           </a:p>
@@ -11035,9 +15090,9 @@
         <p:txBody>
           <a:bodyPr/>
           <a:p>
-            <a:fld id="{D5C8E7C5-C277-4232-80AC-28CF62D5CB29}" type="datetime1">
+            <a:fld id="{AA7F9D2E-B70D-425D-A3C3-1ACE80347B9E}" type="datetime1">
               <a:rPr lang="zh-CN"/>
-              <a:t>2022/10/19</a:t>
+              <a:t>2022/11/2</a:t>
             </a:fld>
           </a:p>
         </p:txBody>
@@ -11074,7 +15129,7 @@
       </p:grpSpPr>
       <p:sp>
         <p:nvSpPr>
-          <p:cNvPr id="131" name="PlaceHolder 1"/>
+          <p:cNvPr id="174" name="PlaceHolder 1"/>
           <p:cNvSpPr>
             <a:spLocks noGrp="1"/>
           </p:cNvSpPr>
@@ -11085,7 +15140,7 @@
         <p:spPr>
           <a:xfrm>
             <a:off x="360000" y="180000"/>
-            <a:ext cx="9358920" cy="477000"/>
+            <a:ext cx="9358200" cy="476280"/>
           </a:xfrm>
           <a:prstGeom prst="rect">
             <a:avLst/>
@@ -11128,14 +15183,17 @@
               <a:t>协议</a:t>
             </a:r>
             <a:endParaRPr b="0" lang="en-US" sz="3300" spc="-1" strike="noStrike">
-              <a:latin typeface="Arial"/>
-            </a:endParaRPr>
-          </a:p>
-        </p:txBody>
-      </p:sp>
-      <p:sp>
-        <p:nvSpPr>
-          <p:cNvPr id="132" name="PlaceHolder 2"/>
+              <a:solidFill>
+                <a:srgbClr val="000000"/>
+              </a:solidFill>
+              <a:latin typeface="Arial"/>
+            </a:endParaRPr>
+          </a:p>
+        </p:txBody>
+      </p:sp>
+      <p:sp>
+        <p:nvSpPr>
+          <p:cNvPr id="175" name="PlaceHolder 2"/>
           <p:cNvSpPr>
             <a:spLocks noGrp="1"/>
           </p:cNvSpPr>
@@ -11146,7 +15204,7 @@
         <p:spPr>
           <a:xfrm>
             <a:off x="360000" y="1080000"/>
-            <a:ext cx="9358920" cy="3598920"/>
+            <a:ext cx="9358200" cy="3598200"/>
           </a:xfrm>
           <a:prstGeom prst="rect">
             <a:avLst/>
@@ -11203,6 +15261,9 @@
               <a:t>个字节。</a:t>
             </a:r>
             <a:endParaRPr b="0" lang="en-US" sz="2400" spc="-1" strike="noStrike">
+              <a:solidFill>
+                <a:srgbClr val="000000"/>
+              </a:solidFill>
               <a:latin typeface="Arial"/>
             </a:endParaRPr>
           </a:p>
@@ -11231,6 +15292,9 @@
               <a:t>消息长度用来解决粘包与半包问题问题。</a:t>
             </a:r>
             <a:endParaRPr b="0" lang="en-US" sz="2400" spc="-1" strike="noStrike">
+              <a:solidFill>
+                <a:srgbClr val="000000"/>
+              </a:solidFill>
               <a:latin typeface="Arial"/>
             </a:endParaRPr>
           </a:p>
@@ -11349,6 +15413,9 @@
               <a:t>会直接丢弃这个连接。</a:t>
             </a:r>
             <a:endParaRPr b="0" lang="en-US" sz="2400" spc="-1" strike="noStrike">
+              <a:solidFill>
+                <a:srgbClr val="000000"/>
+              </a:solidFill>
               <a:latin typeface="Arial"/>
             </a:endParaRPr>
           </a:p>
@@ -11377,6 +15444,9 @@
               <a:t>消息体则是最终传递信息的地方。</a:t>
             </a:r>
             <a:endParaRPr b="0" lang="en-US" sz="2400" spc="-1" strike="noStrike">
+              <a:solidFill>
+                <a:srgbClr val="000000"/>
+              </a:solidFill>
               <a:latin typeface="Arial"/>
             </a:endParaRPr>
           </a:p>
@@ -11394,6 +15464,9 @@
               </a:tabLst>
             </a:pPr>
             <a:endParaRPr b="0" lang="en-US" sz="2400" spc="-1" strike="noStrike">
+              <a:solidFill>
+                <a:srgbClr val="000000"/>
+              </a:solidFill>
               <a:latin typeface="Arial"/>
             </a:endParaRPr>
           </a:p>
@@ -11411,6 +15484,9 @@
               </a:tabLst>
             </a:pPr>
             <a:endParaRPr b="0" lang="en-US" sz="900" spc="-1" strike="noStrike">
+              <a:solidFill>
+                <a:srgbClr val="000000"/>
+              </a:solidFill>
               <a:latin typeface="Arial"/>
             </a:endParaRPr>
           </a:p>
@@ -11430,7 +15506,7 @@
         <p:txBody>
           <a:bodyPr/>
           <a:p>
-            <a:fld id="{244A0A18-02E6-4ABA-86D7-8DFB511D0B16}" type="slidenum">
+            <a:fld id="{A5974FB3-E259-4DF6-A521-410318A97855}" type="slidenum">
               <a:t>3</a:t>
             </a:fld>
           </a:p>
@@ -11450,9 +15526,9 @@
         <p:txBody>
           <a:bodyPr/>
           <a:p>
-            <a:fld id="{867CFE66-8982-482A-8B39-58A9526F11C0}" type="datetime1">
+            <a:fld id="{8B1C0A12-A25B-4931-A54F-76D666C7DD6B}" type="datetime1">
               <a:rPr lang="zh-CN"/>
-              <a:t>2022/10/19</a:t>
+              <a:t>2022/11/2</a:t>
             </a:fld>
           </a:p>
         </p:txBody>
@@ -11489,7 +15565,7 @@
       </p:grpSpPr>
       <p:pic>
         <p:nvPicPr>
-          <p:cNvPr id="133" name="" descr=""/>
+          <p:cNvPr id="176" name="" descr=""/>
           <p:cNvPicPr/>
           <p:nvPr/>
         </p:nvPicPr>
@@ -11500,7 +15576,7 @@
         <p:spPr>
           <a:xfrm>
             <a:off x="2098440" y="1080000"/>
-            <a:ext cx="5881680" cy="3598920"/>
+            <a:ext cx="5880960" cy="3598200"/>
           </a:xfrm>
           <a:prstGeom prst="rect">
             <a:avLst/>
@@ -11524,7 +15600,7 @@
         <p:txBody>
           <a:bodyPr/>
           <a:p>
-            <a:fld id="{1D0B8A20-4A27-48C1-AA4E-CF8D29741B29}" type="slidenum">
+            <a:fld id="{2CEBFD7F-E5D6-498F-898B-1B0645E92C97}" type="slidenum">
               <a:t>4</a:t>
             </a:fld>
           </a:p>
@@ -11544,9 +15620,9 @@
         <p:txBody>
           <a:bodyPr/>
           <a:p>
-            <a:fld id="{F0153643-9DA3-417E-99D7-9FC918EF6BC5}" type="datetime1">
+            <a:fld id="{AACDDBC8-5BD1-43BB-9096-C374F205CDF7}" type="datetime1">
               <a:rPr lang="zh-CN"/>
-              <a:t>2022/10/19</a:t>
+              <a:t>2022/11/2</a:t>
             </a:fld>
           </a:p>
         </p:txBody>
@@ -11583,7 +15659,7 @@
       </p:grpSpPr>
       <p:sp>
         <p:nvSpPr>
-          <p:cNvPr id="134" name="PlaceHolder 1"/>
+          <p:cNvPr id="177" name="PlaceHolder 1"/>
           <p:cNvSpPr>
             <a:spLocks noGrp="1"/>
           </p:cNvSpPr>
@@ -11594,7 +15670,7 @@
         <p:spPr>
           <a:xfrm>
             <a:off x="360000" y="180000"/>
-            <a:ext cx="9358920" cy="477000"/>
+            <a:ext cx="9358200" cy="476280"/>
           </a:xfrm>
           <a:prstGeom prst="rect">
             <a:avLst/>
@@ -11628,6 +15704,9 @@
               <a:t>登录过程</a:t>
             </a:r>
             <a:endParaRPr b="0" lang="en-US" sz="3300" spc="-1" strike="noStrike">
+              <a:solidFill>
+                <a:srgbClr val="000000"/>
+              </a:solidFill>
               <a:latin typeface="Arial"/>
             </a:endParaRPr>
           </a:p>
@@ -11635,7 +15714,7 @@
       </p:sp>
       <p:pic>
         <p:nvPicPr>
-          <p:cNvPr id="135" name="" descr=""/>
+          <p:cNvPr id="178" name="" descr=""/>
           <p:cNvPicPr/>
           <p:nvPr/>
         </p:nvPicPr>
@@ -11646,7 +15725,7 @@
         <p:spPr>
           <a:xfrm>
             <a:off x="2549880" y="1080000"/>
-            <a:ext cx="4979160" cy="3598920"/>
+            <a:ext cx="4978440" cy="3598200"/>
           </a:xfrm>
           <a:prstGeom prst="rect">
             <a:avLst/>
@@ -11670,7 +15749,7 @@
         <p:txBody>
           <a:bodyPr/>
           <a:p>
-            <a:fld id="{0983AB94-A7AF-407A-8B0B-B161BB537958}" type="slidenum">
+            <a:fld id="{39252BB3-D95A-4436-9F36-C6BD43B2E9BF}" type="slidenum">
               <a:t>5</a:t>
             </a:fld>
           </a:p>
@@ -11690,9 +15769,9 @@
         <p:txBody>
           <a:bodyPr/>
           <a:p>
-            <a:fld id="{ABC0D0A2-A4B4-4A23-A949-FC394239AA40}" type="datetime1">
+            <a:fld id="{7E816F7D-A2C9-4724-8E94-3B6E54906421}" type="datetime1">
               <a:rPr lang="zh-CN"/>
-              <a:t>2022/10/19</a:t>
+              <a:t>2022/11/2</a:t>
             </a:fld>
           </a:p>
         </p:txBody>
@@ -11729,7 +15808,7 @@
       </p:grpSpPr>
       <p:sp>
         <p:nvSpPr>
-          <p:cNvPr id="136" name="PlaceHolder 1"/>
+          <p:cNvPr id="179" name="PlaceHolder 1"/>
           <p:cNvSpPr>
             <a:spLocks noGrp="1"/>
           </p:cNvSpPr>
@@ -11740,7 +15819,7 @@
         <p:spPr>
           <a:xfrm>
             <a:off x="360000" y="180000"/>
-            <a:ext cx="9358920" cy="477000"/>
+            <a:ext cx="9358200" cy="476280"/>
           </a:xfrm>
           <a:prstGeom prst="rect">
             <a:avLst/>
@@ -11774,14 +15853,17 @@
               <a:t>术语概述</a:t>
             </a:r>
             <a:endParaRPr b="0" lang="en-US" sz="3300" spc="-1" strike="noStrike">
-              <a:latin typeface="Arial"/>
-            </a:endParaRPr>
-          </a:p>
-        </p:txBody>
-      </p:sp>
-      <p:sp>
-        <p:nvSpPr>
-          <p:cNvPr id="137" name="PlaceHolder 2"/>
+              <a:solidFill>
+                <a:srgbClr val="000000"/>
+              </a:solidFill>
+              <a:latin typeface="Arial"/>
+            </a:endParaRPr>
+          </a:p>
+        </p:txBody>
+      </p:sp>
+      <p:sp>
+        <p:nvSpPr>
+          <p:cNvPr id="180" name="PlaceHolder 2"/>
           <p:cNvSpPr>
             <a:spLocks noGrp="1"/>
           </p:cNvSpPr>
@@ -11792,7 +15874,7 @@
         <p:spPr>
           <a:xfrm>
             <a:off x="360000" y="1080000"/>
-            <a:ext cx="9358920" cy="3688560"/>
+            <a:ext cx="9358200" cy="3687840"/>
           </a:xfrm>
           <a:prstGeom prst="rect">
             <a:avLst/>
@@ -11831,6 +15913,9 @@
               <a:t>Database</a:t>
             </a:r>
             <a:endParaRPr b="0" lang="en-US" sz="1800" spc="-1" strike="noStrike">
+              <a:solidFill>
+                <a:srgbClr val="000000"/>
+              </a:solidFill>
               <a:latin typeface="Arial"/>
             </a:endParaRPr>
           </a:p>
@@ -11859,6 +15944,9 @@
               <a:t>一个数据库实例</a:t>
             </a:r>
             <a:endParaRPr b="0" lang="en-US" sz="1800" spc="-1" strike="noStrike">
+              <a:solidFill>
+                <a:srgbClr val="000000"/>
+              </a:solidFill>
               <a:latin typeface="Arial"/>
             </a:endParaRPr>
           </a:p>
@@ -11887,6 +15975,9 @@
               <a:t>Catalog</a:t>
             </a:r>
             <a:endParaRPr b="0" lang="en-US" sz="1800" spc="-1" strike="noStrike">
+              <a:solidFill>
+                <a:srgbClr val="000000"/>
+              </a:solidFill>
               <a:latin typeface="Arial"/>
             </a:endParaRPr>
           </a:p>
@@ -11933,6 +16024,9 @@
               <a:t>中的库</a:t>
             </a:r>
             <a:endParaRPr b="0" lang="en-US" sz="1800" spc="-1" strike="noStrike">
+              <a:solidFill>
+                <a:srgbClr val="000000"/>
+              </a:solidFill>
               <a:latin typeface="Arial"/>
             </a:endParaRPr>
           </a:p>
@@ -11961,6 +16055,9 @@
               <a:t>Table</a:t>
             </a:r>
             <a:endParaRPr b="0" lang="en-US" sz="1800" spc="-1" strike="noStrike">
+              <a:solidFill>
+                <a:srgbClr val="000000"/>
+              </a:solidFill>
               <a:latin typeface="Arial"/>
             </a:endParaRPr>
           </a:p>
@@ -11989,6 +16086,9 @@
               <a:t>数据表</a:t>
             </a:r>
             <a:endParaRPr b="0" lang="en-US" sz="1800" spc="-1" strike="noStrike">
+              <a:solidFill>
+                <a:srgbClr val="000000"/>
+              </a:solidFill>
               <a:latin typeface="Arial"/>
             </a:endParaRPr>
           </a:p>
@@ -12017,6 +16117,9 @@
               <a:t>Tuple</a:t>
             </a:r>
             <a:endParaRPr b="0" lang="en-US" sz="1800" spc="-1" strike="noStrike">
+              <a:solidFill>
+                <a:srgbClr val="000000"/>
+              </a:solidFill>
               <a:latin typeface="Arial"/>
             </a:endParaRPr>
           </a:p>
@@ -12045,6 +16148,9 @@
               <a:t>一行数据</a:t>
             </a:r>
             <a:endParaRPr b="0" lang="en-US" sz="1800" spc="-1" strike="noStrike">
+              <a:solidFill>
+                <a:srgbClr val="000000"/>
+              </a:solidFill>
               <a:latin typeface="Arial"/>
             </a:endParaRPr>
           </a:p>
@@ -12073,6 +16179,9 @@
               <a:t>TupleDesc</a:t>
             </a:r>
             <a:endParaRPr b="0" lang="en-US" sz="1800" spc="-1" strike="noStrike">
+              <a:solidFill>
+                <a:srgbClr val="000000"/>
+              </a:solidFill>
               <a:latin typeface="Arial"/>
             </a:endParaRPr>
           </a:p>
@@ -12137,6 +16246,9 @@
               <a:t>定义字段名和字段类型</a:t>
             </a:r>
             <a:endParaRPr b="0" lang="en-US" sz="1800" spc="-1" strike="noStrike">
+              <a:solidFill>
+                <a:srgbClr val="000000"/>
+              </a:solidFill>
               <a:latin typeface="Arial"/>
             </a:endParaRPr>
           </a:p>
@@ -12156,7 +16268,7 @@
         <p:txBody>
           <a:bodyPr/>
           <a:p>
-            <a:fld id="{67C5D7E6-4C45-4A83-9964-5426F02A5824}" type="slidenum">
+            <a:fld id="{3F070C69-EC32-48A3-8116-E227D429A1EB}" type="slidenum">
               <a:t>6</a:t>
             </a:fld>
           </a:p>
@@ -12176,9 +16288,9 @@
         <p:txBody>
           <a:bodyPr/>
           <a:p>
-            <a:fld id="{A64B0582-0D1B-4304-BFE6-A794DECFE57C}" type="datetime1">
+            <a:fld id="{F823FCF3-31D7-4445-801A-F9787CDB93E1}" type="datetime1">
               <a:rPr lang="zh-CN"/>
-              <a:t>2022/10/19</a:t>
+              <a:t>2022/11/2</a:t>
             </a:fld>
           </a:p>
         </p:txBody>
@@ -12215,7 +16327,7 @@
       </p:grpSpPr>
       <p:sp>
         <p:nvSpPr>
-          <p:cNvPr id="138" name="PlaceHolder 1"/>
+          <p:cNvPr id="181" name="PlaceHolder 1"/>
           <p:cNvSpPr>
             <a:spLocks noGrp="1"/>
           </p:cNvSpPr>
@@ -12226,7 +16338,7 @@
         <p:spPr>
           <a:xfrm>
             <a:off x="360000" y="180000"/>
-            <a:ext cx="9358920" cy="477000"/>
+            <a:ext cx="9358200" cy="476280"/>
           </a:xfrm>
           <a:prstGeom prst="rect">
             <a:avLst/>
@@ -12269,14 +16381,17 @@
               <a:t>实现</a:t>
             </a:r>
             <a:endParaRPr b="0" lang="en-US" sz="3300" spc="-1" strike="noStrike">
-              <a:latin typeface="Arial"/>
-            </a:endParaRPr>
-          </a:p>
-        </p:txBody>
-      </p:sp>
-      <p:sp>
-        <p:nvSpPr>
-          <p:cNvPr id="139" name="PlaceHolder 2"/>
+              <a:solidFill>
+                <a:srgbClr val="000000"/>
+              </a:solidFill>
+              <a:latin typeface="Arial"/>
+            </a:endParaRPr>
+          </a:p>
+        </p:txBody>
+      </p:sp>
+      <p:sp>
+        <p:nvSpPr>
+          <p:cNvPr id="182" name="PlaceHolder 2"/>
           <p:cNvSpPr>
             <a:spLocks noGrp="1"/>
           </p:cNvSpPr>
@@ -12287,7 +16402,7 @@
         <p:spPr>
           <a:xfrm>
             <a:off x="360000" y="1080000"/>
-            <a:ext cx="9358920" cy="2159280"/>
+            <a:ext cx="9358200" cy="2158560"/>
           </a:xfrm>
           <a:prstGeom prst="rect">
             <a:avLst/>
@@ -12326,6 +16441,9 @@
               <a:t>文件存储</a:t>
             </a:r>
             <a:endParaRPr b="0" lang="en-US" sz="2100" spc="-1" strike="noStrike">
+              <a:solidFill>
+                <a:srgbClr val="000000"/>
+              </a:solidFill>
               <a:latin typeface="Arial"/>
             </a:endParaRPr>
           </a:p>
@@ -12876,6 +16994,9 @@
               <a:t>。</a:t>
             </a:r>
             <a:endParaRPr b="0" lang="en-US" sz="1600" spc="-1" strike="noStrike">
+              <a:solidFill>
+                <a:srgbClr val="000000"/>
+              </a:solidFill>
               <a:latin typeface="Arial"/>
             </a:endParaRPr>
           </a:p>
@@ -12893,6 +17014,9 @@
               </a:tabLst>
             </a:pPr>
             <a:endParaRPr b="0" lang="en-US" sz="1800" spc="-1" strike="noStrike">
+              <a:solidFill>
+                <a:srgbClr val="000000"/>
+              </a:solidFill>
               <a:latin typeface="Arial"/>
             </a:endParaRPr>
           </a:p>
@@ -12900,7 +17024,7 @@
       </p:sp>
       <p:pic>
         <p:nvPicPr>
-          <p:cNvPr id="140" name="" descr=""/>
+          <p:cNvPr id="183" name="" descr=""/>
           <p:cNvPicPr/>
           <p:nvPr/>
         </p:nvPicPr>
@@ -12911,7 +17035,7 @@
         <p:spPr>
           <a:xfrm>
             <a:off x="1154160" y="3480480"/>
-            <a:ext cx="7485120" cy="1198800"/>
+            <a:ext cx="7484400" cy="1198080"/>
           </a:xfrm>
           <a:prstGeom prst="rect">
             <a:avLst/>
@@ -12935,7 +17059,7 @@
         <p:txBody>
           <a:bodyPr/>
           <a:p>
-            <a:fld id="{4FA96FA0-75B6-4D58-8801-7C8237148DDD}" type="slidenum">
+            <a:fld id="{4A5F5397-30C6-4FC3-9552-BD8B9922FF18}" type="slidenum">
               <a:t>7</a:t>
             </a:fld>
           </a:p>
@@ -12955,9 +17079,9 @@
         <p:txBody>
           <a:bodyPr/>
           <a:p>
-            <a:fld id="{E56CF865-B8F2-4246-A361-BBBC270AEAFF}" type="datetime1">
+            <a:fld id="{48378FBD-BD81-4472-8686-E24339DDBBD9}" type="datetime1">
               <a:rPr lang="zh-CN"/>
-              <a:t>2022/10/19</a:t>
+              <a:t>2022/11/2</a:t>
             </a:fld>
           </a:p>
         </p:txBody>
@@ -12994,7 +17118,7 @@
       </p:grpSpPr>
       <p:sp>
         <p:nvSpPr>
-          <p:cNvPr id="141" name="PlaceHolder 1"/>
+          <p:cNvPr id="184" name="PlaceHolder 1"/>
           <p:cNvSpPr>
             <a:spLocks noGrp="1"/>
           </p:cNvSpPr>
@@ -13005,7 +17129,7 @@
         <p:spPr>
           <a:xfrm>
             <a:off x="360000" y="1080000"/>
-            <a:ext cx="9358920" cy="3598920"/>
+            <a:ext cx="9358200" cy="3598200"/>
           </a:xfrm>
           <a:prstGeom prst="rect">
             <a:avLst/>
@@ -13044,6 +17168,9 @@
               <a:t>page cache</a:t>
             </a:r>
             <a:endParaRPr b="0" lang="en-US" sz="2400" spc="-1" strike="noStrike">
+              <a:solidFill>
+                <a:srgbClr val="000000"/>
+              </a:solidFill>
               <a:latin typeface="Arial"/>
             </a:endParaRPr>
           </a:p>
@@ -13153,6 +17280,9 @@
               <a:t>，再进行后续操作。事务提交时，将脏页持久化到磁盘。</a:t>
             </a:r>
             <a:endParaRPr b="0" lang="en-US" sz="2100" spc="-1" strike="noStrike">
+              <a:solidFill>
+                <a:srgbClr val="000000"/>
+              </a:solidFill>
               <a:latin typeface="Arial"/>
             </a:endParaRPr>
           </a:p>
@@ -13181,6 +17311,9 @@
               <a:t>事务</a:t>
             </a:r>
             <a:endParaRPr b="0" lang="en-US" sz="2400" spc="-1" strike="noStrike">
+              <a:solidFill>
+                <a:srgbClr val="000000"/>
+              </a:solidFill>
               <a:latin typeface="Arial"/>
             </a:endParaRPr>
           </a:p>
@@ -13227,6 +17360,9 @@
               <a:t>隔离级别。</a:t>
             </a:r>
             <a:endParaRPr b="0" lang="en-US" sz="2100" spc="-1" strike="noStrike">
+              <a:solidFill>
+                <a:srgbClr val="000000"/>
+              </a:solidFill>
               <a:latin typeface="Arial"/>
             </a:endParaRPr>
           </a:p>
@@ -13244,6 +17380,9 @@
               </a:tabLst>
             </a:pPr>
             <a:endParaRPr b="0" lang="en-US" sz="2100" spc="-1" strike="noStrike">
+              <a:solidFill>
+                <a:srgbClr val="000000"/>
+              </a:solidFill>
               <a:latin typeface="Arial"/>
             </a:endParaRPr>
           </a:p>
@@ -13263,7 +17402,7 @@
         <p:txBody>
           <a:bodyPr/>
           <a:p>
-            <a:fld id="{11C87421-FF35-4CBC-BB4C-CDBCAB63FCE7}" type="slidenum">
+            <a:fld id="{D40C0791-9557-4638-9D99-E79B1DFC319D}" type="slidenum">
               <a:t>8</a:t>
             </a:fld>
           </a:p>
@@ -13283,9 +17422,9 @@
         <p:txBody>
           <a:bodyPr/>
           <a:p>
-            <a:fld id="{AF7E7473-B54F-4F3D-8EED-8E113E3C1C9A}" type="datetime1">
+            <a:fld id="{2E851E60-2E52-4C11-AF07-1FA083155FFA}" type="datetime1">
               <a:rPr lang="zh-CN"/>
-              <a:t>2022/10/19</a:t>
+              <a:t>2022/11/2</a:t>
             </a:fld>
           </a:p>
         </p:txBody>
@@ -13322,7 +17461,7 @@
       </p:grpSpPr>
       <p:sp>
         <p:nvSpPr>
-          <p:cNvPr id="142" name="PlaceHolder 1"/>
+          <p:cNvPr id="185" name="PlaceHolder 1"/>
           <p:cNvSpPr>
             <a:spLocks noGrp="1"/>
           </p:cNvSpPr>
@@ -13333,7 +17472,7 @@
         <p:spPr>
           <a:xfrm>
             <a:off x="360000" y="180000"/>
-            <a:ext cx="9358920" cy="477000"/>
+            <a:ext cx="9358200" cy="476280"/>
           </a:xfrm>
           <a:prstGeom prst="rect">
             <a:avLst/>
@@ -13376,14 +17515,17 @@
               <a:t>实现</a:t>
             </a:r>
             <a:endParaRPr b="0" lang="en-US" sz="3300" spc="-1" strike="noStrike">
-              <a:latin typeface="Arial"/>
-            </a:endParaRPr>
-          </a:p>
-        </p:txBody>
-      </p:sp>
-      <p:sp>
-        <p:nvSpPr>
-          <p:cNvPr id="143" name="PlaceHolder 2"/>
+              <a:solidFill>
+                <a:srgbClr val="000000"/>
+              </a:solidFill>
+              <a:latin typeface="Arial"/>
+            </a:endParaRPr>
+          </a:p>
+        </p:txBody>
+      </p:sp>
+      <p:sp>
+        <p:nvSpPr>
+          <p:cNvPr id="186" name="PlaceHolder 2"/>
           <p:cNvSpPr>
             <a:spLocks noGrp="1"/>
           </p:cNvSpPr>
@@ -13394,7 +17536,7 @@
         <p:spPr>
           <a:xfrm>
             <a:off x="360000" y="1080000"/>
-            <a:ext cx="9358920" cy="3598920"/>
+            <a:ext cx="9358200" cy="3598200"/>
           </a:xfrm>
           <a:prstGeom prst="rect">
             <a:avLst/>
@@ -13460,6 +17602,9 @@
               <a:t>）</a:t>
             </a:r>
             <a:endParaRPr b="0" lang="en-US" sz="2400" spc="-1" strike="noStrike">
+              <a:solidFill>
+                <a:srgbClr val="000000"/>
+              </a:solidFill>
               <a:latin typeface="Arial"/>
             </a:endParaRPr>
           </a:p>
@@ -13524,6 +17669,9 @@
               <a:t>）</a:t>
             </a:r>
             <a:endParaRPr b="0" lang="en-US" sz="2400" spc="-1" strike="noStrike">
+              <a:solidFill>
+                <a:srgbClr val="000000"/>
+              </a:solidFill>
               <a:latin typeface="Arial"/>
             </a:endParaRPr>
           </a:p>
@@ -13588,6 +17736,9 @@
               <a:t>）</a:t>
             </a:r>
             <a:endParaRPr b="0" lang="en-US" sz="2400" spc="-1" strike="noStrike">
+              <a:solidFill>
+                <a:srgbClr val="000000"/>
+              </a:solidFill>
               <a:latin typeface="Arial"/>
             </a:endParaRPr>
           </a:p>
@@ -13616,6 +17767,9 @@
               <a:t>获取数据，返回结果</a:t>
             </a:r>
             <a:endParaRPr b="0" lang="en-US" sz="2400" spc="-1" strike="noStrike">
+              <a:solidFill>
+                <a:srgbClr val="000000"/>
+              </a:solidFill>
               <a:latin typeface="Arial"/>
             </a:endParaRPr>
           </a:p>
@@ -13635,7 +17789,7 @@
         <p:txBody>
           <a:bodyPr/>
           <a:p>
-            <a:fld id="{A5FEC0A5-45E9-44F6-99E3-6CD3673B0FF2}" type="slidenum">
+            <a:fld id="{A01FB594-DB64-412C-AF54-C70E226A0062}" type="slidenum">
               <a:t>9</a:t>
             </a:fld>
           </a:p>
@@ -13655,9 +17809,9 @@
         <p:txBody>
           <a:bodyPr/>
           <a:p>
-            <a:fld id="{660D828C-3BDB-42B5-B1A8-2758A9280C98}" type="datetime1">
+            <a:fld id="{A52127CD-2C92-4BC2-AD49-C377240F17EE}" type="datetime1">
               <a:rPr lang="zh-CN"/>
-              <a:t>2022/10/19</a:t>
+              <a:t>2022/11/2</a:t>
             </a:fld>
           </a:p>
         </p:txBody>
@@ -14132,6 +18286,232 @@
   <a:themeElements>
     <a:clrScheme name="Office">
       <a:dk1>
+        <a:srgbClr val="000000"/>
+      </a:dk1>
+      <a:lt1>
+        <a:srgbClr val="ffffff"/>
+      </a:lt1>
+      <a:dk2>
+        <a:srgbClr val="1f497d"/>
+      </a:dk2>
+      <a:lt2>
+        <a:srgbClr val="eeece1"/>
+      </a:lt2>
+      <a:accent1>
+        <a:srgbClr val="4f81bd"/>
+      </a:accent1>
+      <a:accent2>
+        <a:srgbClr val="c0504d"/>
+      </a:accent2>
+      <a:accent3>
+        <a:srgbClr val="9bbb59"/>
+      </a:accent3>
+      <a:accent4>
+        <a:srgbClr val="8064a2"/>
+      </a:accent4>
+      <a:accent5>
+        <a:srgbClr val="4bacc6"/>
+      </a:accent5>
+      <a:accent6>
+        <a:srgbClr val="f79646"/>
+      </a:accent6>
+      <a:hlink>
+        <a:srgbClr val="0000ff"/>
+      </a:hlink>
+      <a:folHlink>
+        <a:srgbClr val="800080"/>
+      </a:folHlink>
+    </a:clrScheme>
+    <a:fontScheme name="Office">
+      <a:majorFont>
+        <a:latin typeface="Arial"/>
+        <a:ea typeface="DejaVu Sans"/>
+        <a:cs typeface="DejaVu Sans"/>
+      </a:majorFont>
+      <a:minorFont>
+        <a:latin typeface="Arial"/>
+        <a:ea typeface="DejaVu Sans"/>
+        <a:cs typeface="DejaVu Sans"/>
+      </a:minorFont>
+    </a:fontScheme>
+    <a:fmtScheme name="Office">
+      <a:fillStyleLst>
+        <a:solidFill>
+          <a:schemeClr val="phClr"/>
+        </a:solidFill>
+        <a:gradFill rotWithShape="1">
+          <a:gsLst>
+            <a:gs pos="0">
+              <a:schemeClr val="phClr">
+                <a:tint val="50000"/>
+                <a:satMod val="300000"/>
+              </a:schemeClr>
+            </a:gs>
+            <a:gs pos="35000">
+              <a:schemeClr val="phClr">
+                <a:tint val="37000"/>
+                <a:satMod val="300000"/>
+              </a:schemeClr>
+            </a:gs>
+            <a:gs pos="100000">
+              <a:schemeClr val="phClr">
+                <a:tint val="15000"/>
+                <a:satMod val="350000"/>
+              </a:schemeClr>
+            </a:gs>
+          </a:gsLst>
+          <a:lin ang="16200000" scaled="1"/>
+        </a:gradFill>
+        <a:gradFill rotWithShape="1">
+          <a:gsLst>
+            <a:gs pos="0">
+              <a:schemeClr val="phClr">
+                <a:shade val="51000"/>
+                <a:satMod val="130000"/>
+              </a:schemeClr>
+            </a:gs>
+            <a:gs pos="80000">
+              <a:schemeClr val="phClr">
+                <a:shade val="93000"/>
+                <a:satMod val="130000"/>
+              </a:schemeClr>
+            </a:gs>
+            <a:gs pos="100000">
+              <a:schemeClr val="phClr">
+                <a:shade val="94000"/>
+                <a:satMod val="135000"/>
+              </a:schemeClr>
+            </a:gs>
+          </a:gsLst>
+          <a:lin ang="16200000" scaled="0"/>
+        </a:gradFill>
+      </a:fillStyleLst>
+      <a:lnStyleLst>
+        <a:ln w="9525" cap="flat" cmpd="sng" algn="ctr">
+          <a:solidFill>
+            <a:schemeClr val="phClr">
+              <a:shade val="95000"/>
+              <a:satMod val="105000"/>
+            </a:schemeClr>
+          </a:solidFill>
+          <a:prstDash val="solid"/>
+          <a:miter/>
+        </a:ln>
+        <a:ln w="25400" cap="flat" cmpd="sng" algn="ctr">
+          <a:solidFill>
+            <a:schemeClr val="phClr"/>
+          </a:solidFill>
+          <a:prstDash val="solid"/>
+          <a:miter/>
+        </a:ln>
+        <a:ln w="38100" cap="flat" cmpd="sng" algn="ctr">
+          <a:solidFill>
+            <a:schemeClr val="phClr"/>
+          </a:solidFill>
+          <a:prstDash val="solid"/>
+          <a:miter/>
+        </a:ln>
+      </a:lnStyleLst>
+      <a:effectStyleLst>
+        <a:effectStyle>
+          <a:effectLst>
+            <a:outerShdw blurRad="40000" dist="20000" dir="5400000" rotWithShape="0">
+              <a:srgbClr val="000000">
+                <a:alpha val="38000"/>
+              </a:srgbClr>
+            </a:outerShdw>
+          </a:effectLst>
+        </a:effectStyle>
+        <a:effectStyle>
+          <a:effectLst>
+            <a:outerShdw blurRad="40000" dist="23000" dir="5400000" rotWithShape="0">
+              <a:srgbClr val="000000">
+                <a:alpha val="35000"/>
+              </a:srgbClr>
+            </a:outerShdw>
+          </a:effectLst>
+        </a:effectStyle>
+        <a:effectStyle>
+          <a:effectLst>
+            <a:outerShdw blurRad="40000" dist="23000" dir="5400000" rotWithShape="0">
+              <a:srgbClr val="000000">
+                <a:alpha val="35000"/>
+              </a:srgbClr>
+            </a:outerShdw>
+          </a:effectLst>
+          <a:scene3d>
+            <a:camera prst="orthographicFront">
+              <a:rot lat="0" lon="0" rev="0"/>
+            </a:camera>
+            <a:lightRig rig="threePt" dir="t">
+              <a:rot lat="0" lon="0" rev="1200000"/>
+            </a:lightRig>
+          </a:scene3d>
+          <a:sp3d>
+            <a:bevelT w="63500" h="25400"/>
+          </a:sp3d>
+        </a:effectStyle>
+      </a:effectStyleLst>
+      <a:bgFillStyleLst>
+        <a:solidFill>
+          <a:schemeClr val="phClr"/>
+        </a:solidFill>
+        <a:gradFill rotWithShape="1">
+          <a:gsLst>
+            <a:gs pos="0">
+              <a:schemeClr val="phClr">
+                <a:tint val="40000"/>
+                <a:satMod val="350000"/>
+              </a:schemeClr>
+            </a:gs>
+            <a:gs pos="40000">
+              <a:schemeClr val="phClr">
+                <a:tint val="45000"/>
+                <a:shade val="99000"/>
+                <a:satMod val="350000"/>
+              </a:schemeClr>
+            </a:gs>
+            <a:gs pos="100000">
+              <a:schemeClr val="phClr">
+                <a:shade val="20000"/>
+                <a:satMod val="255000"/>
+              </a:schemeClr>
+            </a:gs>
+          </a:gsLst>
+          <a:path path="circle">
+            <a:fillToRect l="50000" t="-80000" r="50000" b="180000"/>
+          </a:path>
+        </a:gradFill>
+        <a:gradFill rotWithShape="1">
+          <a:gsLst>
+            <a:gs pos="0">
+              <a:schemeClr val="phClr">
+                <a:tint val="80000"/>
+                <a:satMod val="300000"/>
+              </a:schemeClr>
+            </a:gs>
+            <a:gs pos="100000">
+              <a:schemeClr val="phClr">
+                <a:shade val="30000"/>
+                <a:satMod val="200000"/>
+              </a:schemeClr>
+            </a:gs>
+          </a:gsLst>
+          <a:path path="circle">
+            <a:fillToRect l="50000" t="50000" r="50000" b="50000"/>
+          </a:path>
+        </a:gradFill>
+      </a:bgFillStyleLst>
+    </a:fmtScheme>
+  </a:themeElements>
+</a:theme>
+</file>
+
+<file path=ppt/theme/theme4.xml><?xml version="1.0" encoding="utf-8"?>
+<a:theme xmlns:a="http://schemas.openxmlformats.org/drawingml/2006/main" name="Office Theme">
+  <a:themeElements>
+    <a:clrScheme name="Office">
+      <a:dk1>
         <a:sysClr val="windowText" lastClr="000000"/>
       </a:dk1>
       <a:lt1>
